--- a/DataStructuresAndAlgorithms/Aula 04 - Recursividade e Arvores/Aula 04 - Recursion & Trees.pptx
+++ b/DataStructuresAndAlgorithms/Aula 04 - Recursividade e Arvores/Aula 04 - Recursion & Trees.pptx
@@ -103,19 +103,7 @@
               <a:rPr b="0" lang="pt-BR" sz="4400" spc="-1" strike="noStrike">
                 <a:latin typeface="Arial"/>
               </a:rPr>
-              <a:t>Click to </a:t>
-            </a:r>
-            <a:r>
-              <a:rPr b="0" lang="pt-BR" sz="4400" spc="-1" strike="noStrike">
-                <a:latin typeface="Arial"/>
-              </a:rPr>
-              <a:t>move </a:t>
-            </a:r>
-            <a:r>
-              <a:rPr b="0" lang="pt-BR" sz="4400" spc="-1" strike="noStrike">
-                <a:latin typeface="Arial"/>
-              </a:rPr>
-              <a:t>the slide</a:t>
+              <a:t>Click to move the slide</a:t>
             </a:r>
             <a:endParaRPr b="0" lang="pt-BR" sz="4400" spc="-1" strike="noStrike">
               <a:latin typeface="Arial"/>
@@ -340,7 +328,7 @@
             <a:pPr algn="r">
               <a:buNone/>
             </a:pPr>
-            <a:fld id="{B868B040-23EA-4E3A-9BF9-77490F2C4734}" type="slidenum">
+            <a:fld id="{47D95FC1-727B-4587-B227-A50BE85DE532}" type="slidenum">
               <a:rPr b="0" lang="pt-BR" sz="1400" spc="-1" strike="noStrike">
                 <a:latin typeface="Times New Roman"/>
               </a:rPr>
@@ -377,7 +365,7 @@
       </p:grpSpPr>
       <p:sp>
         <p:nvSpPr>
-          <p:cNvPr id="506" name="PlaceHolder 1"/>
+          <p:cNvPr id="509" name="PlaceHolder 1"/>
           <p:cNvSpPr>
             <a:spLocks noGrp="1"/>
           </p:cNvSpPr>
@@ -388,19 +376,19 @@
         <p:spPr>
           <a:xfrm>
             <a:off x="1376280" y="1336680"/>
-            <a:ext cx="4801320" cy="3601440"/>
-          </a:xfrm>
-          <a:prstGeom prst="rect">
-            <a:avLst/>
-          </a:prstGeom>
-          <a:ln w="0">
-            <a:noFill/>
-          </a:ln>
-        </p:spPr>
-      </p:sp>
-      <p:sp>
-        <p:nvSpPr>
-          <p:cNvPr id="507" name="PlaceHolder 2"/>
+            <a:ext cx="4800960" cy="3601080"/>
+          </a:xfrm>
+          <a:prstGeom prst="rect">
+            <a:avLst/>
+          </a:prstGeom>
+          <a:ln w="0">
+            <a:noFill/>
+          </a:ln>
+        </p:spPr>
+      </p:sp>
+      <p:sp>
+        <p:nvSpPr>
+          <p:cNvPr id="510" name="PlaceHolder 2"/>
           <p:cNvSpPr>
             <a:spLocks noGrp="1"/>
           </p:cNvSpPr>
@@ -411,7 +399,7 @@
         <p:spPr>
           <a:xfrm>
             <a:off x="756000" y="5145120"/>
-            <a:ext cx="6040800" cy="4203000"/>
+            <a:ext cx="6040440" cy="4202640"/>
           </a:xfrm>
           <a:prstGeom prst="rect">
             <a:avLst/>
@@ -434,14 +422,14 @@
       </p:sp>
       <p:sp>
         <p:nvSpPr>
-          <p:cNvPr id="508" name="CustomShape 3"/>
+          <p:cNvPr id="511" name="CustomShape 3"/>
           <p:cNvSpPr/>
           <p:nvPr/>
         </p:nvSpPr>
         <p:spPr>
           <a:xfrm>
             <a:off x="0" y="10155240"/>
-            <a:ext cx="3269160" cy="529560"/>
+            <a:ext cx="3268800" cy="529200"/>
           </a:xfrm>
           <a:prstGeom prst="rect">
             <a:avLst/>
@@ -508,7 +496,7 @@
       </p:grpSpPr>
       <p:sp>
         <p:nvSpPr>
-          <p:cNvPr id="533" name="PlaceHolder 1"/>
+          <p:cNvPr id="536" name="PlaceHolder 1"/>
           <p:cNvSpPr>
             <a:spLocks noGrp="1"/>
           </p:cNvSpPr>
@@ -519,19 +507,19 @@
         <p:spPr>
           <a:xfrm>
             <a:off x="1376280" y="1336680"/>
-            <a:ext cx="4801320" cy="3601440"/>
-          </a:xfrm>
-          <a:prstGeom prst="rect">
-            <a:avLst/>
-          </a:prstGeom>
-          <a:ln w="0">
-            <a:noFill/>
-          </a:ln>
-        </p:spPr>
-      </p:sp>
-      <p:sp>
-        <p:nvSpPr>
-          <p:cNvPr id="534" name="PlaceHolder 2"/>
+            <a:ext cx="4800960" cy="3601080"/>
+          </a:xfrm>
+          <a:prstGeom prst="rect">
+            <a:avLst/>
+          </a:prstGeom>
+          <a:ln w="0">
+            <a:noFill/>
+          </a:ln>
+        </p:spPr>
+      </p:sp>
+      <p:sp>
+        <p:nvSpPr>
+          <p:cNvPr id="537" name="PlaceHolder 2"/>
           <p:cNvSpPr>
             <a:spLocks noGrp="1"/>
           </p:cNvSpPr>
@@ -542,7 +530,7 @@
         <p:spPr>
           <a:xfrm>
             <a:off x="756000" y="5145120"/>
-            <a:ext cx="6040800" cy="4203000"/>
+            <a:ext cx="6040440" cy="4202640"/>
           </a:xfrm>
           <a:prstGeom prst="rect">
             <a:avLst/>
@@ -565,14 +553,14 @@
       </p:sp>
       <p:sp>
         <p:nvSpPr>
-          <p:cNvPr id="535" name="CustomShape 30"/>
+          <p:cNvPr id="538" name="CustomShape 30"/>
           <p:cNvSpPr/>
           <p:nvPr/>
         </p:nvSpPr>
         <p:spPr>
           <a:xfrm>
             <a:off x="0" y="10155240"/>
-            <a:ext cx="3269160" cy="529560"/>
+            <a:ext cx="3268800" cy="529200"/>
           </a:xfrm>
           <a:prstGeom prst="rect">
             <a:avLst/>
@@ -639,7 +627,7 @@
       </p:grpSpPr>
       <p:sp>
         <p:nvSpPr>
-          <p:cNvPr id="536" name="PlaceHolder 1"/>
+          <p:cNvPr id="539" name="PlaceHolder 1"/>
           <p:cNvSpPr>
             <a:spLocks noGrp="1"/>
           </p:cNvSpPr>
@@ -650,19 +638,19 @@
         <p:spPr>
           <a:xfrm>
             <a:off x="1376280" y="1336680"/>
-            <a:ext cx="4801320" cy="3601440"/>
-          </a:xfrm>
-          <a:prstGeom prst="rect">
-            <a:avLst/>
-          </a:prstGeom>
-          <a:ln w="0">
-            <a:noFill/>
-          </a:ln>
-        </p:spPr>
-      </p:sp>
-      <p:sp>
-        <p:nvSpPr>
-          <p:cNvPr id="537" name="PlaceHolder 2"/>
+            <a:ext cx="4800960" cy="3601080"/>
+          </a:xfrm>
+          <a:prstGeom prst="rect">
+            <a:avLst/>
+          </a:prstGeom>
+          <a:ln w="0">
+            <a:noFill/>
+          </a:ln>
+        </p:spPr>
+      </p:sp>
+      <p:sp>
+        <p:nvSpPr>
+          <p:cNvPr id="540" name="PlaceHolder 2"/>
           <p:cNvSpPr>
             <a:spLocks noGrp="1"/>
           </p:cNvSpPr>
@@ -673,7 +661,7 @@
         <p:spPr>
           <a:xfrm>
             <a:off x="756000" y="5145120"/>
-            <a:ext cx="6040800" cy="4203000"/>
+            <a:ext cx="6040440" cy="4202640"/>
           </a:xfrm>
           <a:prstGeom prst="rect">
             <a:avLst/>
@@ -696,14 +684,14 @@
       </p:sp>
       <p:sp>
         <p:nvSpPr>
-          <p:cNvPr id="538" name="CustomShape 34"/>
+          <p:cNvPr id="541" name="CustomShape 34"/>
           <p:cNvSpPr/>
           <p:nvPr/>
         </p:nvSpPr>
         <p:spPr>
           <a:xfrm>
             <a:off x="0" y="10155240"/>
-            <a:ext cx="3269160" cy="529560"/>
+            <a:ext cx="3268800" cy="529200"/>
           </a:xfrm>
           <a:prstGeom prst="rect">
             <a:avLst/>
@@ -770,7 +758,7 @@
       </p:grpSpPr>
       <p:sp>
         <p:nvSpPr>
-          <p:cNvPr id="539" name="PlaceHolder 1"/>
+          <p:cNvPr id="542" name="PlaceHolder 1"/>
           <p:cNvSpPr>
             <a:spLocks noGrp="1"/>
           </p:cNvSpPr>
@@ -781,19 +769,19 @@
         <p:spPr>
           <a:xfrm>
             <a:off x="1376280" y="1336680"/>
-            <a:ext cx="4801320" cy="3601440"/>
-          </a:xfrm>
-          <a:prstGeom prst="rect">
-            <a:avLst/>
-          </a:prstGeom>
-          <a:ln w="0">
-            <a:noFill/>
-          </a:ln>
-        </p:spPr>
-      </p:sp>
-      <p:sp>
-        <p:nvSpPr>
-          <p:cNvPr id="540" name="PlaceHolder 2"/>
+            <a:ext cx="4800960" cy="3601080"/>
+          </a:xfrm>
+          <a:prstGeom prst="rect">
+            <a:avLst/>
+          </a:prstGeom>
+          <a:ln w="0">
+            <a:noFill/>
+          </a:ln>
+        </p:spPr>
+      </p:sp>
+      <p:sp>
+        <p:nvSpPr>
+          <p:cNvPr id="543" name="PlaceHolder 2"/>
           <p:cNvSpPr>
             <a:spLocks noGrp="1"/>
           </p:cNvSpPr>
@@ -804,7 +792,7 @@
         <p:spPr>
           <a:xfrm>
             <a:off x="756000" y="5145120"/>
-            <a:ext cx="6040800" cy="4203000"/>
+            <a:ext cx="6040440" cy="4202640"/>
           </a:xfrm>
           <a:prstGeom prst="rect">
             <a:avLst/>
@@ -827,14 +815,14 @@
       </p:sp>
       <p:sp>
         <p:nvSpPr>
-          <p:cNvPr id="541" name="CustomShape 38"/>
+          <p:cNvPr id="544" name="CustomShape 38"/>
           <p:cNvSpPr/>
           <p:nvPr/>
         </p:nvSpPr>
         <p:spPr>
           <a:xfrm>
             <a:off x="0" y="10155240"/>
-            <a:ext cx="3269160" cy="529560"/>
+            <a:ext cx="3268800" cy="529200"/>
           </a:xfrm>
           <a:prstGeom prst="rect">
             <a:avLst/>
@@ -901,7 +889,7 @@
       </p:grpSpPr>
       <p:sp>
         <p:nvSpPr>
-          <p:cNvPr id="542" name="PlaceHolder 1"/>
+          <p:cNvPr id="545" name="PlaceHolder 1"/>
           <p:cNvSpPr>
             <a:spLocks noGrp="1"/>
           </p:cNvSpPr>
@@ -912,19 +900,19 @@
         <p:spPr>
           <a:xfrm>
             <a:off x="1376280" y="1336680"/>
-            <a:ext cx="4801320" cy="3601440"/>
-          </a:xfrm>
-          <a:prstGeom prst="rect">
-            <a:avLst/>
-          </a:prstGeom>
-          <a:ln w="0">
-            <a:noFill/>
-          </a:ln>
-        </p:spPr>
-      </p:sp>
-      <p:sp>
-        <p:nvSpPr>
-          <p:cNvPr id="543" name="PlaceHolder 2"/>
+            <a:ext cx="4800960" cy="3601080"/>
+          </a:xfrm>
+          <a:prstGeom prst="rect">
+            <a:avLst/>
+          </a:prstGeom>
+          <a:ln w="0">
+            <a:noFill/>
+          </a:ln>
+        </p:spPr>
+      </p:sp>
+      <p:sp>
+        <p:nvSpPr>
+          <p:cNvPr id="546" name="PlaceHolder 2"/>
           <p:cNvSpPr>
             <a:spLocks noGrp="1"/>
           </p:cNvSpPr>
@@ -935,7 +923,7 @@
         <p:spPr>
           <a:xfrm>
             <a:off x="756000" y="5145120"/>
-            <a:ext cx="6040800" cy="4203000"/>
+            <a:ext cx="6040440" cy="4202640"/>
           </a:xfrm>
           <a:prstGeom prst="rect">
             <a:avLst/>
@@ -958,14 +946,14 @@
       </p:sp>
       <p:sp>
         <p:nvSpPr>
-          <p:cNvPr id="544" name="CustomShape 3"/>
+          <p:cNvPr id="547" name="CustomShape 3"/>
           <p:cNvSpPr/>
           <p:nvPr/>
         </p:nvSpPr>
         <p:spPr>
           <a:xfrm>
             <a:off x="0" y="10155240"/>
-            <a:ext cx="3269160" cy="529560"/>
+            <a:ext cx="3268800" cy="529200"/>
           </a:xfrm>
           <a:prstGeom prst="rect">
             <a:avLst/>
@@ -1032,7 +1020,7 @@
       </p:grpSpPr>
       <p:sp>
         <p:nvSpPr>
-          <p:cNvPr id="545" name="PlaceHolder 1"/>
+          <p:cNvPr id="548" name="PlaceHolder 1"/>
           <p:cNvSpPr>
             <a:spLocks noGrp="1"/>
           </p:cNvSpPr>
@@ -1043,19 +1031,19 @@
         <p:spPr>
           <a:xfrm>
             <a:off x="1376280" y="1336680"/>
-            <a:ext cx="4801320" cy="3601440"/>
-          </a:xfrm>
-          <a:prstGeom prst="rect">
-            <a:avLst/>
-          </a:prstGeom>
-          <a:ln w="0">
-            <a:noFill/>
-          </a:ln>
-        </p:spPr>
-      </p:sp>
-      <p:sp>
-        <p:nvSpPr>
-          <p:cNvPr id="546" name="PlaceHolder 2"/>
+            <a:ext cx="4800960" cy="3601080"/>
+          </a:xfrm>
+          <a:prstGeom prst="rect">
+            <a:avLst/>
+          </a:prstGeom>
+          <a:ln w="0">
+            <a:noFill/>
+          </a:ln>
+        </p:spPr>
+      </p:sp>
+      <p:sp>
+        <p:nvSpPr>
+          <p:cNvPr id="549" name="PlaceHolder 2"/>
           <p:cNvSpPr>
             <a:spLocks noGrp="1"/>
           </p:cNvSpPr>
@@ -1066,7 +1054,7 @@
         <p:spPr>
           <a:xfrm>
             <a:off x="756000" y="5145120"/>
-            <a:ext cx="6040800" cy="4203000"/>
+            <a:ext cx="6040440" cy="4202640"/>
           </a:xfrm>
           <a:prstGeom prst="rect">
             <a:avLst/>
@@ -1089,14 +1077,14 @@
       </p:sp>
       <p:sp>
         <p:nvSpPr>
-          <p:cNvPr id="547" name="CustomShape 43"/>
+          <p:cNvPr id="550" name="CustomShape 43"/>
           <p:cNvSpPr/>
           <p:nvPr/>
         </p:nvSpPr>
         <p:spPr>
           <a:xfrm>
             <a:off x="0" y="10155240"/>
-            <a:ext cx="3269160" cy="529560"/>
+            <a:ext cx="3268800" cy="529200"/>
           </a:xfrm>
           <a:prstGeom prst="rect">
             <a:avLst/>
@@ -1163,7 +1151,7 @@
       </p:grpSpPr>
       <p:sp>
         <p:nvSpPr>
-          <p:cNvPr id="548" name="PlaceHolder 1"/>
+          <p:cNvPr id="551" name="PlaceHolder 1"/>
           <p:cNvSpPr>
             <a:spLocks noGrp="1"/>
           </p:cNvSpPr>
@@ -1174,19 +1162,19 @@
         <p:spPr>
           <a:xfrm>
             <a:off x="1376280" y="1336680"/>
-            <a:ext cx="4801320" cy="3601440"/>
-          </a:xfrm>
-          <a:prstGeom prst="rect">
-            <a:avLst/>
-          </a:prstGeom>
-          <a:ln w="0">
-            <a:noFill/>
-          </a:ln>
-        </p:spPr>
-      </p:sp>
-      <p:sp>
-        <p:nvSpPr>
-          <p:cNvPr id="549" name="PlaceHolder 2"/>
+            <a:ext cx="4800960" cy="3601080"/>
+          </a:xfrm>
+          <a:prstGeom prst="rect">
+            <a:avLst/>
+          </a:prstGeom>
+          <a:ln w="0">
+            <a:noFill/>
+          </a:ln>
+        </p:spPr>
+      </p:sp>
+      <p:sp>
+        <p:nvSpPr>
+          <p:cNvPr id="552" name="PlaceHolder 2"/>
           <p:cNvSpPr>
             <a:spLocks noGrp="1"/>
           </p:cNvSpPr>
@@ -1197,7 +1185,7 @@
         <p:spPr>
           <a:xfrm>
             <a:off x="756000" y="5145120"/>
-            <a:ext cx="6040800" cy="4203000"/>
+            <a:ext cx="6040440" cy="4202640"/>
           </a:xfrm>
           <a:prstGeom prst="rect">
             <a:avLst/>
@@ -1220,14 +1208,14 @@
       </p:sp>
       <p:sp>
         <p:nvSpPr>
-          <p:cNvPr id="550" name="CustomShape 3"/>
+          <p:cNvPr id="553" name="CustomShape 3"/>
           <p:cNvSpPr/>
           <p:nvPr/>
         </p:nvSpPr>
         <p:spPr>
           <a:xfrm>
             <a:off x="0" y="10155240"/>
-            <a:ext cx="3269160" cy="529560"/>
+            <a:ext cx="3268800" cy="529200"/>
           </a:xfrm>
           <a:prstGeom prst="rect">
             <a:avLst/>
@@ -1294,7 +1282,7 @@
       </p:grpSpPr>
       <p:sp>
         <p:nvSpPr>
-          <p:cNvPr id="551" name="PlaceHolder 1"/>
+          <p:cNvPr id="554" name="PlaceHolder 1"/>
           <p:cNvSpPr>
             <a:spLocks noGrp="1"/>
           </p:cNvSpPr>
@@ -1305,19 +1293,19 @@
         <p:spPr>
           <a:xfrm>
             <a:off x="1376280" y="1336680"/>
-            <a:ext cx="4801320" cy="3601440"/>
-          </a:xfrm>
-          <a:prstGeom prst="rect">
-            <a:avLst/>
-          </a:prstGeom>
-          <a:ln w="0">
-            <a:noFill/>
-          </a:ln>
-        </p:spPr>
-      </p:sp>
-      <p:sp>
-        <p:nvSpPr>
-          <p:cNvPr id="552" name="PlaceHolder 2"/>
+            <a:ext cx="4800960" cy="3601080"/>
+          </a:xfrm>
+          <a:prstGeom prst="rect">
+            <a:avLst/>
+          </a:prstGeom>
+          <a:ln w="0">
+            <a:noFill/>
+          </a:ln>
+        </p:spPr>
+      </p:sp>
+      <p:sp>
+        <p:nvSpPr>
+          <p:cNvPr id="555" name="PlaceHolder 2"/>
           <p:cNvSpPr>
             <a:spLocks noGrp="1"/>
           </p:cNvSpPr>
@@ -1328,7 +1316,7 @@
         <p:spPr>
           <a:xfrm>
             <a:off x="756000" y="5145120"/>
-            <a:ext cx="6040800" cy="4203000"/>
+            <a:ext cx="6040440" cy="4202640"/>
           </a:xfrm>
           <a:prstGeom prst="rect">
             <a:avLst/>
@@ -1351,14 +1339,14 @@
       </p:sp>
       <p:sp>
         <p:nvSpPr>
-          <p:cNvPr id="553" name="CustomShape 51"/>
+          <p:cNvPr id="556" name="CustomShape 51"/>
           <p:cNvSpPr/>
           <p:nvPr/>
         </p:nvSpPr>
         <p:spPr>
           <a:xfrm>
             <a:off x="0" y="10155240"/>
-            <a:ext cx="3269160" cy="529560"/>
+            <a:ext cx="3268800" cy="529200"/>
           </a:xfrm>
           <a:prstGeom prst="rect">
             <a:avLst/>
@@ -1425,7 +1413,7 @@
       </p:grpSpPr>
       <p:sp>
         <p:nvSpPr>
-          <p:cNvPr id="554" name="PlaceHolder 1"/>
+          <p:cNvPr id="557" name="PlaceHolder 1"/>
           <p:cNvSpPr>
             <a:spLocks noGrp="1"/>
           </p:cNvSpPr>
@@ -1436,19 +1424,19 @@
         <p:spPr>
           <a:xfrm>
             <a:off x="1376280" y="1336680"/>
-            <a:ext cx="4801320" cy="3601440"/>
-          </a:xfrm>
-          <a:prstGeom prst="rect">
-            <a:avLst/>
-          </a:prstGeom>
-          <a:ln w="0">
-            <a:noFill/>
-          </a:ln>
-        </p:spPr>
-      </p:sp>
-      <p:sp>
-        <p:nvSpPr>
-          <p:cNvPr id="555" name="PlaceHolder 2"/>
+            <a:ext cx="4800960" cy="3601080"/>
+          </a:xfrm>
+          <a:prstGeom prst="rect">
+            <a:avLst/>
+          </a:prstGeom>
+          <a:ln w="0">
+            <a:noFill/>
+          </a:ln>
+        </p:spPr>
+      </p:sp>
+      <p:sp>
+        <p:nvSpPr>
+          <p:cNvPr id="558" name="PlaceHolder 2"/>
           <p:cNvSpPr>
             <a:spLocks noGrp="1"/>
           </p:cNvSpPr>
@@ -1459,7 +1447,7 @@
         <p:spPr>
           <a:xfrm>
             <a:off x="756000" y="5145120"/>
-            <a:ext cx="6040800" cy="4203000"/>
+            <a:ext cx="6040440" cy="4202640"/>
           </a:xfrm>
           <a:prstGeom prst="rect">
             <a:avLst/>
@@ -1482,14 +1470,14 @@
       </p:sp>
       <p:sp>
         <p:nvSpPr>
-          <p:cNvPr id="556" name="CustomShape 55"/>
+          <p:cNvPr id="559" name="CustomShape 55"/>
           <p:cNvSpPr/>
           <p:nvPr/>
         </p:nvSpPr>
         <p:spPr>
           <a:xfrm>
             <a:off x="0" y="10155240"/>
-            <a:ext cx="3269160" cy="529560"/>
+            <a:ext cx="3268800" cy="529200"/>
           </a:xfrm>
           <a:prstGeom prst="rect">
             <a:avLst/>
@@ -1556,7 +1544,7 @@
       </p:grpSpPr>
       <p:sp>
         <p:nvSpPr>
-          <p:cNvPr id="557" name="PlaceHolder 1"/>
+          <p:cNvPr id="560" name="PlaceHolder 1"/>
           <p:cNvSpPr>
             <a:spLocks noGrp="1"/>
           </p:cNvSpPr>
@@ -1567,19 +1555,19 @@
         <p:spPr>
           <a:xfrm>
             <a:off x="1376280" y="1336680"/>
-            <a:ext cx="4801320" cy="3601440"/>
-          </a:xfrm>
-          <a:prstGeom prst="rect">
-            <a:avLst/>
-          </a:prstGeom>
-          <a:ln w="0">
-            <a:noFill/>
-          </a:ln>
-        </p:spPr>
-      </p:sp>
-      <p:sp>
-        <p:nvSpPr>
-          <p:cNvPr id="558" name="PlaceHolder 2"/>
+            <a:ext cx="4800960" cy="3601080"/>
+          </a:xfrm>
+          <a:prstGeom prst="rect">
+            <a:avLst/>
+          </a:prstGeom>
+          <a:ln w="0">
+            <a:noFill/>
+          </a:ln>
+        </p:spPr>
+      </p:sp>
+      <p:sp>
+        <p:nvSpPr>
+          <p:cNvPr id="561" name="PlaceHolder 2"/>
           <p:cNvSpPr>
             <a:spLocks noGrp="1"/>
           </p:cNvSpPr>
@@ -1590,7 +1578,7 @@
         <p:spPr>
           <a:xfrm>
             <a:off x="756000" y="5145120"/>
-            <a:ext cx="6040800" cy="4203000"/>
+            <a:ext cx="6040440" cy="4202640"/>
           </a:xfrm>
           <a:prstGeom prst="rect">
             <a:avLst/>
@@ -1613,14 +1601,14 @@
       </p:sp>
       <p:sp>
         <p:nvSpPr>
-          <p:cNvPr id="559" name="CustomShape 59"/>
+          <p:cNvPr id="562" name="CustomShape 59"/>
           <p:cNvSpPr/>
           <p:nvPr/>
         </p:nvSpPr>
         <p:spPr>
           <a:xfrm>
             <a:off x="0" y="10155240"/>
-            <a:ext cx="3269160" cy="529560"/>
+            <a:ext cx="3268800" cy="529200"/>
           </a:xfrm>
           <a:prstGeom prst="rect">
             <a:avLst/>
@@ -1687,7 +1675,7 @@
       </p:grpSpPr>
       <p:sp>
         <p:nvSpPr>
-          <p:cNvPr id="560" name="PlaceHolder 1"/>
+          <p:cNvPr id="563" name="PlaceHolder 1"/>
           <p:cNvSpPr>
             <a:spLocks noGrp="1"/>
           </p:cNvSpPr>
@@ -1698,19 +1686,19 @@
         <p:spPr>
           <a:xfrm>
             <a:off x="1376280" y="1336680"/>
-            <a:ext cx="4801320" cy="3601440"/>
-          </a:xfrm>
-          <a:prstGeom prst="rect">
-            <a:avLst/>
-          </a:prstGeom>
-          <a:ln w="0">
-            <a:noFill/>
-          </a:ln>
-        </p:spPr>
-      </p:sp>
-      <p:sp>
-        <p:nvSpPr>
-          <p:cNvPr id="561" name="PlaceHolder 2"/>
+            <a:ext cx="4800960" cy="3601080"/>
+          </a:xfrm>
+          <a:prstGeom prst="rect">
+            <a:avLst/>
+          </a:prstGeom>
+          <a:ln w="0">
+            <a:noFill/>
+          </a:ln>
+        </p:spPr>
+      </p:sp>
+      <p:sp>
+        <p:nvSpPr>
+          <p:cNvPr id="564" name="PlaceHolder 2"/>
           <p:cNvSpPr>
             <a:spLocks noGrp="1"/>
           </p:cNvSpPr>
@@ -1721,7 +1709,7 @@
         <p:spPr>
           <a:xfrm>
             <a:off x="756000" y="5145120"/>
-            <a:ext cx="6040800" cy="4203000"/>
+            <a:ext cx="6040440" cy="4202640"/>
           </a:xfrm>
           <a:prstGeom prst="rect">
             <a:avLst/>
@@ -1744,14 +1732,14 @@
       </p:sp>
       <p:sp>
         <p:nvSpPr>
-          <p:cNvPr id="562" name="CustomShape 63"/>
+          <p:cNvPr id="565" name="CustomShape 63"/>
           <p:cNvSpPr/>
           <p:nvPr/>
         </p:nvSpPr>
         <p:spPr>
           <a:xfrm>
             <a:off x="0" y="10155240"/>
-            <a:ext cx="3269160" cy="529560"/>
+            <a:ext cx="3268800" cy="529200"/>
           </a:xfrm>
           <a:prstGeom prst="rect">
             <a:avLst/>
@@ -1818,7 +1806,7 @@
       </p:grpSpPr>
       <p:sp>
         <p:nvSpPr>
-          <p:cNvPr id="509" name="PlaceHolder 1"/>
+          <p:cNvPr id="512" name="PlaceHolder 1"/>
           <p:cNvSpPr>
             <a:spLocks noGrp="1"/>
           </p:cNvSpPr>
@@ -1829,19 +1817,19 @@
         <p:spPr>
           <a:xfrm>
             <a:off x="1376280" y="1336680"/>
-            <a:ext cx="4801320" cy="3601440"/>
-          </a:xfrm>
-          <a:prstGeom prst="rect">
-            <a:avLst/>
-          </a:prstGeom>
-          <a:ln w="0">
-            <a:noFill/>
-          </a:ln>
-        </p:spPr>
-      </p:sp>
-      <p:sp>
-        <p:nvSpPr>
-          <p:cNvPr id="510" name="PlaceHolder 2"/>
+            <a:ext cx="4800960" cy="3601080"/>
+          </a:xfrm>
+          <a:prstGeom prst="rect">
+            <a:avLst/>
+          </a:prstGeom>
+          <a:ln w="0">
+            <a:noFill/>
+          </a:ln>
+        </p:spPr>
+      </p:sp>
+      <p:sp>
+        <p:nvSpPr>
+          <p:cNvPr id="513" name="PlaceHolder 2"/>
           <p:cNvSpPr>
             <a:spLocks noGrp="1"/>
           </p:cNvSpPr>
@@ -1852,7 +1840,7 @@
         <p:spPr>
           <a:xfrm>
             <a:off x="756000" y="5145120"/>
-            <a:ext cx="6040800" cy="4203000"/>
+            <a:ext cx="6040440" cy="4202640"/>
           </a:xfrm>
           <a:prstGeom prst="rect">
             <a:avLst/>
@@ -1875,14 +1863,14 @@
       </p:sp>
       <p:sp>
         <p:nvSpPr>
-          <p:cNvPr id="511" name="CustomShape 3"/>
+          <p:cNvPr id="514" name="CustomShape 3"/>
           <p:cNvSpPr/>
           <p:nvPr/>
         </p:nvSpPr>
         <p:spPr>
           <a:xfrm>
             <a:off x="0" y="10155240"/>
-            <a:ext cx="3269160" cy="529560"/>
+            <a:ext cx="3268800" cy="529200"/>
           </a:xfrm>
           <a:prstGeom prst="rect">
             <a:avLst/>
@@ -1949,7 +1937,7 @@
       </p:grpSpPr>
       <p:sp>
         <p:nvSpPr>
-          <p:cNvPr id="563" name="PlaceHolder 1"/>
+          <p:cNvPr id="566" name="PlaceHolder 1"/>
           <p:cNvSpPr>
             <a:spLocks noGrp="1"/>
           </p:cNvSpPr>
@@ -1960,19 +1948,19 @@
         <p:spPr>
           <a:xfrm>
             <a:off x="1376280" y="1336680"/>
-            <a:ext cx="4801320" cy="3601440"/>
-          </a:xfrm>
-          <a:prstGeom prst="rect">
-            <a:avLst/>
-          </a:prstGeom>
-          <a:ln w="0">
-            <a:noFill/>
-          </a:ln>
-        </p:spPr>
-      </p:sp>
-      <p:sp>
-        <p:nvSpPr>
-          <p:cNvPr id="564" name="PlaceHolder 2"/>
+            <a:ext cx="4800960" cy="3601080"/>
+          </a:xfrm>
+          <a:prstGeom prst="rect">
+            <a:avLst/>
+          </a:prstGeom>
+          <a:ln w="0">
+            <a:noFill/>
+          </a:ln>
+        </p:spPr>
+      </p:sp>
+      <p:sp>
+        <p:nvSpPr>
+          <p:cNvPr id="567" name="PlaceHolder 2"/>
           <p:cNvSpPr>
             <a:spLocks noGrp="1"/>
           </p:cNvSpPr>
@@ -1983,7 +1971,7 @@
         <p:spPr>
           <a:xfrm>
             <a:off x="756000" y="5145120"/>
-            <a:ext cx="6040800" cy="4203000"/>
+            <a:ext cx="6040440" cy="4202640"/>
           </a:xfrm>
           <a:prstGeom prst="rect">
             <a:avLst/>
@@ -2006,14 +1994,14 @@
       </p:sp>
       <p:sp>
         <p:nvSpPr>
-          <p:cNvPr id="565" name="CustomShape 67"/>
+          <p:cNvPr id="568" name="CustomShape 67"/>
           <p:cNvSpPr/>
           <p:nvPr/>
         </p:nvSpPr>
         <p:spPr>
           <a:xfrm>
             <a:off x="0" y="10155240"/>
-            <a:ext cx="3269160" cy="529560"/>
+            <a:ext cx="3268800" cy="529200"/>
           </a:xfrm>
           <a:prstGeom prst="rect">
             <a:avLst/>
@@ -2080,7 +2068,7 @@
       </p:grpSpPr>
       <p:sp>
         <p:nvSpPr>
-          <p:cNvPr id="566" name="PlaceHolder 1"/>
+          <p:cNvPr id="569" name="PlaceHolder 1"/>
           <p:cNvSpPr>
             <a:spLocks noGrp="1"/>
           </p:cNvSpPr>
@@ -2091,19 +2079,19 @@
         <p:spPr>
           <a:xfrm>
             <a:off x="1376280" y="1336680"/>
-            <a:ext cx="4801320" cy="3601440"/>
-          </a:xfrm>
-          <a:prstGeom prst="rect">
-            <a:avLst/>
-          </a:prstGeom>
-          <a:ln w="0">
-            <a:noFill/>
-          </a:ln>
-        </p:spPr>
-      </p:sp>
-      <p:sp>
-        <p:nvSpPr>
-          <p:cNvPr id="567" name="PlaceHolder 2"/>
+            <a:ext cx="4800960" cy="3601080"/>
+          </a:xfrm>
+          <a:prstGeom prst="rect">
+            <a:avLst/>
+          </a:prstGeom>
+          <a:ln w="0">
+            <a:noFill/>
+          </a:ln>
+        </p:spPr>
+      </p:sp>
+      <p:sp>
+        <p:nvSpPr>
+          <p:cNvPr id="570" name="PlaceHolder 2"/>
           <p:cNvSpPr>
             <a:spLocks noGrp="1"/>
           </p:cNvSpPr>
@@ -2114,7 +2102,7 @@
         <p:spPr>
           <a:xfrm>
             <a:off x="756000" y="5145120"/>
-            <a:ext cx="6040800" cy="4203000"/>
+            <a:ext cx="6040440" cy="4202640"/>
           </a:xfrm>
           <a:prstGeom prst="rect">
             <a:avLst/>
@@ -2137,14 +2125,14 @@
       </p:sp>
       <p:sp>
         <p:nvSpPr>
-          <p:cNvPr id="568" name="CustomShape 71"/>
+          <p:cNvPr id="571" name="CustomShape 71"/>
           <p:cNvSpPr/>
           <p:nvPr/>
         </p:nvSpPr>
         <p:spPr>
           <a:xfrm>
             <a:off x="0" y="10155240"/>
-            <a:ext cx="3269160" cy="529560"/>
+            <a:ext cx="3268800" cy="529200"/>
           </a:xfrm>
           <a:prstGeom prst="rect">
             <a:avLst/>
@@ -2211,7 +2199,7 @@
       </p:grpSpPr>
       <p:sp>
         <p:nvSpPr>
-          <p:cNvPr id="569" name="PlaceHolder 1"/>
+          <p:cNvPr id="572" name="PlaceHolder 1"/>
           <p:cNvSpPr>
             <a:spLocks noGrp="1"/>
           </p:cNvSpPr>
@@ -2222,19 +2210,19 @@
         <p:spPr>
           <a:xfrm>
             <a:off x="1376280" y="1336680"/>
-            <a:ext cx="4801320" cy="3601440"/>
-          </a:xfrm>
-          <a:prstGeom prst="rect">
-            <a:avLst/>
-          </a:prstGeom>
-          <a:ln w="0">
-            <a:noFill/>
-          </a:ln>
-        </p:spPr>
-      </p:sp>
-      <p:sp>
-        <p:nvSpPr>
-          <p:cNvPr id="570" name="PlaceHolder 2"/>
+            <a:ext cx="4800960" cy="3601080"/>
+          </a:xfrm>
+          <a:prstGeom prst="rect">
+            <a:avLst/>
+          </a:prstGeom>
+          <a:ln w="0">
+            <a:noFill/>
+          </a:ln>
+        </p:spPr>
+      </p:sp>
+      <p:sp>
+        <p:nvSpPr>
+          <p:cNvPr id="573" name="PlaceHolder 2"/>
           <p:cNvSpPr>
             <a:spLocks noGrp="1"/>
           </p:cNvSpPr>
@@ -2245,7 +2233,7 @@
         <p:spPr>
           <a:xfrm>
             <a:off x="756000" y="5145120"/>
-            <a:ext cx="6040800" cy="4203000"/>
+            <a:ext cx="6040440" cy="4202640"/>
           </a:xfrm>
           <a:prstGeom prst="rect">
             <a:avLst/>
@@ -2268,14 +2256,14 @@
       </p:sp>
       <p:sp>
         <p:nvSpPr>
-          <p:cNvPr id="571" name="CustomShape 75"/>
+          <p:cNvPr id="574" name="CustomShape 75"/>
           <p:cNvSpPr/>
           <p:nvPr/>
         </p:nvSpPr>
         <p:spPr>
           <a:xfrm>
             <a:off x="0" y="10155240"/>
-            <a:ext cx="3269160" cy="529560"/>
+            <a:ext cx="3268800" cy="529200"/>
           </a:xfrm>
           <a:prstGeom prst="rect">
             <a:avLst/>
@@ -2342,7 +2330,7 @@
       </p:grpSpPr>
       <p:sp>
         <p:nvSpPr>
-          <p:cNvPr id="572" name="PlaceHolder 1"/>
+          <p:cNvPr id="575" name="PlaceHolder 1"/>
           <p:cNvSpPr>
             <a:spLocks noGrp="1"/>
           </p:cNvSpPr>
@@ -2353,19 +2341,19 @@
         <p:spPr>
           <a:xfrm>
             <a:off x="1376280" y="1336680"/>
-            <a:ext cx="4801320" cy="3601440"/>
-          </a:xfrm>
-          <a:prstGeom prst="rect">
-            <a:avLst/>
-          </a:prstGeom>
-          <a:ln w="0">
-            <a:noFill/>
-          </a:ln>
-        </p:spPr>
-      </p:sp>
-      <p:sp>
-        <p:nvSpPr>
-          <p:cNvPr id="573" name="PlaceHolder 2"/>
+            <a:ext cx="4800960" cy="3601080"/>
+          </a:xfrm>
+          <a:prstGeom prst="rect">
+            <a:avLst/>
+          </a:prstGeom>
+          <a:ln w="0">
+            <a:noFill/>
+          </a:ln>
+        </p:spPr>
+      </p:sp>
+      <p:sp>
+        <p:nvSpPr>
+          <p:cNvPr id="576" name="PlaceHolder 2"/>
           <p:cNvSpPr>
             <a:spLocks noGrp="1"/>
           </p:cNvSpPr>
@@ -2376,7 +2364,7 @@
         <p:spPr>
           <a:xfrm>
             <a:off x="756000" y="5145120"/>
-            <a:ext cx="6040800" cy="4203000"/>
+            <a:ext cx="6040440" cy="4202640"/>
           </a:xfrm>
           <a:prstGeom prst="rect">
             <a:avLst/>
@@ -2399,14 +2387,14 @@
       </p:sp>
       <p:sp>
         <p:nvSpPr>
-          <p:cNvPr id="574" name="CustomShape 79"/>
+          <p:cNvPr id="577" name="CustomShape 79"/>
           <p:cNvSpPr/>
           <p:nvPr/>
         </p:nvSpPr>
         <p:spPr>
           <a:xfrm>
             <a:off x="0" y="10155240"/>
-            <a:ext cx="3269160" cy="529560"/>
+            <a:ext cx="3268800" cy="529200"/>
           </a:xfrm>
           <a:prstGeom prst="rect">
             <a:avLst/>
@@ -2473,7 +2461,7 @@
       </p:grpSpPr>
       <p:sp>
         <p:nvSpPr>
-          <p:cNvPr id="575" name="PlaceHolder 1"/>
+          <p:cNvPr id="578" name="PlaceHolder 1"/>
           <p:cNvSpPr>
             <a:spLocks noGrp="1"/>
           </p:cNvSpPr>
@@ -2484,19 +2472,19 @@
         <p:spPr>
           <a:xfrm>
             <a:off x="1376280" y="1336680"/>
-            <a:ext cx="4801320" cy="3601440"/>
-          </a:xfrm>
-          <a:prstGeom prst="rect">
-            <a:avLst/>
-          </a:prstGeom>
-          <a:ln w="0">
-            <a:noFill/>
-          </a:ln>
-        </p:spPr>
-      </p:sp>
-      <p:sp>
-        <p:nvSpPr>
-          <p:cNvPr id="576" name="PlaceHolder 2"/>
+            <a:ext cx="4800960" cy="3601080"/>
+          </a:xfrm>
+          <a:prstGeom prst="rect">
+            <a:avLst/>
+          </a:prstGeom>
+          <a:ln w="0">
+            <a:noFill/>
+          </a:ln>
+        </p:spPr>
+      </p:sp>
+      <p:sp>
+        <p:nvSpPr>
+          <p:cNvPr id="579" name="PlaceHolder 2"/>
           <p:cNvSpPr>
             <a:spLocks noGrp="1"/>
           </p:cNvSpPr>
@@ -2507,7 +2495,7 @@
         <p:spPr>
           <a:xfrm>
             <a:off x="756000" y="5145120"/>
-            <a:ext cx="6040800" cy="4203000"/>
+            <a:ext cx="6040440" cy="4202640"/>
           </a:xfrm>
           <a:prstGeom prst="rect">
             <a:avLst/>
@@ -2530,14 +2518,14 @@
       </p:sp>
       <p:sp>
         <p:nvSpPr>
-          <p:cNvPr id="577" name="CustomShape 3"/>
+          <p:cNvPr id="580" name="CustomShape 3"/>
           <p:cNvSpPr/>
           <p:nvPr/>
         </p:nvSpPr>
         <p:spPr>
           <a:xfrm>
             <a:off x="0" y="10155240"/>
-            <a:ext cx="3269160" cy="529560"/>
+            <a:ext cx="3268800" cy="529200"/>
           </a:xfrm>
           <a:prstGeom prst="rect">
             <a:avLst/>
@@ -2604,7 +2592,7 @@
       </p:grpSpPr>
       <p:sp>
         <p:nvSpPr>
-          <p:cNvPr id="578" name="PlaceHolder 1"/>
+          <p:cNvPr id="581" name="PlaceHolder 1"/>
           <p:cNvSpPr>
             <a:spLocks noGrp="1"/>
           </p:cNvSpPr>
@@ -2615,19 +2603,19 @@
         <p:spPr>
           <a:xfrm>
             <a:off x="1376280" y="1336680"/>
-            <a:ext cx="4801320" cy="3601440"/>
-          </a:xfrm>
-          <a:prstGeom prst="rect">
-            <a:avLst/>
-          </a:prstGeom>
-          <a:ln w="0">
-            <a:noFill/>
-          </a:ln>
-        </p:spPr>
-      </p:sp>
-      <p:sp>
-        <p:nvSpPr>
-          <p:cNvPr id="579" name="PlaceHolder 2"/>
+            <a:ext cx="4800960" cy="3601080"/>
+          </a:xfrm>
+          <a:prstGeom prst="rect">
+            <a:avLst/>
+          </a:prstGeom>
+          <a:ln w="0">
+            <a:noFill/>
+          </a:ln>
+        </p:spPr>
+      </p:sp>
+      <p:sp>
+        <p:nvSpPr>
+          <p:cNvPr id="582" name="PlaceHolder 2"/>
           <p:cNvSpPr>
             <a:spLocks noGrp="1"/>
           </p:cNvSpPr>
@@ -2638,7 +2626,7 @@
         <p:spPr>
           <a:xfrm>
             <a:off x="756000" y="5145120"/>
-            <a:ext cx="6040800" cy="4203000"/>
+            <a:ext cx="6040440" cy="4202640"/>
           </a:xfrm>
           <a:prstGeom prst="rect">
             <a:avLst/>
@@ -2661,14 +2649,14 @@
       </p:sp>
       <p:sp>
         <p:nvSpPr>
-          <p:cNvPr id="580" name="CustomShape 3"/>
+          <p:cNvPr id="583" name="CustomShape 3"/>
           <p:cNvSpPr/>
           <p:nvPr/>
         </p:nvSpPr>
         <p:spPr>
           <a:xfrm>
             <a:off x="0" y="10155240"/>
-            <a:ext cx="3269160" cy="529560"/>
+            <a:ext cx="3268800" cy="529200"/>
           </a:xfrm>
           <a:prstGeom prst="rect">
             <a:avLst/>
@@ -2735,7 +2723,7 @@
       </p:grpSpPr>
       <p:sp>
         <p:nvSpPr>
-          <p:cNvPr id="581" name="PlaceHolder 1"/>
+          <p:cNvPr id="584" name="PlaceHolder 1"/>
           <p:cNvSpPr>
             <a:spLocks noGrp="1"/>
           </p:cNvSpPr>
@@ -2746,19 +2734,19 @@
         <p:spPr>
           <a:xfrm>
             <a:off x="1376280" y="1336680"/>
-            <a:ext cx="4801320" cy="3601440"/>
-          </a:xfrm>
-          <a:prstGeom prst="rect">
-            <a:avLst/>
-          </a:prstGeom>
-          <a:ln w="0">
-            <a:noFill/>
-          </a:ln>
-        </p:spPr>
-      </p:sp>
-      <p:sp>
-        <p:nvSpPr>
-          <p:cNvPr id="582" name="PlaceHolder 2"/>
+            <a:ext cx="4800960" cy="3601080"/>
+          </a:xfrm>
+          <a:prstGeom prst="rect">
+            <a:avLst/>
+          </a:prstGeom>
+          <a:ln w="0">
+            <a:noFill/>
+          </a:ln>
+        </p:spPr>
+      </p:sp>
+      <p:sp>
+        <p:nvSpPr>
+          <p:cNvPr id="585" name="PlaceHolder 2"/>
           <p:cNvSpPr>
             <a:spLocks noGrp="1"/>
           </p:cNvSpPr>
@@ -2769,7 +2757,7 @@
         <p:spPr>
           <a:xfrm>
             <a:off x="756000" y="5145120"/>
-            <a:ext cx="6040800" cy="4203000"/>
+            <a:ext cx="6040440" cy="4202640"/>
           </a:xfrm>
           <a:prstGeom prst="rect">
             <a:avLst/>
@@ -2792,14 +2780,14 @@
       </p:sp>
       <p:sp>
         <p:nvSpPr>
-          <p:cNvPr id="583" name="CustomShape 46"/>
+          <p:cNvPr id="586" name="CustomShape 46"/>
           <p:cNvSpPr/>
           <p:nvPr/>
         </p:nvSpPr>
         <p:spPr>
           <a:xfrm>
             <a:off x="0" y="10155240"/>
-            <a:ext cx="3269160" cy="529560"/>
+            <a:ext cx="3268800" cy="529200"/>
           </a:xfrm>
           <a:prstGeom prst="rect">
             <a:avLst/>
@@ -2866,7 +2854,7 @@
       </p:grpSpPr>
       <p:sp>
         <p:nvSpPr>
-          <p:cNvPr id="584" name="PlaceHolder 1"/>
+          <p:cNvPr id="587" name="PlaceHolder 1"/>
           <p:cNvSpPr>
             <a:spLocks noGrp="1"/>
           </p:cNvSpPr>
@@ -2877,19 +2865,19 @@
         <p:spPr>
           <a:xfrm>
             <a:off x="1376280" y="1336680"/>
-            <a:ext cx="4801320" cy="3601440"/>
-          </a:xfrm>
-          <a:prstGeom prst="rect">
-            <a:avLst/>
-          </a:prstGeom>
-          <a:ln w="0">
-            <a:noFill/>
-          </a:ln>
-        </p:spPr>
-      </p:sp>
-      <p:sp>
-        <p:nvSpPr>
-          <p:cNvPr id="585" name="PlaceHolder 2"/>
+            <a:ext cx="4800960" cy="3601080"/>
+          </a:xfrm>
+          <a:prstGeom prst="rect">
+            <a:avLst/>
+          </a:prstGeom>
+          <a:ln w="0">
+            <a:noFill/>
+          </a:ln>
+        </p:spPr>
+      </p:sp>
+      <p:sp>
+        <p:nvSpPr>
+          <p:cNvPr id="588" name="PlaceHolder 2"/>
           <p:cNvSpPr>
             <a:spLocks noGrp="1"/>
           </p:cNvSpPr>
@@ -2900,7 +2888,7 @@
         <p:spPr>
           <a:xfrm>
             <a:off x="756000" y="5145120"/>
-            <a:ext cx="6040800" cy="4203000"/>
+            <a:ext cx="6040440" cy="4202640"/>
           </a:xfrm>
           <a:prstGeom prst="rect">
             <a:avLst/>
@@ -2923,14 +2911,14 @@
       </p:sp>
       <p:sp>
         <p:nvSpPr>
-          <p:cNvPr id="586" name="CustomShape 3"/>
+          <p:cNvPr id="589" name="CustomShape 3"/>
           <p:cNvSpPr/>
           <p:nvPr/>
         </p:nvSpPr>
         <p:spPr>
           <a:xfrm>
             <a:off x="0" y="10155240"/>
-            <a:ext cx="3269160" cy="529560"/>
+            <a:ext cx="3268800" cy="529200"/>
           </a:xfrm>
           <a:prstGeom prst="rect">
             <a:avLst/>
@@ -2997,7 +2985,7 @@
       </p:grpSpPr>
       <p:sp>
         <p:nvSpPr>
-          <p:cNvPr id="587" name="PlaceHolder 1"/>
+          <p:cNvPr id="590" name="PlaceHolder 1"/>
           <p:cNvSpPr>
             <a:spLocks noGrp="1"/>
           </p:cNvSpPr>
@@ -3008,19 +2996,19 @@
         <p:spPr>
           <a:xfrm>
             <a:off x="1376280" y="1336680"/>
-            <a:ext cx="4801320" cy="3601440"/>
-          </a:xfrm>
-          <a:prstGeom prst="rect">
-            <a:avLst/>
-          </a:prstGeom>
-          <a:ln w="0">
-            <a:noFill/>
-          </a:ln>
-        </p:spPr>
-      </p:sp>
-      <p:sp>
-        <p:nvSpPr>
-          <p:cNvPr id="588" name="PlaceHolder 2"/>
+            <a:ext cx="4800960" cy="3601080"/>
+          </a:xfrm>
+          <a:prstGeom prst="rect">
+            <a:avLst/>
+          </a:prstGeom>
+          <a:ln w="0">
+            <a:noFill/>
+          </a:ln>
+        </p:spPr>
+      </p:sp>
+      <p:sp>
+        <p:nvSpPr>
+          <p:cNvPr id="591" name="PlaceHolder 2"/>
           <p:cNvSpPr>
             <a:spLocks noGrp="1"/>
           </p:cNvSpPr>
@@ -3031,7 +3019,7 @@
         <p:spPr>
           <a:xfrm>
             <a:off x="756000" y="5145120"/>
-            <a:ext cx="6040800" cy="4203000"/>
+            <a:ext cx="6040440" cy="4202640"/>
           </a:xfrm>
           <a:prstGeom prst="rect">
             <a:avLst/>
@@ -3054,14 +3042,14 @@
       </p:sp>
       <p:sp>
         <p:nvSpPr>
-          <p:cNvPr id="589" name="CustomShape 3"/>
+          <p:cNvPr id="592" name="CustomShape 3"/>
           <p:cNvSpPr/>
           <p:nvPr/>
         </p:nvSpPr>
         <p:spPr>
           <a:xfrm>
             <a:off x="0" y="10155240"/>
-            <a:ext cx="3269160" cy="529560"/>
+            <a:ext cx="3268800" cy="529200"/>
           </a:xfrm>
           <a:prstGeom prst="rect">
             <a:avLst/>
@@ -3128,7 +3116,7 @@
       </p:grpSpPr>
       <p:sp>
         <p:nvSpPr>
-          <p:cNvPr id="590" name="PlaceHolder 1"/>
+          <p:cNvPr id="593" name="PlaceHolder 1"/>
           <p:cNvSpPr>
             <a:spLocks noGrp="1"/>
           </p:cNvSpPr>
@@ -3139,19 +3127,19 @@
         <p:spPr>
           <a:xfrm>
             <a:off x="1376280" y="1336680"/>
-            <a:ext cx="4801320" cy="3601440"/>
-          </a:xfrm>
-          <a:prstGeom prst="rect">
-            <a:avLst/>
-          </a:prstGeom>
-          <a:ln w="0">
-            <a:noFill/>
-          </a:ln>
-        </p:spPr>
-      </p:sp>
-      <p:sp>
-        <p:nvSpPr>
-          <p:cNvPr id="591" name="PlaceHolder 2"/>
+            <a:ext cx="4800960" cy="3601080"/>
+          </a:xfrm>
+          <a:prstGeom prst="rect">
+            <a:avLst/>
+          </a:prstGeom>
+          <a:ln w="0">
+            <a:noFill/>
+          </a:ln>
+        </p:spPr>
+      </p:sp>
+      <p:sp>
+        <p:nvSpPr>
+          <p:cNvPr id="594" name="PlaceHolder 2"/>
           <p:cNvSpPr>
             <a:spLocks noGrp="1"/>
           </p:cNvSpPr>
@@ -3162,7 +3150,7 @@
         <p:spPr>
           <a:xfrm>
             <a:off x="756000" y="5145120"/>
-            <a:ext cx="6040800" cy="4203000"/>
+            <a:ext cx="6040440" cy="4202640"/>
           </a:xfrm>
           <a:prstGeom prst="rect">
             <a:avLst/>
@@ -3185,14 +3173,14 @@
       </p:sp>
       <p:sp>
         <p:nvSpPr>
-          <p:cNvPr id="592" name="CustomShape 3"/>
+          <p:cNvPr id="595" name="CustomShape 3"/>
           <p:cNvSpPr/>
           <p:nvPr/>
         </p:nvSpPr>
         <p:spPr>
           <a:xfrm>
             <a:off x="0" y="10155240"/>
-            <a:ext cx="3269160" cy="529560"/>
+            <a:ext cx="3268800" cy="529200"/>
           </a:xfrm>
           <a:prstGeom prst="rect">
             <a:avLst/>
@@ -3259,7 +3247,7 @@
       </p:grpSpPr>
       <p:sp>
         <p:nvSpPr>
-          <p:cNvPr id="512" name="PlaceHolder 1"/>
+          <p:cNvPr id="515" name="PlaceHolder 1"/>
           <p:cNvSpPr>
             <a:spLocks noGrp="1"/>
           </p:cNvSpPr>
@@ -3270,19 +3258,19 @@
         <p:spPr>
           <a:xfrm>
             <a:off x="1376280" y="1336680"/>
-            <a:ext cx="4801320" cy="3601440"/>
-          </a:xfrm>
-          <a:prstGeom prst="rect">
-            <a:avLst/>
-          </a:prstGeom>
-          <a:ln w="0">
-            <a:noFill/>
-          </a:ln>
-        </p:spPr>
-      </p:sp>
-      <p:sp>
-        <p:nvSpPr>
-          <p:cNvPr id="513" name="PlaceHolder 2"/>
+            <a:ext cx="4800960" cy="3601080"/>
+          </a:xfrm>
+          <a:prstGeom prst="rect">
+            <a:avLst/>
+          </a:prstGeom>
+          <a:ln w="0">
+            <a:noFill/>
+          </a:ln>
+        </p:spPr>
+      </p:sp>
+      <p:sp>
+        <p:nvSpPr>
+          <p:cNvPr id="516" name="PlaceHolder 2"/>
           <p:cNvSpPr>
             <a:spLocks noGrp="1"/>
           </p:cNvSpPr>
@@ -3293,7 +3281,7 @@
         <p:spPr>
           <a:xfrm>
             <a:off x="756000" y="5145120"/>
-            <a:ext cx="6040800" cy="4203000"/>
+            <a:ext cx="6040440" cy="4202640"/>
           </a:xfrm>
           <a:prstGeom prst="rect">
             <a:avLst/>
@@ -3316,14 +3304,14 @@
       </p:sp>
       <p:sp>
         <p:nvSpPr>
-          <p:cNvPr id="514" name="CustomShape 3"/>
+          <p:cNvPr id="517" name="CustomShape 3"/>
           <p:cNvSpPr/>
           <p:nvPr/>
         </p:nvSpPr>
         <p:spPr>
           <a:xfrm>
             <a:off x="0" y="10155240"/>
-            <a:ext cx="3269160" cy="529560"/>
+            <a:ext cx="3268800" cy="529200"/>
           </a:xfrm>
           <a:prstGeom prst="rect">
             <a:avLst/>
@@ -3390,7 +3378,7 @@
       </p:grpSpPr>
       <p:sp>
         <p:nvSpPr>
-          <p:cNvPr id="593" name="PlaceHolder 1"/>
+          <p:cNvPr id="596" name="PlaceHolder 1"/>
           <p:cNvSpPr>
             <a:spLocks noGrp="1"/>
           </p:cNvSpPr>
@@ -3401,19 +3389,19 @@
         <p:spPr>
           <a:xfrm>
             <a:off x="1376280" y="1336680"/>
-            <a:ext cx="4801320" cy="3601440"/>
-          </a:xfrm>
-          <a:prstGeom prst="rect">
-            <a:avLst/>
-          </a:prstGeom>
-          <a:ln w="0">
-            <a:noFill/>
-          </a:ln>
-        </p:spPr>
-      </p:sp>
-      <p:sp>
-        <p:nvSpPr>
-          <p:cNvPr id="594" name="PlaceHolder 2"/>
+            <a:ext cx="4800960" cy="3601080"/>
+          </a:xfrm>
+          <a:prstGeom prst="rect">
+            <a:avLst/>
+          </a:prstGeom>
+          <a:ln w="0">
+            <a:noFill/>
+          </a:ln>
+        </p:spPr>
+      </p:sp>
+      <p:sp>
+        <p:nvSpPr>
+          <p:cNvPr id="597" name="PlaceHolder 2"/>
           <p:cNvSpPr>
             <a:spLocks noGrp="1"/>
           </p:cNvSpPr>
@@ -3424,7 +3412,7 @@
         <p:spPr>
           <a:xfrm>
             <a:off x="756000" y="5145120"/>
-            <a:ext cx="6040800" cy="4203000"/>
+            <a:ext cx="6040440" cy="4202640"/>
           </a:xfrm>
           <a:prstGeom prst="rect">
             <a:avLst/>
@@ -3447,14 +3435,14 @@
       </p:sp>
       <p:sp>
         <p:nvSpPr>
-          <p:cNvPr id="595" name="CustomShape 3"/>
+          <p:cNvPr id="598" name="CustomShape 3"/>
           <p:cNvSpPr/>
           <p:nvPr/>
         </p:nvSpPr>
         <p:spPr>
           <a:xfrm>
             <a:off x="0" y="10155240"/>
-            <a:ext cx="3269160" cy="529560"/>
+            <a:ext cx="3268800" cy="529200"/>
           </a:xfrm>
           <a:prstGeom prst="rect">
             <a:avLst/>
@@ -3521,7 +3509,7 @@
       </p:grpSpPr>
       <p:sp>
         <p:nvSpPr>
-          <p:cNvPr id="596" name="PlaceHolder 1"/>
+          <p:cNvPr id="599" name="PlaceHolder 1"/>
           <p:cNvSpPr>
             <a:spLocks noGrp="1"/>
           </p:cNvSpPr>
@@ -3532,19 +3520,19 @@
         <p:spPr>
           <a:xfrm>
             <a:off x="1376280" y="1336680"/>
-            <a:ext cx="4801320" cy="3601440"/>
-          </a:xfrm>
-          <a:prstGeom prst="rect">
-            <a:avLst/>
-          </a:prstGeom>
-          <a:ln w="0">
-            <a:noFill/>
-          </a:ln>
-        </p:spPr>
-      </p:sp>
-      <p:sp>
-        <p:nvSpPr>
-          <p:cNvPr id="597" name="PlaceHolder 2"/>
+            <a:ext cx="4800960" cy="3601080"/>
+          </a:xfrm>
+          <a:prstGeom prst="rect">
+            <a:avLst/>
+          </a:prstGeom>
+          <a:ln w="0">
+            <a:noFill/>
+          </a:ln>
+        </p:spPr>
+      </p:sp>
+      <p:sp>
+        <p:nvSpPr>
+          <p:cNvPr id="600" name="PlaceHolder 2"/>
           <p:cNvSpPr>
             <a:spLocks noGrp="1"/>
           </p:cNvSpPr>
@@ -3555,7 +3543,7 @@
         <p:spPr>
           <a:xfrm>
             <a:off x="756000" y="5145120"/>
-            <a:ext cx="6040800" cy="4203000"/>
+            <a:ext cx="6040440" cy="4202640"/>
           </a:xfrm>
           <a:prstGeom prst="rect">
             <a:avLst/>
@@ -3578,14 +3566,14 @@
       </p:sp>
       <p:sp>
         <p:nvSpPr>
-          <p:cNvPr id="598" name="CustomShape 3"/>
+          <p:cNvPr id="601" name="CustomShape 3"/>
           <p:cNvSpPr/>
           <p:nvPr/>
         </p:nvSpPr>
         <p:spPr>
           <a:xfrm>
             <a:off x="0" y="10155240"/>
-            <a:ext cx="3269160" cy="529560"/>
+            <a:ext cx="3268800" cy="529200"/>
           </a:xfrm>
           <a:prstGeom prst="rect">
             <a:avLst/>
@@ -3652,7 +3640,7 @@
       </p:grpSpPr>
       <p:sp>
         <p:nvSpPr>
-          <p:cNvPr id="599" name="PlaceHolder 1"/>
+          <p:cNvPr id="602" name="PlaceHolder 1"/>
           <p:cNvSpPr>
             <a:spLocks noGrp="1"/>
           </p:cNvSpPr>
@@ -3663,19 +3651,19 @@
         <p:spPr>
           <a:xfrm>
             <a:off x="1376280" y="1336680"/>
-            <a:ext cx="4801320" cy="3601440"/>
-          </a:xfrm>
-          <a:prstGeom prst="rect">
-            <a:avLst/>
-          </a:prstGeom>
-          <a:ln w="0">
-            <a:noFill/>
-          </a:ln>
-        </p:spPr>
-      </p:sp>
-      <p:sp>
-        <p:nvSpPr>
-          <p:cNvPr id="600" name="PlaceHolder 2"/>
+            <a:ext cx="4800960" cy="3601080"/>
+          </a:xfrm>
+          <a:prstGeom prst="rect">
+            <a:avLst/>
+          </a:prstGeom>
+          <a:ln w="0">
+            <a:noFill/>
+          </a:ln>
+        </p:spPr>
+      </p:sp>
+      <p:sp>
+        <p:nvSpPr>
+          <p:cNvPr id="603" name="PlaceHolder 2"/>
           <p:cNvSpPr>
             <a:spLocks noGrp="1"/>
           </p:cNvSpPr>
@@ -3686,7 +3674,7 @@
         <p:spPr>
           <a:xfrm>
             <a:off x="756000" y="5145120"/>
-            <a:ext cx="6040800" cy="4203000"/>
+            <a:ext cx="6040440" cy="4202640"/>
           </a:xfrm>
           <a:prstGeom prst="rect">
             <a:avLst/>
@@ -3709,14 +3697,14 @@
       </p:sp>
       <p:sp>
         <p:nvSpPr>
-          <p:cNvPr id="601" name="CustomShape 3"/>
+          <p:cNvPr id="604" name="CustomShape 3"/>
           <p:cNvSpPr/>
           <p:nvPr/>
         </p:nvSpPr>
         <p:spPr>
           <a:xfrm>
             <a:off x="0" y="10155240"/>
-            <a:ext cx="3269160" cy="529560"/>
+            <a:ext cx="3268800" cy="529200"/>
           </a:xfrm>
           <a:prstGeom prst="rect">
             <a:avLst/>
@@ -3783,7 +3771,7 @@
       </p:grpSpPr>
       <p:sp>
         <p:nvSpPr>
-          <p:cNvPr id="602" name="PlaceHolder 1"/>
+          <p:cNvPr id="605" name="PlaceHolder 1"/>
           <p:cNvSpPr>
             <a:spLocks noGrp="1"/>
           </p:cNvSpPr>
@@ -3794,19 +3782,19 @@
         <p:spPr>
           <a:xfrm>
             <a:off x="1376280" y="1336680"/>
-            <a:ext cx="4801320" cy="3601440"/>
-          </a:xfrm>
-          <a:prstGeom prst="rect">
-            <a:avLst/>
-          </a:prstGeom>
-          <a:ln w="0">
-            <a:noFill/>
-          </a:ln>
-        </p:spPr>
-      </p:sp>
-      <p:sp>
-        <p:nvSpPr>
-          <p:cNvPr id="603" name="PlaceHolder 2"/>
+            <a:ext cx="4800960" cy="3601080"/>
+          </a:xfrm>
+          <a:prstGeom prst="rect">
+            <a:avLst/>
+          </a:prstGeom>
+          <a:ln w="0">
+            <a:noFill/>
+          </a:ln>
+        </p:spPr>
+      </p:sp>
+      <p:sp>
+        <p:nvSpPr>
+          <p:cNvPr id="606" name="PlaceHolder 2"/>
           <p:cNvSpPr>
             <a:spLocks noGrp="1"/>
           </p:cNvSpPr>
@@ -3817,7 +3805,7 @@
         <p:spPr>
           <a:xfrm>
             <a:off x="756000" y="5145120"/>
-            <a:ext cx="6040800" cy="4203000"/>
+            <a:ext cx="6040440" cy="4202640"/>
           </a:xfrm>
           <a:prstGeom prst="rect">
             <a:avLst/>
@@ -3840,14 +3828,14 @@
       </p:sp>
       <p:sp>
         <p:nvSpPr>
-          <p:cNvPr id="604" name="CustomShape 3"/>
+          <p:cNvPr id="607" name="CustomShape 3"/>
           <p:cNvSpPr/>
           <p:nvPr/>
         </p:nvSpPr>
         <p:spPr>
           <a:xfrm>
             <a:off x="0" y="10155240"/>
-            <a:ext cx="3269160" cy="529560"/>
+            <a:ext cx="3268800" cy="529200"/>
           </a:xfrm>
           <a:prstGeom prst="rect">
             <a:avLst/>
@@ -3914,7 +3902,7 @@
       </p:grpSpPr>
       <p:sp>
         <p:nvSpPr>
-          <p:cNvPr id="605" name="PlaceHolder 1"/>
+          <p:cNvPr id="608" name="PlaceHolder 1"/>
           <p:cNvSpPr>
             <a:spLocks noGrp="1"/>
           </p:cNvSpPr>
@@ -3925,19 +3913,19 @@
         <p:spPr>
           <a:xfrm>
             <a:off x="1376280" y="1336680"/>
-            <a:ext cx="4801320" cy="3601440"/>
-          </a:xfrm>
-          <a:prstGeom prst="rect">
-            <a:avLst/>
-          </a:prstGeom>
-          <a:ln w="0">
-            <a:noFill/>
-          </a:ln>
-        </p:spPr>
-      </p:sp>
-      <p:sp>
-        <p:nvSpPr>
-          <p:cNvPr id="606" name="PlaceHolder 2"/>
+            <a:ext cx="4800960" cy="3601080"/>
+          </a:xfrm>
+          <a:prstGeom prst="rect">
+            <a:avLst/>
+          </a:prstGeom>
+          <a:ln w="0">
+            <a:noFill/>
+          </a:ln>
+        </p:spPr>
+      </p:sp>
+      <p:sp>
+        <p:nvSpPr>
+          <p:cNvPr id="609" name="PlaceHolder 2"/>
           <p:cNvSpPr>
             <a:spLocks noGrp="1"/>
           </p:cNvSpPr>
@@ -3948,7 +3936,7 @@
         <p:spPr>
           <a:xfrm>
             <a:off x="756000" y="5145120"/>
-            <a:ext cx="6040800" cy="4203000"/>
+            <a:ext cx="6040440" cy="4202640"/>
           </a:xfrm>
           <a:prstGeom prst="rect">
             <a:avLst/>
@@ -3971,14 +3959,14 @@
       </p:sp>
       <p:sp>
         <p:nvSpPr>
-          <p:cNvPr id="607" name="CustomShape 3"/>
+          <p:cNvPr id="610" name="CustomShape 3"/>
           <p:cNvSpPr/>
           <p:nvPr/>
         </p:nvSpPr>
         <p:spPr>
           <a:xfrm>
             <a:off x="0" y="10155240"/>
-            <a:ext cx="3269160" cy="529560"/>
+            <a:ext cx="3268800" cy="529200"/>
           </a:xfrm>
           <a:prstGeom prst="rect">
             <a:avLst/>
@@ -4045,7 +4033,7 @@
       </p:grpSpPr>
       <p:sp>
         <p:nvSpPr>
-          <p:cNvPr id="608" name="PlaceHolder 1"/>
+          <p:cNvPr id="611" name="PlaceHolder 1"/>
           <p:cNvSpPr>
             <a:spLocks noGrp="1"/>
           </p:cNvSpPr>
@@ -4056,19 +4044,19 @@
         <p:spPr>
           <a:xfrm>
             <a:off x="1376280" y="1336680"/>
-            <a:ext cx="4801320" cy="3601440"/>
-          </a:xfrm>
-          <a:prstGeom prst="rect">
-            <a:avLst/>
-          </a:prstGeom>
-          <a:ln w="0">
-            <a:noFill/>
-          </a:ln>
-        </p:spPr>
-      </p:sp>
-      <p:sp>
-        <p:nvSpPr>
-          <p:cNvPr id="609" name="PlaceHolder 2"/>
+            <a:ext cx="4800960" cy="3601080"/>
+          </a:xfrm>
+          <a:prstGeom prst="rect">
+            <a:avLst/>
+          </a:prstGeom>
+          <a:ln w="0">
+            <a:noFill/>
+          </a:ln>
+        </p:spPr>
+      </p:sp>
+      <p:sp>
+        <p:nvSpPr>
+          <p:cNvPr id="612" name="PlaceHolder 2"/>
           <p:cNvSpPr>
             <a:spLocks noGrp="1"/>
           </p:cNvSpPr>
@@ -4079,7 +4067,7 @@
         <p:spPr>
           <a:xfrm>
             <a:off x="756000" y="5145120"/>
-            <a:ext cx="6040800" cy="4203000"/>
+            <a:ext cx="6040440" cy="4202640"/>
           </a:xfrm>
           <a:prstGeom prst="rect">
             <a:avLst/>
@@ -4102,14 +4090,14 @@
       </p:sp>
       <p:sp>
         <p:nvSpPr>
-          <p:cNvPr id="610" name="CustomShape 3"/>
+          <p:cNvPr id="613" name="CustomShape 3"/>
           <p:cNvSpPr/>
           <p:nvPr/>
         </p:nvSpPr>
         <p:spPr>
           <a:xfrm>
             <a:off x="0" y="10155240"/>
-            <a:ext cx="3269160" cy="529560"/>
+            <a:ext cx="3268800" cy="529200"/>
           </a:xfrm>
           <a:prstGeom prst="rect">
             <a:avLst/>
@@ -4176,7 +4164,7 @@
       </p:grpSpPr>
       <p:sp>
         <p:nvSpPr>
-          <p:cNvPr id="515" name="PlaceHolder 1"/>
+          <p:cNvPr id="518" name="PlaceHolder 1"/>
           <p:cNvSpPr>
             <a:spLocks noGrp="1"/>
           </p:cNvSpPr>
@@ -4187,19 +4175,19 @@
         <p:spPr>
           <a:xfrm>
             <a:off x="1376280" y="1336680"/>
-            <a:ext cx="4801320" cy="3601440"/>
-          </a:xfrm>
-          <a:prstGeom prst="rect">
-            <a:avLst/>
-          </a:prstGeom>
-          <a:ln w="0">
-            <a:noFill/>
-          </a:ln>
-        </p:spPr>
-      </p:sp>
-      <p:sp>
-        <p:nvSpPr>
-          <p:cNvPr id="516" name="PlaceHolder 2"/>
+            <a:ext cx="4800960" cy="3601080"/>
+          </a:xfrm>
+          <a:prstGeom prst="rect">
+            <a:avLst/>
+          </a:prstGeom>
+          <a:ln w="0">
+            <a:noFill/>
+          </a:ln>
+        </p:spPr>
+      </p:sp>
+      <p:sp>
+        <p:nvSpPr>
+          <p:cNvPr id="519" name="PlaceHolder 2"/>
           <p:cNvSpPr>
             <a:spLocks noGrp="1"/>
           </p:cNvSpPr>
@@ -4210,7 +4198,7 @@
         <p:spPr>
           <a:xfrm>
             <a:off x="756000" y="5145120"/>
-            <a:ext cx="6040800" cy="4203000"/>
+            <a:ext cx="6040440" cy="4202640"/>
           </a:xfrm>
           <a:prstGeom prst="rect">
             <a:avLst/>
@@ -4233,14 +4221,14 @@
       </p:sp>
       <p:sp>
         <p:nvSpPr>
-          <p:cNvPr id="517" name="CustomShape 3"/>
+          <p:cNvPr id="520" name="CustomShape 3"/>
           <p:cNvSpPr/>
           <p:nvPr/>
         </p:nvSpPr>
         <p:spPr>
           <a:xfrm>
             <a:off x="0" y="10155240"/>
-            <a:ext cx="3269160" cy="529560"/>
+            <a:ext cx="3268800" cy="529200"/>
           </a:xfrm>
           <a:prstGeom prst="rect">
             <a:avLst/>
@@ -4307,7 +4295,7 @@
       </p:grpSpPr>
       <p:sp>
         <p:nvSpPr>
-          <p:cNvPr id="518" name="PlaceHolder 1"/>
+          <p:cNvPr id="521" name="PlaceHolder 1"/>
           <p:cNvSpPr>
             <a:spLocks noGrp="1"/>
           </p:cNvSpPr>
@@ -4318,19 +4306,19 @@
         <p:spPr>
           <a:xfrm>
             <a:off x="1376280" y="1336680"/>
-            <a:ext cx="4801320" cy="3601440"/>
-          </a:xfrm>
-          <a:prstGeom prst="rect">
-            <a:avLst/>
-          </a:prstGeom>
-          <a:ln w="0">
-            <a:noFill/>
-          </a:ln>
-        </p:spPr>
-      </p:sp>
-      <p:sp>
-        <p:nvSpPr>
-          <p:cNvPr id="519" name="PlaceHolder 2"/>
+            <a:ext cx="4800960" cy="3601080"/>
+          </a:xfrm>
+          <a:prstGeom prst="rect">
+            <a:avLst/>
+          </a:prstGeom>
+          <a:ln w="0">
+            <a:noFill/>
+          </a:ln>
+        </p:spPr>
+      </p:sp>
+      <p:sp>
+        <p:nvSpPr>
+          <p:cNvPr id="522" name="PlaceHolder 2"/>
           <p:cNvSpPr>
             <a:spLocks noGrp="1"/>
           </p:cNvSpPr>
@@ -4341,7 +4329,7 @@
         <p:spPr>
           <a:xfrm>
             <a:off x="756000" y="5145120"/>
-            <a:ext cx="6040800" cy="4203000"/>
+            <a:ext cx="6040440" cy="4202640"/>
           </a:xfrm>
           <a:prstGeom prst="rect">
             <a:avLst/>
@@ -4364,14 +4352,14 @@
       </p:sp>
       <p:sp>
         <p:nvSpPr>
-          <p:cNvPr id="520" name="CustomShape 10"/>
+          <p:cNvPr id="523" name="CustomShape 10"/>
           <p:cNvSpPr/>
           <p:nvPr/>
         </p:nvSpPr>
         <p:spPr>
           <a:xfrm>
             <a:off x="0" y="10155240"/>
-            <a:ext cx="3269160" cy="529560"/>
+            <a:ext cx="3268800" cy="529200"/>
           </a:xfrm>
           <a:prstGeom prst="rect">
             <a:avLst/>
@@ -4438,7 +4426,7 @@
       </p:grpSpPr>
       <p:sp>
         <p:nvSpPr>
-          <p:cNvPr id="521" name="PlaceHolder 1"/>
+          <p:cNvPr id="524" name="PlaceHolder 1"/>
           <p:cNvSpPr>
             <a:spLocks noGrp="1"/>
           </p:cNvSpPr>
@@ -4449,19 +4437,19 @@
         <p:spPr>
           <a:xfrm>
             <a:off x="1376280" y="1336680"/>
-            <a:ext cx="4801320" cy="3601440"/>
-          </a:xfrm>
-          <a:prstGeom prst="rect">
-            <a:avLst/>
-          </a:prstGeom>
-          <a:ln w="0">
-            <a:noFill/>
-          </a:ln>
-        </p:spPr>
-      </p:sp>
-      <p:sp>
-        <p:nvSpPr>
-          <p:cNvPr id="522" name="PlaceHolder 2"/>
+            <a:ext cx="4800960" cy="3601080"/>
+          </a:xfrm>
+          <a:prstGeom prst="rect">
+            <a:avLst/>
+          </a:prstGeom>
+          <a:ln w="0">
+            <a:noFill/>
+          </a:ln>
+        </p:spPr>
+      </p:sp>
+      <p:sp>
+        <p:nvSpPr>
+          <p:cNvPr id="525" name="PlaceHolder 2"/>
           <p:cNvSpPr>
             <a:spLocks noGrp="1"/>
           </p:cNvSpPr>
@@ -4472,7 +4460,7 @@
         <p:spPr>
           <a:xfrm>
             <a:off x="756000" y="5145120"/>
-            <a:ext cx="6040800" cy="4203000"/>
+            <a:ext cx="6040440" cy="4202640"/>
           </a:xfrm>
           <a:prstGeom prst="rect">
             <a:avLst/>
@@ -4495,14 +4483,14 @@
       </p:sp>
       <p:sp>
         <p:nvSpPr>
-          <p:cNvPr id="523" name="CustomShape 14"/>
+          <p:cNvPr id="526" name="CustomShape 14"/>
           <p:cNvSpPr/>
           <p:nvPr/>
         </p:nvSpPr>
         <p:spPr>
           <a:xfrm>
             <a:off x="0" y="10155240"/>
-            <a:ext cx="3269160" cy="529560"/>
+            <a:ext cx="3268800" cy="529200"/>
           </a:xfrm>
           <a:prstGeom prst="rect">
             <a:avLst/>
@@ -4569,7 +4557,7 @@
       </p:grpSpPr>
       <p:sp>
         <p:nvSpPr>
-          <p:cNvPr id="524" name="PlaceHolder 1"/>
+          <p:cNvPr id="527" name="PlaceHolder 1"/>
           <p:cNvSpPr>
             <a:spLocks noGrp="1"/>
           </p:cNvSpPr>
@@ -4580,19 +4568,19 @@
         <p:spPr>
           <a:xfrm>
             <a:off x="1376280" y="1336680"/>
-            <a:ext cx="4801320" cy="3601440"/>
-          </a:xfrm>
-          <a:prstGeom prst="rect">
-            <a:avLst/>
-          </a:prstGeom>
-          <a:ln w="0">
-            <a:noFill/>
-          </a:ln>
-        </p:spPr>
-      </p:sp>
-      <p:sp>
-        <p:nvSpPr>
-          <p:cNvPr id="525" name="PlaceHolder 2"/>
+            <a:ext cx="4800960" cy="3601080"/>
+          </a:xfrm>
+          <a:prstGeom prst="rect">
+            <a:avLst/>
+          </a:prstGeom>
+          <a:ln w="0">
+            <a:noFill/>
+          </a:ln>
+        </p:spPr>
+      </p:sp>
+      <p:sp>
+        <p:nvSpPr>
+          <p:cNvPr id="528" name="PlaceHolder 2"/>
           <p:cNvSpPr>
             <a:spLocks noGrp="1"/>
           </p:cNvSpPr>
@@ -4603,7 +4591,7 @@
         <p:spPr>
           <a:xfrm>
             <a:off x="756000" y="5145120"/>
-            <a:ext cx="6040800" cy="4203000"/>
+            <a:ext cx="6040440" cy="4202640"/>
           </a:xfrm>
           <a:prstGeom prst="rect">
             <a:avLst/>
@@ -4626,14 +4614,14 @@
       </p:sp>
       <p:sp>
         <p:nvSpPr>
-          <p:cNvPr id="526" name="CustomShape 18"/>
+          <p:cNvPr id="529" name="CustomShape 18"/>
           <p:cNvSpPr/>
           <p:nvPr/>
         </p:nvSpPr>
         <p:spPr>
           <a:xfrm>
             <a:off x="0" y="10155240"/>
-            <a:ext cx="3269160" cy="529560"/>
+            <a:ext cx="3268800" cy="529200"/>
           </a:xfrm>
           <a:prstGeom prst="rect">
             <a:avLst/>
@@ -4700,7 +4688,7 @@
       </p:grpSpPr>
       <p:sp>
         <p:nvSpPr>
-          <p:cNvPr id="527" name="PlaceHolder 1"/>
+          <p:cNvPr id="530" name="PlaceHolder 1"/>
           <p:cNvSpPr>
             <a:spLocks noGrp="1"/>
           </p:cNvSpPr>
@@ -4711,19 +4699,19 @@
         <p:spPr>
           <a:xfrm>
             <a:off x="1376280" y="1336680"/>
-            <a:ext cx="4801320" cy="3601440"/>
-          </a:xfrm>
-          <a:prstGeom prst="rect">
-            <a:avLst/>
-          </a:prstGeom>
-          <a:ln w="0">
-            <a:noFill/>
-          </a:ln>
-        </p:spPr>
-      </p:sp>
-      <p:sp>
-        <p:nvSpPr>
-          <p:cNvPr id="528" name="PlaceHolder 2"/>
+            <a:ext cx="4800960" cy="3601080"/>
+          </a:xfrm>
+          <a:prstGeom prst="rect">
+            <a:avLst/>
+          </a:prstGeom>
+          <a:ln w="0">
+            <a:noFill/>
+          </a:ln>
+        </p:spPr>
+      </p:sp>
+      <p:sp>
+        <p:nvSpPr>
+          <p:cNvPr id="531" name="PlaceHolder 2"/>
           <p:cNvSpPr>
             <a:spLocks noGrp="1"/>
           </p:cNvSpPr>
@@ -4734,7 +4722,7 @@
         <p:spPr>
           <a:xfrm>
             <a:off x="756000" y="5145120"/>
-            <a:ext cx="6040800" cy="4203000"/>
+            <a:ext cx="6040440" cy="4202640"/>
           </a:xfrm>
           <a:prstGeom prst="rect">
             <a:avLst/>
@@ -4757,14 +4745,14 @@
       </p:sp>
       <p:sp>
         <p:nvSpPr>
-          <p:cNvPr id="529" name="CustomShape 22"/>
+          <p:cNvPr id="532" name="CustomShape 22"/>
           <p:cNvSpPr/>
           <p:nvPr/>
         </p:nvSpPr>
         <p:spPr>
           <a:xfrm>
             <a:off x="0" y="10155240"/>
-            <a:ext cx="3269160" cy="529560"/>
+            <a:ext cx="3268800" cy="529200"/>
           </a:xfrm>
           <a:prstGeom prst="rect">
             <a:avLst/>
@@ -4831,7 +4819,7 @@
       </p:grpSpPr>
       <p:sp>
         <p:nvSpPr>
-          <p:cNvPr id="530" name="PlaceHolder 1"/>
+          <p:cNvPr id="533" name="PlaceHolder 1"/>
           <p:cNvSpPr>
             <a:spLocks noGrp="1"/>
           </p:cNvSpPr>
@@ -4842,19 +4830,19 @@
         <p:spPr>
           <a:xfrm>
             <a:off x="1376280" y="1336680"/>
-            <a:ext cx="4801320" cy="3601440"/>
-          </a:xfrm>
-          <a:prstGeom prst="rect">
-            <a:avLst/>
-          </a:prstGeom>
-          <a:ln w="0">
-            <a:noFill/>
-          </a:ln>
-        </p:spPr>
-      </p:sp>
-      <p:sp>
-        <p:nvSpPr>
-          <p:cNvPr id="531" name="PlaceHolder 2"/>
+            <a:ext cx="4800960" cy="3601080"/>
+          </a:xfrm>
+          <a:prstGeom prst="rect">
+            <a:avLst/>
+          </a:prstGeom>
+          <a:ln w="0">
+            <a:noFill/>
+          </a:ln>
+        </p:spPr>
+      </p:sp>
+      <p:sp>
+        <p:nvSpPr>
+          <p:cNvPr id="534" name="PlaceHolder 2"/>
           <p:cNvSpPr>
             <a:spLocks noGrp="1"/>
           </p:cNvSpPr>
@@ -4865,7 +4853,7 @@
         <p:spPr>
           <a:xfrm>
             <a:off x="756000" y="5145120"/>
-            <a:ext cx="6040800" cy="4203000"/>
+            <a:ext cx="6040440" cy="4202640"/>
           </a:xfrm>
           <a:prstGeom prst="rect">
             <a:avLst/>
@@ -4888,14 +4876,14 @@
       </p:sp>
       <p:sp>
         <p:nvSpPr>
-          <p:cNvPr id="532" name="CustomShape 26"/>
+          <p:cNvPr id="535" name="CustomShape 26"/>
           <p:cNvSpPr/>
           <p:nvPr/>
         </p:nvSpPr>
         <p:spPr>
           <a:xfrm>
             <a:off x="0" y="10155240"/>
-            <a:ext cx="3269160" cy="529560"/>
+            <a:ext cx="3268800" cy="529200"/>
           </a:xfrm>
           <a:prstGeom prst="rect">
             <a:avLst/>
@@ -9548,7 +9536,7 @@
         <p:spPr>
           <a:xfrm>
             <a:off x="0" y="3150000"/>
-            <a:ext cx="9713160" cy="1253160"/>
+            <a:ext cx="9712800" cy="1252800"/>
           </a:xfrm>
           <a:prstGeom prst="rect">
             <a:avLst/>
@@ -9602,211 +9590,7 @@
               <a:rPr b="0" lang="pt-BR" sz="4400" spc="-1" strike="noStrike">
                 <a:latin typeface="Arial"/>
               </a:rPr>
-              <a:t>C</a:t>
-            </a:r>
-            <a:r>
-              <a:rPr b="0" lang="pt-BR" sz="4400" spc="-1" strike="noStrike">
-                <a:latin typeface="Arial"/>
-              </a:rPr>
-              <a:t>l</a:t>
-            </a:r>
-            <a:r>
-              <a:rPr b="0" lang="pt-BR" sz="4400" spc="-1" strike="noStrike">
-                <a:latin typeface="Arial"/>
-              </a:rPr>
-              <a:t>i</a:t>
-            </a:r>
-            <a:r>
-              <a:rPr b="0" lang="pt-BR" sz="4400" spc="-1" strike="noStrike">
-                <a:latin typeface="Arial"/>
-              </a:rPr>
-              <a:t>c</a:t>
-            </a:r>
-            <a:r>
-              <a:rPr b="0" lang="pt-BR" sz="4400" spc="-1" strike="noStrike">
-                <a:latin typeface="Arial"/>
-              </a:rPr>
-              <a:t>k</a:t>
-            </a:r>
-            <a:r>
-              <a:rPr b="0" lang="pt-BR" sz="4400" spc="-1" strike="noStrike">
-                <a:latin typeface="Arial"/>
-              </a:rPr>
-              <a:t> </a:t>
-            </a:r>
-            <a:r>
-              <a:rPr b="0" lang="pt-BR" sz="4400" spc="-1" strike="noStrike">
-                <a:latin typeface="Arial"/>
-              </a:rPr>
-              <a:t>t</a:t>
-            </a:r>
-            <a:r>
-              <a:rPr b="0" lang="pt-BR" sz="4400" spc="-1" strike="noStrike">
-                <a:latin typeface="Arial"/>
-              </a:rPr>
-              <a:t>o</a:t>
-            </a:r>
-            <a:r>
-              <a:rPr b="0" lang="pt-BR" sz="4400" spc="-1" strike="noStrike">
-                <a:latin typeface="Arial"/>
-              </a:rPr>
-              <a:t> </a:t>
-            </a:r>
-            <a:r>
-              <a:rPr b="0" lang="pt-BR" sz="4400" spc="-1" strike="noStrike">
-                <a:latin typeface="Arial"/>
-              </a:rPr>
-              <a:t>e</a:t>
-            </a:r>
-            <a:r>
-              <a:rPr b="0" lang="pt-BR" sz="4400" spc="-1" strike="noStrike">
-                <a:latin typeface="Arial"/>
-              </a:rPr>
-              <a:t>d</a:t>
-            </a:r>
-            <a:r>
-              <a:rPr b="0" lang="pt-BR" sz="4400" spc="-1" strike="noStrike">
-                <a:latin typeface="Arial"/>
-              </a:rPr>
-              <a:t>i</a:t>
-            </a:r>
-            <a:r>
-              <a:rPr b="0" lang="pt-BR" sz="4400" spc="-1" strike="noStrike">
-                <a:latin typeface="Arial"/>
-              </a:rPr>
-              <a:t>t</a:t>
-            </a:r>
-            <a:r>
-              <a:rPr b="0" lang="pt-BR" sz="4400" spc="-1" strike="noStrike">
-                <a:latin typeface="Arial"/>
-              </a:rPr>
-              <a:t> </a:t>
-            </a:r>
-            <a:r>
-              <a:rPr b="0" lang="pt-BR" sz="4400" spc="-1" strike="noStrike">
-                <a:latin typeface="Arial"/>
-              </a:rPr>
-              <a:t>t</a:t>
-            </a:r>
-            <a:r>
-              <a:rPr b="0" lang="pt-BR" sz="4400" spc="-1" strike="noStrike">
-                <a:latin typeface="Arial"/>
-              </a:rPr>
-              <a:t>h</a:t>
-            </a:r>
-            <a:r>
-              <a:rPr b="0" lang="pt-BR" sz="4400" spc="-1" strike="noStrike">
-                <a:latin typeface="Arial"/>
-              </a:rPr>
-              <a:t>e</a:t>
-            </a:r>
-            <a:r>
-              <a:rPr b="0" lang="pt-BR" sz="4400" spc="-1" strike="noStrike">
-                <a:latin typeface="Arial"/>
-              </a:rPr>
-              <a:t> </a:t>
-            </a:r>
-            <a:r>
-              <a:rPr b="0" lang="pt-BR" sz="4400" spc="-1" strike="noStrike">
-                <a:latin typeface="Arial"/>
-              </a:rPr>
-              <a:t>t</a:t>
-            </a:r>
-            <a:r>
-              <a:rPr b="0" lang="pt-BR" sz="4400" spc="-1" strike="noStrike">
-                <a:latin typeface="Arial"/>
-              </a:rPr>
-              <a:t>i</a:t>
-            </a:r>
-            <a:r>
-              <a:rPr b="0" lang="pt-BR" sz="4400" spc="-1" strike="noStrike">
-                <a:latin typeface="Arial"/>
-              </a:rPr>
-              <a:t>t</a:t>
-            </a:r>
-            <a:r>
-              <a:rPr b="0" lang="pt-BR" sz="4400" spc="-1" strike="noStrike">
-                <a:latin typeface="Arial"/>
-              </a:rPr>
-              <a:t>l</a:t>
-            </a:r>
-            <a:r>
-              <a:rPr b="0" lang="pt-BR" sz="4400" spc="-1" strike="noStrike">
-                <a:latin typeface="Arial"/>
-              </a:rPr>
-              <a:t>e</a:t>
-            </a:r>
-            <a:r>
-              <a:rPr b="0" lang="pt-BR" sz="4400" spc="-1" strike="noStrike">
-                <a:latin typeface="Arial"/>
-              </a:rPr>
-              <a:t> </a:t>
-            </a:r>
-            <a:r>
-              <a:rPr b="0" lang="pt-BR" sz="4400" spc="-1" strike="noStrike">
-                <a:latin typeface="Arial"/>
-              </a:rPr>
-              <a:t>t</a:t>
-            </a:r>
-            <a:r>
-              <a:rPr b="0" lang="pt-BR" sz="4400" spc="-1" strike="noStrike">
-                <a:latin typeface="Arial"/>
-              </a:rPr>
-              <a:t>e</a:t>
-            </a:r>
-            <a:r>
-              <a:rPr b="0" lang="pt-BR" sz="4400" spc="-1" strike="noStrike">
-                <a:latin typeface="Arial"/>
-              </a:rPr>
-              <a:t>x</a:t>
-            </a:r>
-            <a:r>
-              <a:rPr b="0" lang="pt-BR" sz="4400" spc="-1" strike="noStrike">
-                <a:latin typeface="Arial"/>
-              </a:rPr>
-              <a:t>t</a:t>
-            </a:r>
-            <a:r>
-              <a:rPr b="0" lang="pt-BR" sz="4400" spc="-1" strike="noStrike">
-                <a:latin typeface="Arial"/>
-              </a:rPr>
-              <a:t> </a:t>
-            </a:r>
-            <a:r>
-              <a:rPr b="0" lang="pt-BR" sz="4400" spc="-1" strike="noStrike">
-                <a:latin typeface="Arial"/>
-              </a:rPr>
-              <a:t>f</a:t>
-            </a:r>
-            <a:r>
-              <a:rPr b="0" lang="pt-BR" sz="4400" spc="-1" strike="noStrike">
-                <a:latin typeface="Arial"/>
-              </a:rPr>
-              <a:t>o</a:t>
-            </a:r>
-            <a:r>
-              <a:rPr b="0" lang="pt-BR" sz="4400" spc="-1" strike="noStrike">
-                <a:latin typeface="Arial"/>
-              </a:rPr>
-              <a:t>r</a:t>
-            </a:r>
-            <a:r>
-              <a:rPr b="0" lang="pt-BR" sz="4400" spc="-1" strike="noStrike">
-                <a:latin typeface="Arial"/>
-              </a:rPr>
-              <a:t>m</a:t>
-            </a:r>
-            <a:r>
-              <a:rPr b="0" lang="pt-BR" sz="4400" spc="-1" strike="noStrike">
-                <a:latin typeface="Arial"/>
-              </a:rPr>
-              <a:t>a</a:t>
-            </a:r>
-            <a:r>
-              <a:rPr b="0" lang="pt-BR" sz="4400" spc="-1" strike="noStrike">
-                <a:latin typeface="Arial"/>
-              </a:rPr>
-              <a:t>t</a:t>
+              <a:t>Click to edit the title text format</a:t>
             </a:r>
             <a:endParaRPr b="0" lang="pt-BR" sz="4400" spc="-1" strike="noStrike">
               <a:latin typeface="Arial"/>
@@ -10050,7 +9834,7 @@
         <p:spPr>
           <a:xfrm>
             <a:off x="0" y="180000"/>
-            <a:ext cx="9713160" cy="1253160"/>
+            <a:ext cx="9712800" cy="1252800"/>
           </a:xfrm>
           <a:prstGeom prst="rect">
             <a:avLst/>
@@ -10078,7 +9862,7 @@
         <p:spPr>
           <a:xfrm>
             <a:off x="7560000" y="6840000"/>
-            <a:ext cx="2513160" cy="533160"/>
+            <a:ext cx="2512800" cy="532800"/>
           </a:xfrm>
           <a:prstGeom prst="rect">
             <a:avLst/>
@@ -10106,7 +9890,7 @@
         <p:spPr>
           <a:xfrm>
             <a:off x="900000" y="6840000"/>
-            <a:ext cx="6473160" cy="533160"/>
+            <a:ext cx="6472800" cy="532800"/>
           </a:xfrm>
           <a:prstGeom prst="rect">
             <a:avLst/>
@@ -10134,7 +9918,7 @@
         <p:spPr>
           <a:xfrm>
             <a:off x="180000" y="6840000"/>
-            <a:ext cx="533160" cy="533160"/>
+            <a:ext cx="532800" cy="532800"/>
           </a:xfrm>
           <a:prstGeom prst="rect">
             <a:avLst/>
@@ -10186,211 +9970,7 @@
               <a:rPr b="0" lang="pt-BR" sz="4400" spc="-1" strike="noStrike">
                 <a:latin typeface="Arial"/>
               </a:rPr>
-              <a:t>C</a:t>
-            </a:r>
-            <a:r>
-              <a:rPr b="0" lang="pt-BR" sz="4400" spc="-1" strike="noStrike">
-                <a:latin typeface="Arial"/>
-              </a:rPr>
-              <a:t>l</a:t>
-            </a:r>
-            <a:r>
-              <a:rPr b="0" lang="pt-BR" sz="4400" spc="-1" strike="noStrike">
-                <a:latin typeface="Arial"/>
-              </a:rPr>
-              <a:t>i</a:t>
-            </a:r>
-            <a:r>
-              <a:rPr b="0" lang="pt-BR" sz="4400" spc="-1" strike="noStrike">
-                <a:latin typeface="Arial"/>
-              </a:rPr>
-              <a:t>c</a:t>
-            </a:r>
-            <a:r>
-              <a:rPr b="0" lang="pt-BR" sz="4400" spc="-1" strike="noStrike">
-                <a:latin typeface="Arial"/>
-              </a:rPr>
-              <a:t>k</a:t>
-            </a:r>
-            <a:r>
-              <a:rPr b="0" lang="pt-BR" sz="4400" spc="-1" strike="noStrike">
-                <a:latin typeface="Arial"/>
-              </a:rPr>
-              <a:t> </a:t>
-            </a:r>
-            <a:r>
-              <a:rPr b="0" lang="pt-BR" sz="4400" spc="-1" strike="noStrike">
-                <a:latin typeface="Arial"/>
-              </a:rPr>
-              <a:t>t</a:t>
-            </a:r>
-            <a:r>
-              <a:rPr b="0" lang="pt-BR" sz="4400" spc="-1" strike="noStrike">
-                <a:latin typeface="Arial"/>
-              </a:rPr>
-              <a:t>o</a:t>
-            </a:r>
-            <a:r>
-              <a:rPr b="0" lang="pt-BR" sz="4400" spc="-1" strike="noStrike">
-                <a:latin typeface="Arial"/>
-              </a:rPr>
-              <a:t> </a:t>
-            </a:r>
-            <a:r>
-              <a:rPr b="0" lang="pt-BR" sz="4400" spc="-1" strike="noStrike">
-                <a:latin typeface="Arial"/>
-              </a:rPr>
-              <a:t>e</a:t>
-            </a:r>
-            <a:r>
-              <a:rPr b="0" lang="pt-BR" sz="4400" spc="-1" strike="noStrike">
-                <a:latin typeface="Arial"/>
-              </a:rPr>
-              <a:t>d</a:t>
-            </a:r>
-            <a:r>
-              <a:rPr b="0" lang="pt-BR" sz="4400" spc="-1" strike="noStrike">
-                <a:latin typeface="Arial"/>
-              </a:rPr>
-              <a:t>i</a:t>
-            </a:r>
-            <a:r>
-              <a:rPr b="0" lang="pt-BR" sz="4400" spc="-1" strike="noStrike">
-                <a:latin typeface="Arial"/>
-              </a:rPr>
-              <a:t>t</a:t>
-            </a:r>
-            <a:r>
-              <a:rPr b="0" lang="pt-BR" sz="4400" spc="-1" strike="noStrike">
-                <a:latin typeface="Arial"/>
-              </a:rPr>
-              <a:t> </a:t>
-            </a:r>
-            <a:r>
-              <a:rPr b="0" lang="pt-BR" sz="4400" spc="-1" strike="noStrike">
-                <a:latin typeface="Arial"/>
-              </a:rPr>
-              <a:t>t</a:t>
-            </a:r>
-            <a:r>
-              <a:rPr b="0" lang="pt-BR" sz="4400" spc="-1" strike="noStrike">
-                <a:latin typeface="Arial"/>
-              </a:rPr>
-              <a:t>h</a:t>
-            </a:r>
-            <a:r>
-              <a:rPr b="0" lang="pt-BR" sz="4400" spc="-1" strike="noStrike">
-                <a:latin typeface="Arial"/>
-              </a:rPr>
-              <a:t>e</a:t>
-            </a:r>
-            <a:r>
-              <a:rPr b="0" lang="pt-BR" sz="4400" spc="-1" strike="noStrike">
-                <a:latin typeface="Arial"/>
-              </a:rPr>
-              <a:t> </a:t>
-            </a:r>
-            <a:r>
-              <a:rPr b="0" lang="pt-BR" sz="4400" spc="-1" strike="noStrike">
-                <a:latin typeface="Arial"/>
-              </a:rPr>
-              <a:t>t</a:t>
-            </a:r>
-            <a:r>
-              <a:rPr b="0" lang="pt-BR" sz="4400" spc="-1" strike="noStrike">
-                <a:latin typeface="Arial"/>
-              </a:rPr>
-              <a:t>i</a:t>
-            </a:r>
-            <a:r>
-              <a:rPr b="0" lang="pt-BR" sz="4400" spc="-1" strike="noStrike">
-                <a:latin typeface="Arial"/>
-              </a:rPr>
-              <a:t>t</a:t>
-            </a:r>
-            <a:r>
-              <a:rPr b="0" lang="pt-BR" sz="4400" spc="-1" strike="noStrike">
-                <a:latin typeface="Arial"/>
-              </a:rPr>
-              <a:t>l</a:t>
-            </a:r>
-            <a:r>
-              <a:rPr b="0" lang="pt-BR" sz="4400" spc="-1" strike="noStrike">
-                <a:latin typeface="Arial"/>
-              </a:rPr>
-              <a:t>e</a:t>
-            </a:r>
-            <a:r>
-              <a:rPr b="0" lang="pt-BR" sz="4400" spc="-1" strike="noStrike">
-                <a:latin typeface="Arial"/>
-              </a:rPr>
-              <a:t> </a:t>
-            </a:r>
-            <a:r>
-              <a:rPr b="0" lang="pt-BR" sz="4400" spc="-1" strike="noStrike">
-                <a:latin typeface="Arial"/>
-              </a:rPr>
-              <a:t>t</a:t>
-            </a:r>
-            <a:r>
-              <a:rPr b="0" lang="pt-BR" sz="4400" spc="-1" strike="noStrike">
-                <a:latin typeface="Arial"/>
-              </a:rPr>
-              <a:t>e</a:t>
-            </a:r>
-            <a:r>
-              <a:rPr b="0" lang="pt-BR" sz="4400" spc="-1" strike="noStrike">
-                <a:latin typeface="Arial"/>
-              </a:rPr>
-              <a:t>x</a:t>
-            </a:r>
-            <a:r>
-              <a:rPr b="0" lang="pt-BR" sz="4400" spc="-1" strike="noStrike">
-                <a:latin typeface="Arial"/>
-              </a:rPr>
-              <a:t>t</a:t>
-            </a:r>
-            <a:r>
-              <a:rPr b="0" lang="pt-BR" sz="4400" spc="-1" strike="noStrike">
-                <a:latin typeface="Arial"/>
-              </a:rPr>
-              <a:t> </a:t>
-            </a:r>
-            <a:r>
-              <a:rPr b="0" lang="pt-BR" sz="4400" spc="-1" strike="noStrike">
-                <a:latin typeface="Arial"/>
-              </a:rPr>
-              <a:t>f</a:t>
-            </a:r>
-            <a:r>
-              <a:rPr b="0" lang="pt-BR" sz="4400" spc="-1" strike="noStrike">
-                <a:latin typeface="Arial"/>
-              </a:rPr>
-              <a:t>o</a:t>
-            </a:r>
-            <a:r>
-              <a:rPr b="0" lang="pt-BR" sz="4400" spc="-1" strike="noStrike">
-                <a:latin typeface="Arial"/>
-              </a:rPr>
-              <a:t>r</a:t>
-            </a:r>
-            <a:r>
-              <a:rPr b="0" lang="pt-BR" sz="4400" spc="-1" strike="noStrike">
-                <a:latin typeface="Arial"/>
-              </a:rPr>
-              <a:t>m</a:t>
-            </a:r>
-            <a:r>
-              <a:rPr b="0" lang="pt-BR" sz="4400" spc="-1" strike="noStrike">
-                <a:latin typeface="Arial"/>
-              </a:rPr>
-              <a:t>a</a:t>
-            </a:r>
-            <a:r>
-              <a:rPr b="0" lang="pt-BR" sz="4400" spc="-1" strike="noStrike">
-                <a:latin typeface="Arial"/>
-              </a:rPr>
-              <a:t>t</a:t>
+              <a:t>Click to edit the title text format</a:t>
             </a:r>
             <a:endParaRPr b="0" lang="pt-BR" sz="4400" spc="-1" strike="noStrike">
               <a:latin typeface="Arial"/>
@@ -10634,7 +10214,7 @@
         <p:spPr>
           <a:xfrm>
             <a:off x="0" y="3150000"/>
-            <a:ext cx="9713160" cy="1253160"/>
+            <a:ext cx="9712800" cy="1252800"/>
           </a:xfrm>
           <a:prstGeom prst="rect">
             <a:avLst/>
@@ -10688,7 +10268,19 @@
               <a:rPr b="0" lang="pt-BR" sz="4400" spc="-1" strike="noStrike">
                 <a:latin typeface="Arial"/>
               </a:rPr>
-              <a:t>Click to edit the title text </a:t>
+              <a:t>Click to </a:t>
+            </a:r>
+            <a:r>
+              <a:rPr b="0" lang="pt-BR" sz="4400" spc="-1" strike="noStrike">
+                <a:latin typeface="Arial"/>
+              </a:rPr>
+              <a:t>edit the </a:t>
+            </a:r>
+            <a:r>
+              <a:rPr b="0" lang="pt-BR" sz="4400" spc="-1" strike="noStrike">
+                <a:latin typeface="Arial"/>
+              </a:rPr>
+              <a:t>title text </a:t>
             </a:r>
             <a:r>
               <a:rPr b="0" lang="pt-BR" sz="4400" spc="-1" strike="noStrike">
@@ -10931,7 +10523,7 @@
         <p:spPr>
           <a:xfrm>
             <a:off x="360000" y="3330000"/>
-            <a:ext cx="9353160" cy="893160"/>
+            <a:ext cx="9352800" cy="892800"/>
           </a:xfrm>
           <a:prstGeom prst="rect">
             <a:avLst/>
@@ -11004,7 +10596,7 @@
         <p:spPr>
           <a:xfrm>
             <a:off x="540000" y="4680000"/>
-            <a:ext cx="9173160" cy="2513160"/>
+            <a:ext cx="9172800" cy="2512800"/>
           </a:xfrm>
           <a:prstGeom prst="rect">
             <a:avLst/>
@@ -11209,7 +10801,7 @@
         <p:spPr>
           <a:xfrm>
             <a:off x="944640" y="1682640"/>
-            <a:ext cx="7566120" cy="722520"/>
+            <a:ext cx="7565760" cy="722160"/>
           </a:xfrm>
           <a:prstGeom prst="rect">
             <a:avLst/>
@@ -11261,7 +10853,7 @@
         <p:spPr>
           <a:xfrm>
             <a:off x="7608600" y="6886080"/>
-            <a:ext cx="2278440" cy="358200"/>
+            <a:ext cx="2278080" cy="357840"/>
           </a:xfrm>
           <a:prstGeom prst="rect">
             <a:avLst/>
@@ -11313,7 +10905,7 @@
         <p:spPr>
           <a:xfrm>
             <a:off x="897120" y="6886080"/>
-            <a:ext cx="6440400" cy="358200"/>
+            <a:ext cx="6440040" cy="357840"/>
           </a:xfrm>
           <a:prstGeom prst="rect">
             <a:avLst/>
@@ -11369,7 +10961,7 @@
         <p:spPr>
           <a:xfrm>
             <a:off x="1919880" y="2921400"/>
-            <a:ext cx="2873880" cy="1240200"/>
+            <a:ext cx="2873520" cy="1239840"/>
           </a:xfrm>
           <a:prstGeom prst="rect">
             <a:avLst/>
@@ -11392,7 +10984,7 @@
         <p:spPr>
           <a:xfrm>
             <a:off x="837360" y="1561320"/>
-            <a:ext cx="2820240" cy="1232640"/>
+            <a:ext cx="2819880" cy="1232280"/>
           </a:xfrm>
           <a:prstGeom prst="rect">
             <a:avLst/>
@@ -11410,8 +11002,8 @@
         </p:nvSpPr>
         <p:spPr>
           <a:xfrm flipH="1" rot="16200000">
-            <a:off x="1261080" y="2882880"/>
-            <a:ext cx="747000" cy="569880"/>
+            <a:off x="1261440" y="2882880"/>
+            <a:ext cx="746640" cy="569520"/>
           </a:xfrm>
           <a:prstGeom prst="bentConnector2">
             <a:avLst/>
@@ -11479,6 +11071,7 @@
                   <a:srgbClr val="ffffff"/>
                 </a:solidFill>
                 <a:latin typeface="Calibri"/>
+                <a:ea typeface="DejaVu Sans"/>
               </a:rPr>
               <a:t>3</a:t>
             </a:r>
@@ -11499,6 +11092,7 @@
                   <a:srgbClr val="ffffff"/>
                 </a:solidFill>
                 <a:latin typeface="Calibri"/>
+                <a:ea typeface="DejaVu Sans"/>
               </a:rPr>
               <a:t>2</a:t>
             </a:r>
@@ -11519,6 +11113,7 @@
                   <a:srgbClr val="ffffff"/>
                 </a:solidFill>
                 <a:latin typeface="Calibri"/>
+                <a:ea typeface="DejaVu Sans"/>
               </a:rPr>
               <a:t>1</a:t>
             </a:r>
@@ -11539,6 +11134,7 @@
                   <a:srgbClr val="ffffff"/>
                 </a:solidFill>
                 <a:latin typeface="Calibri"/>
+                <a:ea typeface="DejaVu Sans"/>
               </a:rPr>
               <a:t>0</a:t>
             </a:r>
@@ -11562,7 +11158,7 @@
         <p:spPr>
           <a:xfrm>
             <a:off x="720000" y="4952160"/>
-            <a:ext cx="1829880" cy="1817640"/>
+            <a:ext cx="1829520" cy="1817280"/>
           </a:xfrm>
           <a:prstGeom prst="rect">
             <a:avLst/>
@@ -11614,6 +11210,7 @@
                   <a:srgbClr val="ffffff"/>
                 </a:solidFill>
                 <a:latin typeface="Calibri"/>
+                <a:ea typeface="DejaVu Sans"/>
               </a:rPr>
               <a:t>3</a:t>
             </a:r>
@@ -11634,6 +11231,7 @@
                   <a:srgbClr val="ffffff"/>
                 </a:solidFill>
                 <a:latin typeface="Calibri"/>
+                <a:ea typeface="DejaVu Sans"/>
               </a:rPr>
               <a:t>2</a:t>
             </a:r>
@@ -11654,6 +11252,7 @@
                   <a:srgbClr val="ffffff"/>
                 </a:solidFill>
                 <a:latin typeface="Calibri"/>
+                <a:ea typeface="DejaVu Sans"/>
               </a:rPr>
               <a:t>1</a:t>
             </a:r>
@@ -11674,6 +11273,7 @@
                   <a:srgbClr val="ffffff"/>
                 </a:solidFill>
                 <a:latin typeface="Calibri"/>
+                <a:ea typeface="DejaVu Sans"/>
               </a:rPr>
               <a:t>0</a:t>
             </a:r>
@@ -11725,6 +11325,7 @@
                   <a:srgbClr val="ffffff"/>
                 </a:solidFill>
                 <a:latin typeface="Calibri"/>
+                <a:ea typeface="DejaVu Sans"/>
               </a:rPr>
               <a:t>3</a:t>
             </a:r>
@@ -11745,6 +11346,7 @@
                   <a:srgbClr val="ffffff"/>
                 </a:solidFill>
                 <a:latin typeface="Calibri"/>
+                <a:ea typeface="DejaVu Sans"/>
               </a:rPr>
               <a:t>2</a:t>
             </a:r>
@@ -11765,6 +11367,7 @@
                   <a:srgbClr val="ffffff"/>
                 </a:solidFill>
                 <a:latin typeface="Calibri"/>
+                <a:ea typeface="DejaVu Sans"/>
               </a:rPr>
               <a:t>1</a:t>
             </a:r>
@@ -11785,6 +11388,7 @@
                   <a:srgbClr val="ffffff"/>
                 </a:solidFill>
                 <a:latin typeface="Calibri"/>
+                <a:ea typeface="DejaVu Sans"/>
               </a:rPr>
               <a:t>0</a:t>
             </a:r>
@@ -11836,6 +11440,7 @@
                   <a:srgbClr val="ffffff"/>
                 </a:solidFill>
                 <a:latin typeface="Calibri"/>
+                <a:ea typeface="DejaVu Sans"/>
               </a:rPr>
               <a:t>3</a:t>
             </a:r>
@@ -11856,6 +11461,7 @@
                   <a:srgbClr val="ffffff"/>
                 </a:solidFill>
                 <a:latin typeface="Calibri"/>
+                <a:ea typeface="DejaVu Sans"/>
               </a:rPr>
               <a:t>2</a:t>
             </a:r>
@@ -11876,6 +11482,7 @@
                   <a:srgbClr val="ffffff"/>
                 </a:solidFill>
                 <a:latin typeface="Calibri"/>
+                <a:ea typeface="DejaVu Sans"/>
               </a:rPr>
               <a:t>1</a:t>
             </a:r>
@@ -11894,7 +11501,7 @@
         <p:spPr>
           <a:xfrm>
             <a:off x="7452000" y="5159520"/>
-            <a:ext cx="1620000" cy="392760"/>
+            <a:ext cx="1619640" cy="392400"/>
           </a:xfrm>
           <a:prstGeom prst="rect">
             <a:avLst/>
@@ -11939,6 +11546,7 @@
                   <a:srgbClr val="ffffff"/>
                 </a:solidFill>
                 <a:latin typeface="Calibri"/>
+                <a:ea typeface="DejaVu Sans"/>
               </a:rPr>
               <a:t>print_rec(3)</a:t>
             </a:r>
@@ -11957,7 +11565,7 @@
         <p:spPr>
           <a:xfrm>
             <a:off x="7209720" y="2489760"/>
-            <a:ext cx="2045520" cy="3166560"/>
+            <a:ext cx="2045160" cy="3166200"/>
           </a:xfrm>
           <a:prstGeom prst="rect">
             <a:avLst/>
@@ -12026,6 +11634,7 @@
                   <a:srgbClr val="000000"/>
                 </a:solidFill>
                 <a:latin typeface="Calibri"/>
+                <a:ea typeface="DejaVu Sans"/>
               </a:rPr>
               <a:t>Call   Stack</a:t>
             </a:r>
@@ -12044,7 +11653,7 @@
         <p:spPr>
           <a:xfrm>
             <a:off x="7452000" y="4662360"/>
-            <a:ext cx="1620000" cy="392760"/>
+            <a:ext cx="1619640" cy="392400"/>
           </a:xfrm>
           <a:prstGeom prst="rect">
             <a:avLst/>
@@ -12089,6 +11698,7 @@
                   <a:srgbClr val="ffffff"/>
                 </a:solidFill>
                 <a:latin typeface="Calibri"/>
+                <a:ea typeface="DejaVu Sans"/>
               </a:rPr>
               <a:t>print_rec(2)</a:t>
             </a:r>
@@ -12106,8 +11716,8 @@
         </p:nvSpPr>
         <p:spPr>
           <a:xfrm rot="10800000">
-            <a:off x="8905680" y="4717080"/>
-            <a:ext cx="704880" cy="288360"/>
+            <a:off x="8906040" y="4717440"/>
+            <a:ext cx="704520" cy="288000"/>
           </a:xfrm>
           <a:prstGeom prst="rightArrow">
             <a:avLst>
@@ -12152,7 +11762,7 @@
         <p:spPr>
           <a:xfrm>
             <a:off x="837360" y="1575000"/>
-            <a:ext cx="2827800" cy="1209600"/>
+            <a:ext cx="2827440" cy="1209240"/>
           </a:xfrm>
           <a:prstGeom prst="rect">
             <a:avLst/>
@@ -12175,7 +11785,7 @@
         <p:spPr>
           <a:xfrm>
             <a:off x="1950480" y="2930760"/>
-            <a:ext cx="2843280" cy="1248120"/>
+            <a:ext cx="2842920" cy="1247760"/>
           </a:xfrm>
           <a:prstGeom prst="rect">
             <a:avLst/>
@@ -12194,7 +11804,7 @@
         <p:spPr>
           <a:xfrm>
             <a:off x="931320" y="5100840"/>
-            <a:ext cx="636840" cy="2053800"/>
+            <a:ext cx="636480" cy="2053800"/>
           </a:xfrm>
           <a:prstGeom prst="rect">
             <a:avLst/>
@@ -12227,6 +11837,7 @@
                   <a:srgbClr val="ffffff"/>
                 </a:solidFill>
                 <a:latin typeface="Calibri"/>
+                <a:ea typeface="DejaVu Sans"/>
               </a:rPr>
               <a:t>Main</a:t>
             </a:r>
@@ -12247,6 +11858,7 @@
                   <a:srgbClr val="ffffff"/>
                 </a:solidFill>
                 <a:latin typeface="Calibri"/>
+                <a:ea typeface="DejaVu Sans"/>
               </a:rPr>
               <a:t>3</a:t>
             </a:r>
@@ -12267,6 +11879,7 @@
                   <a:srgbClr val="ffffff"/>
                 </a:solidFill>
                 <a:latin typeface="Calibri"/>
+                <a:ea typeface="DejaVu Sans"/>
               </a:rPr>
               <a:t>2</a:t>
             </a:r>
@@ -12287,6 +11900,7 @@
                   <a:srgbClr val="ffffff"/>
                 </a:solidFill>
                 <a:latin typeface="Calibri"/>
+                <a:ea typeface="DejaVu Sans"/>
               </a:rPr>
               <a:t>1</a:t>
             </a:r>
@@ -12343,27 +11957,39 @@
       <p:sp>
         <p:nvSpPr>
           <p:cNvPr id="262" name=""/>
-          <p:cNvSpPr txBox="1"/>
+          <p:cNvSpPr/>
           <p:nvPr/>
         </p:nvSpPr>
         <p:spPr>
           <a:xfrm>
             <a:off x="164880" y="720360"/>
-            <a:ext cx="2715120" cy="672840"/>
-          </a:xfrm>
-          <a:prstGeom prst="rect">
-            <a:avLst/>
-          </a:prstGeom>
-          <a:noFill/>
-          <a:ln w="0">
-            <a:noFill/>
-          </a:ln>
-        </p:spPr>
+            <a:ext cx="2714760" cy="672480"/>
+          </a:xfrm>
+          <a:prstGeom prst="rect">
+            <a:avLst/>
+          </a:prstGeom>
+          <a:noFill/>
+          <a:ln w="0">
+            <a:noFill/>
+          </a:ln>
+        </p:spPr>
+        <p:style>
+          <a:lnRef idx="0"/>
+          <a:fillRef idx="0"/>
+          <a:effectRef idx="0"/>
+          <a:fontRef idx="minor"/>
+        </p:style>
         <p:txBody>
           <a:bodyPr lIns="90000" rIns="90000" tIns="45000" bIns="45000" anchor="t">
             <a:noAutofit/>
           </a:bodyPr>
           <a:p>
+            <a:pPr>
+              <a:lnSpc>
+                <a:spcPct val="100000"/>
+              </a:lnSpc>
+              <a:buNone/>
+            </a:pPr>
             <a:r>
               <a:rPr b="1" lang="pt-BR" sz="3200" spc="-1" strike="noStrike">
                 <a:solidFill>
@@ -12419,7 +12045,7 @@
         <p:spPr>
           <a:xfrm>
             <a:off x="966600" y="1633320"/>
-            <a:ext cx="7566120" cy="722520"/>
+            <a:ext cx="7565760" cy="722160"/>
           </a:xfrm>
           <a:prstGeom prst="rect">
             <a:avLst/>
@@ -12471,7 +12097,7 @@
         <p:spPr>
           <a:xfrm>
             <a:off x="7608600" y="6886080"/>
-            <a:ext cx="2278440" cy="358200"/>
+            <a:ext cx="2278080" cy="357840"/>
           </a:xfrm>
           <a:prstGeom prst="rect">
             <a:avLst/>
@@ -12523,7 +12149,7 @@
         <p:spPr>
           <a:xfrm>
             <a:off x="897120" y="6886080"/>
-            <a:ext cx="6440400" cy="358200"/>
+            <a:ext cx="6440040" cy="357840"/>
           </a:xfrm>
           <a:prstGeom prst="rect">
             <a:avLst/>
@@ -12579,7 +12205,7 @@
         <p:spPr>
           <a:xfrm>
             <a:off x="859320" y="1512000"/>
-            <a:ext cx="2820240" cy="1232640"/>
+            <a:ext cx="2819880" cy="1232280"/>
           </a:xfrm>
           <a:prstGeom prst="rect">
             <a:avLst/>
@@ -12631,6 +12257,7 @@
                   <a:srgbClr val="ffffff"/>
                 </a:solidFill>
                 <a:latin typeface="Calibri"/>
+                <a:ea typeface="DejaVu Sans"/>
               </a:rPr>
               <a:t>3</a:t>
             </a:r>
@@ -12651,6 +12278,7 @@
                   <a:srgbClr val="ffffff"/>
                 </a:solidFill>
                 <a:latin typeface="Calibri"/>
+                <a:ea typeface="DejaVu Sans"/>
               </a:rPr>
               <a:t>2</a:t>
             </a:r>
@@ -12671,6 +12299,7 @@
                   <a:srgbClr val="ffffff"/>
                 </a:solidFill>
                 <a:latin typeface="Calibri"/>
+                <a:ea typeface="DejaVu Sans"/>
               </a:rPr>
               <a:t>1</a:t>
             </a:r>
@@ -12691,6 +12320,7 @@
                   <a:srgbClr val="ffffff"/>
                 </a:solidFill>
                 <a:latin typeface="Calibri"/>
+                <a:ea typeface="DejaVu Sans"/>
               </a:rPr>
               <a:t>0</a:t>
             </a:r>
@@ -12714,7 +12344,7 @@
         <p:spPr>
           <a:xfrm>
             <a:off x="741960" y="4902840"/>
-            <a:ext cx="1829880" cy="1817640"/>
+            <a:ext cx="1829520" cy="1817280"/>
           </a:xfrm>
           <a:prstGeom prst="rect">
             <a:avLst/>
@@ -12766,6 +12396,7 @@
                   <a:srgbClr val="ffffff"/>
                 </a:solidFill>
                 <a:latin typeface="Calibri"/>
+                <a:ea typeface="DejaVu Sans"/>
               </a:rPr>
               <a:t>3</a:t>
             </a:r>
@@ -12786,6 +12417,7 @@
                   <a:srgbClr val="ffffff"/>
                 </a:solidFill>
                 <a:latin typeface="Calibri"/>
+                <a:ea typeface="DejaVu Sans"/>
               </a:rPr>
               <a:t>2</a:t>
             </a:r>
@@ -12806,6 +12438,7 @@
                   <a:srgbClr val="ffffff"/>
                 </a:solidFill>
                 <a:latin typeface="Calibri"/>
+                <a:ea typeface="DejaVu Sans"/>
               </a:rPr>
               <a:t>1</a:t>
             </a:r>
@@ -12826,6 +12459,7 @@
                   <a:srgbClr val="ffffff"/>
                 </a:solidFill>
                 <a:latin typeface="Calibri"/>
+                <a:ea typeface="DejaVu Sans"/>
               </a:rPr>
               <a:t>0</a:t>
             </a:r>
@@ -12877,6 +12511,7 @@
                   <a:srgbClr val="ffffff"/>
                 </a:solidFill>
                 <a:latin typeface="Calibri"/>
+                <a:ea typeface="DejaVu Sans"/>
               </a:rPr>
               <a:t>3</a:t>
             </a:r>
@@ -12897,6 +12532,7 @@
                   <a:srgbClr val="ffffff"/>
                 </a:solidFill>
                 <a:latin typeface="Calibri"/>
+                <a:ea typeface="DejaVu Sans"/>
               </a:rPr>
               <a:t>2</a:t>
             </a:r>
@@ -12917,6 +12553,7 @@
                   <a:srgbClr val="ffffff"/>
                 </a:solidFill>
                 <a:latin typeface="Calibri"/>
+                <a:ea typeface="DejaVu Sans"/>
               </a:rPr>
               <a:t>1</a:t>
             </a:r>
@@ -12937,6 +12574,7 @@
                   <a:srgbClr val="ffffff"/>
                 </a:solidFill>
                 <a:latin typeface="Calibri"/>
+                <a:ea typeface="DejaVu Sans"/>
               </a:rPr>
               <a:t>0</a:t>
             </a:r>
@@ -12988,6 +12626,7 @@
                   <a:srgbClr val="ffffff"/>
                 </a:solidFill>
                 <a:latin typeface="Calibri"/>
+                <a:ea typeface="DejaVu Sans"/>
               </a:rPr>
               <a:t>3</a:t>
             </a:r>
@@ -13008,6 +12647,7 @@
                   <a:srgbClr val="ffffff"/>
                 </a:solidFill>
                 <a:latin typeface="Calibri"/>
+                <a:ea typeface="DejaVu Sans"/>
               </a:rPr>
               <a:t>2</a:t>
             </a:r>
@@ -13028,6 +12668,7 @@
                   <a:srgbClr val="ffffff"/>
                 </a:solidFill>
                 <a:latin typeface="Calibri"/>
+                <a:ea typeface="DejaVu Sans"/>
               </a:rPr>
               <a:t>1</a:t>
             </a:r>
@@ -13046,7 +12687,7 @@
         <p:spPr>
           <a:xfrm>
             <a:off x="7380000" y="5110200"/>
-            <a:ext cx="1620000" cy="392760"/>
+            <a:ext cx="1619640" cy="392400"/>
           </a:xfrm>
           <a:prstGeom prst="rect">
             <a:avLst/>
@@ -13091,6 +12732,7 @@
                   <a:srgbClr val="ffffff"/>
                 </a:solidFill>
                 <a:latin typeface="Calibri"/>
+                <a:ea typeface="DejaVu Sans"/>
               </a:rPr>
               <a:t>print_rec(3)</a:t>
             </a:r>
@@ -13109,7 +12751,7 @@
         <p:spPr>
           <a:xfrm>
             <a:off x="7231680" y="2440440"/>
-            <a:ext cx="2045520" cy="3166560"/>
+            <a:ext cx="2045160" cy="3166200"/>
           </a:xfrm>
           <a:prstGeom prst="rect">
             <a:avLst/>
@@ -13178,6 +12820,7 @@
                   <a:srgbClr val="000000"/>
                 </a:solidFill>
                 <a:latin typeface="Calibri"/>
+                <a:ea typeface="DejaVu Sans"/>
               </a:rPr>
               <a:t>Call   Stack</a:t>
             </a:r>
@@ -13195,8 +12838,8 @@
         </p:nvSpPr>
         <p:spPr>
           <a:xfrm rot="10800000">
-            <a:off x="8927640" y="5153040"/>
-            <a:ext cx="704880" cy="288720"/>
+            <a:off x="8928000" y="5153400"/>
+            <a:ext cx="704520" cy="288360"/>
           </a:xfrm>
           <a:prstGeom prst="rightArrow">
             <a:avLst>
@@ -13241,7 +12884,7 @@
         <p:spPr>
           <a:xfrm>
             <a:off x="859320" y="1525680"/>
-            <a:ext cx="2827800" cy="1209600"/>
+            <a:ext cx="2827440" cy="1209240"/>
           </a:xfrm>
           <a:prstGeom prst="rect">
             <a:avLst/>
@@ -13260,7 +12903,7 @@
         <p:spPr>
           <a:xfrm>
             <a:off x="1039320" y="5100840"/>
-            <a:ext cx="636840" cy="2053800"/>
+            <a:ext cx="636480" cy="2053800"/>
           </a:xfrm>
           <a:prstGeom prst="rect">
             <a:avLst/>
@@ -13293,6 +12936,7 @@
                   <a:srgbClr val="ffffff"/>
                 </a:solidFill>
                 <a:latin typeface="Calibri"/>
+                <a:ea typeface="DejaVu Sans"/>
               </a:rPr>
               <a:t>Main</a:t>
             </a:r>
@@ -13313,6 +12957,7 @@
                   <a:srgbClr val="ffffff"/>
                 </a:solidFill>
                 <a:latin typeface="Calibri"/>
+                <a:ea typeface="DejaVu Sans"/>
               </a:rPr>
               <a:t>3</a:t>
             </a:r>
@@ -13333,6 +12978,7 @@
                   <a:srgbClr val="ffffff"/>
                 </a:solidFill>
                 <a:latin typeface="Calibri"/>
+                <a:ea typeface="DejaVu Sans"/>
               </a:rPr>
               <a:t>2</a:t>
             </a:r>
@@ -13353,6 +12999,7 @@
                   <a:srgbClr val="ffffff"/>
                 </a:solidFill>
                 <a:latin typeface="Calibri"/>
+                <a:ea typeface="DejaVu Sans"/>
               </a:rPr>
               <a:t>1</a:t>
             </a:r>
@@ -13445,7 +13092,7 @@
         <p:spPr>
           <a:xfrm>
             <a:off x="981000" y="1550520"/>
-            <a:ext cx="7263000" cy="723960"/>
+            <a:ext cx="7262640" cy="723600"/>
           </a:xfrm>
           <a:prstGeom prst="rect">
             <a:avLst/>
@@ -13497,7 +13144,7 @@
         <p:spPr>
           <a:xfrm>
             <a:off x="7608600" y="6886080"/>
-            <a:ext cx="2278440" cy="358200"/>
+            <a:ext cx="2278080" cy="357840"/>
           </a:xfrm>
           <a:prstGeom prst="rect">
             <a:avLst/>
@@ -13549,7 +13196,7 @@
         <p:spPr>
           <a:xfrm>
             <a:off x="897120" y="6886080"/>
-            <a:ext cx="6440400" cy="358200"/>
+            <a:ext cx="6440040" cy="357840"/>
           </a:xfrm>
           <a:prstGeom prst="rect">
             <a:avLst/>
@@ -13680,7 +13327,7 @@
         <p:spPr>
           <a:xfrm>
             <a:off x="889920" y="1440000"/>
-            <a:ext cx="5051880" cy="3084480"/>
+            <a:ext cx="5051520" cy="3084120"/>
           </a:xfrm>
           <a:prstGeom prst="rect">
             <a:avLst/>
@@ -13698,8 +13345,8 @@
         </p:nvSpPr>
         <p:spPr>
           <a:xfrm flipV="1" rot="19768200">
-            <a:off x="396720" y="4753800"/>
-            <a:ext cx="423000" cy="200880"/>
+            <a:off x="396720" y="4753440"/>
+            <a:ext cx="422640" cy="200520"/>
           </a:xfrm>
           <a:prstGeom prst="rightArrow">
             <a:avLst>
@@ -13745,7 +13392,7 @@
         <p:spPr>
           <a:xfrm>
             <a:off x="742320" y="4903200"/>
-            <a:ext cx="1829880" cy="1817640"/>
+            <a:ext cx="1829520" cy="1817280"/>
           </a:xfrm>
           <a:prstGeom prst="rect">
             <a:avLst/>
@@ -13764,7 +13411,7 @@
         <p:spPr>
           <a:xfrm>
             <a:off x="961920" y="5064840"/>
-            <a:ext cx="1080360" cy="1078560"/>
+            <a:ext cx="1080000" cy="1079640"/>
           </a:xfrm>
           <a:prstGeom prst="rect">
             <a:avLst/>
@@ -13797,6 +13444,7 @@
                   <a:srgbClr val="ffffff"/>
                 </a:solidFill>
                 <a:latin typeface="Calibri"/>
+                <a:ea typeface="DejaVu Sans"/>
               </a:rPr>
               <a:t>Main</a:t>
             </a:r>
@@ -13817,6 +13465,7 @@
                   <a:srgbClr val="ffffff"/>
                 </a:solidFill>
                 <a:latin typeface="Calibri"/>
+                <a:ea typeface="DejaVu Sans"/>
               </a:rPr>
               <a:t>3</a:t>
             </a:r>
@@ -13837,6 +13486,7 @@
                   <a:srgbClr val="ffffff"/>
                 </a:solidFill>
                 <a:latin typeface="Calibri"/>
+                <a:ea typeface="DejaVu Sans"/>
               </a:rPr>
               <a:t>2</a:t>
             </a:r>
@@ -13857,6 +13507,7 @@
                   <a:srgbClr val="ffffff"/>
                 </a:solidFill>
                 <a:latin typeface="Calibri"/>
+                <a:ea typeface="DejaVu Sans"/>
               </a:rPr>
               <a:t>1</a:t>
             </a:r>
@@ -13877,6 +13528,7 @@
                   <a:srgbClr val="ffffff"/>
                 </a:solidFill>
                 <a:latin typeface="Calibri"/>
+                <a:ea typeface="DejaVu Sans"/>
               </a:rPr>
               <a:t>Voltei Main</a:t>
             </a:r>
@@ -13889,27 +13541,39 @@
       <p:sp>
         <p:nvSpPr>
           <p:cNvPr id="286" name=""/>
-          <p:cNvSpPr txBox="1"/>
+          <p:cNvSpPr/>
           <p:nvPr/>
         </p:nvSpPr>
         <p:spPr>
           <a:xfrm>
             <a:off x="889920" y="4003560"/>
-            <a:ext cx="1241280" cy="316440"/>
-          </a:xfrm>
-          <a:prstGeom prst="rect">
-            <a:avLst/>
-          </a:prstGeom>
-          <a:noFill/>
-          <a:ln w="0">
-            <a:noFill/>
-          </a:ln>
-        </p:spPr>
+            <a:ext cx="1240920" cy="316080"/>
+          </a:xfrm>
+          <a:prstGeom prst="rect">
+            <a:avLst/>
+          </a:prstGeom>
+          <a:noFill/>
+          <a:ln w="0">
+            <a:noFill/>
+          </a:ln>
+        </p:spPr>
+        <p:style>
+          <a:lnRef idx="0"/>
+          <a:fillRef idx="0"/>
+          <a:effectRef idx="0"/>
+          <a:fontRef idx="minor"/>
+        </p:style>
         <p:txBody>
           <a:bodyPr lIns="90000" rIns="90000" tIns="45000" bIns="45000" anchor="t">
             <a:noAutofit/>
           </a:bodyPr>
           <a:p>
+            <a:pPr>
+              <a:lnSpc>
+                <a:spcPct val="100000"/>
+              </a:lnSpc>
+              <a:buNone/>
+            </a:pPr>
             <a:r>
               <a:rPr b="0" lang="pt-BR" sz="1600" spc="-1" strike="noStrike">
                 <a:latin typeface="Arial"/>
@@ -13925,27 +13589,39 @@
       <p:sp>
         <p:nvSpPr>
           <p:cNvPr id="287" name=""/>
-          <p:cNvSpPr txBox="1"/>
+          <p:cNvSpPr/>
           <p:nvPr/>
         </p:nvSpPr>
         <p:spPr>
           <a:xfrm>
             <a:off x="820800" y="4524120"/>
-            <a:ext cx="1879200" cy="541800"/>
-          </a:xfrm>
-          <a:prstGeom prst="rect">
-            <a:avLst/>
-          </a:prstGeom>
-          <a:noFill/>
-          <a:ln w="0">
-            <a:noFill/>
-          </a:ln>
-        </p:spPr>
+            <a:ext cx="1878840" cy="541440"/>
+          </a:xfrm>
+          <a:prstGeom prst="rect">
+            <a:avLst/>
+          </a:prstGeom>
+          <a:noFill/>
+          <a:ln w="0">
+            <a:noFill/>
+          </a:ln>
+        </p:spPr>
+        <p:style>
+          <a:lnRef idx="0"/>
+          <a:fillRef idx="0"/>
+          <a:effectRef idx="0"/>
+          <a:fontRef idx="minor"/>
+        </p:style>
         <p:txBody>
           <a:bodyPr lIns="90000" rIns="90000" tIns="45000" bIns="45000" anchor="t">
             <a:noAutofit/>
           </a:bodyPr>
           <a:p>
+            <a:pPr>
+              <a:lnSpc>
+                <a:spcPct val="100000"/>
+              </a:lnSpc>
+              <a:buNone/>
+            </a:pPr>
             <a:r>
               <a:rPr b="0" lang="pt-BR" sz="1600" spc="-1" strike="noStrike">
                 <a:latin typeface="Arial"/>
@@ -13961,27 +13637,39 @@
       <p:sp>
         <p:nvSpPr>
           <p:cNvPr id="288" name=""/>
-          <p:cNvSpPr txBox="1"/>
+          <p:cNvSpPr/>
           <p:nvPr/>
         </p:nvSpPr>
         <p:spPr>
           <a:xfrm>
             <a:off x="164880" y="720360"/>
-            <a:ext cx="2715120" cy="672840"/>
-          </a:xfrm>
-          <a:prstGeom prst="rect">
-            <a:avLst/>
-          </a:prstGeom>
-          <a:noFill/>
-          <a:ln w="0">
-            <a:noFill/>
-          </a:ln>
-        </p:spPr>
+            <a:ext cx="2714760" cy="672480"/>
+          </a:xfrm>
+          <a:prstGeom prst="rect">
+            <a:avLst/>
+          </a:prstGeom>
+          <a:noFill/>
+          <a:ln w="0">
+            <a:noFill/>
+          </a:ln>
+        </p:spPr>
+        <p:style>
+          <a:lnRef idx="0"/>
+          <a:fillRef idx="0"/>
+          <a:effectRef idx="0"/>
+          <a:fontRef idx="minor"/>
+        </p:style>
         <p:txBody>
           <a:bodyPr lIns="90000" rIns="90000" tIns="45000" bIns="45000" anchor="t">
             <a:noAutofit/>
           </a:bodyPr>
           <a:p>
+            <a:pPr>
+              <a:lnSpc>
+                <a:spcPct val="100000"/>
+              </a:lnSpc>
+              <a:buNone/>
+            </a:pPr>
             <a:r>
               <a:rPr b="1" lang="pt-BR" sz="3200" spc="-1" strike="noStrike">
                 <a:solidFill>
@@ -14037,7 +13725,7 @@
         <p:spPr>
           <a:xfrm>
             <a:off x="360000" y="360000"/>
-            <a:ext cx="9353160" cy="893160"/>
+            <a:ext cx="9352800" cy="892800"/>
           </a:xfrm>
           <a:prstGeom prst="rect">
             <a:avLst/>
@@ -14089,7 +13777,7 @@
         <p:spPr>
           <a:xfrm>
             <a:off x="360000" y="1980000"/>
-            <a:ext cx="9173160" cy="4673160"/>
+            <a:ext cx="9172800" cy="4672800"/>
           </a:xfrm>
           <a:prstGeom prst="rect">
             <a:avLst/>
@@ -14261,7 +13949,7 @@
         <p:spPr>
           <a:xfrm>
             <a:off x="7608600" y="6886080"/>
-            <a:ext cx="2278440" cy="358200"/>
+            <a:ext cx="2278080" cy="357840"/>
           </a:xfrm>
           <a:prstGeom prst="rect">
             <a:avLst/>
@@ -14313,7 +14001,7 @@
         <p:spPr>
           <a:xfrm>
             <a:off x="897120" y="6886080"/>
-            <a:ext cx="6440400" cy="358200"/>
+            <a:ext cx="6440040" cy="357840"/>
           </a:xfrm>
           <a:prstGeom prst="rect">
             <a:avLst/>
@@ -14370,7 +14058,7 @@
         <p:spPr>
           <a:xfrm>
             <a:off x="5169240" y="2728800"/>
-            <a:ext cx="4035240" cy="1690200"/>
+            <a:ext cx="4034880" cy="1689840"/>
           </a:xfrm>
           <a:prstGeom prst="rect">
             <a:avLst/>
@@ -14393,7 +14081,7 @@
         <p:spPr>
           <a:xfrm>
             <a:off x="700560" y="2728800"/>
-            <a:ext cx="4072680" cy="1690200"/>
+            <a:ext cx="4072320" cy="1689840"/>
           </a:xfrm>
           <a:prstGeom prst="rect">
             <a:avLst/>
@@ -14442,7 +14130,7 @@
         <p:spPr>
           <a:xfrm>
             <a:off x="360000" y="360000"/>
-            <a:ext cx="9353160" cy="893160"/>
+            <a:ext cx="9352800" cy="892800"/>
           </a:xfrm>
           <a:prstGeom prst="rect">
             <a:avLst/>
@@ -14494,7 +14182,7 @@
         <p:spPr>
           <a:xfrm>
             <a:off x="360000" y="1980000"/>
-            <a:ext cx="9173160" cy="4673160"/>
+            <a:ext cx="9172800" cy="4672800"/>
           </a:xfrm>
           <a:prstGeom prst="rect">
             <a:avLst/>
@@ -14666,7 +14354,7 @@
         <p:spPr>
           <a:xfrm>
             <a:off x="7608600" y="6886080"/>
-            <a:ext cx="2278440" cy="358200"/>
+            <a:ext cx="2278080" cy="357840"/>
           </a:xfrm>
           <a:prstGeom prst="rect">
             <a:avLst/>
@@ -14718,7 +14406,7 @@
         <p:spPr>
           <a:xfrm>
             <a:off x="897120" y="6886080"/>
-            <a:ext cx="6440400" cy="358200"/>
+            <a:ext cx="6440040" cy="357840"/>
           </a:xfrm>
           <a:prstGeom prst="rect">
             <a:avLst/>
@@ -14775,7 +14463,7 @@
         <p:spPr>
           <a:xfrm>
             <a:off x="5169240" y="2728800"/>
-            <a:ext cx="4035240" cy="1690200"/>
+            <a:ext cx="4034880" cy="1689840"/>
           </a:xfrm>
           <a:prstGeom prst="rect">
             <a:avLst/>
@@ -14798,7 +14486,7 @@
         <p:spPr>
           <a:xfrm>
             <a:off x="700560" y="2728800"/>
-            <a:ext cx="4072680" cy="1690200"/>
+            <a:ext cx="4072320" cy="1689840"/>
           </a:xfrm>
           <a:prstGeom prst="rect">
             <a:avLst/>
@@ -14811,27 +14499,39 @@
       <p:sp>
         <p:nvSpPr>
           <p:cNvPr id="301" name=""/>
-          <p:cNvSpPr txBox="1"/>
+          <p:cNvSpPr/>
           <p:nvPr/>
         </p:nvSpPr>
         <p:spPr>
           <a:xfrm>
             <a:off x="1080000" y="4500000"/>
-            <a:ext cx="3501360" cy="346320"/>
-          </a:xfrm>
-          <a:prstGeom prst="rect">
-            <a:avLst/>
-          </a:prstGeom>
-          <a:noFill/>
-          <a:ln w="0">
-            <a:noFill/>
-          </a:ln>
-        </p:spPr>
+            <a:ext cx="3501000" cy="345960"/>
+          </a:xfrm>
+          <a:prstGeom prst="rect">
+            <a:avLst/>
+          </a:prstGeom>
+          <a:noFill/>
+          <a:ln w="0">
+            <a:noFill/>
+          </a:ln>
+        </p:spPr>
+        <p:style>
+          <a:lnRef idx="0"/>
+          <a:fillRef idx="0"/>
+          <a:effectRef idx="0"/>
+          <a:fontRef idx="minor"/>
+        </p:style>
         <p:txBody>
           <a:bodyPr lIns="90000" rIns="90000" tIns="45000" bIns="45000" anchor="t">
             <a:noAutofit/>
           </a:bodyPr>
           <a:p>
+            <a:pPr>
+              <a:lnSpc>
+                <a:spcPct val="100000"/>
+              </a:lnSpc>
+              <a:buNone/>
+            </a:pPr>
             <a:r>
               <a:rPr b="0" lang="pt-BR" sz="1800" spc="-1" strike="noStrike">
                 <a:latin typeface="Arial"/>
@@ -14847,27 +14547,39 @@
       <p:sp>
         <p:nvSpPr>
           <p:cNvPr id="302" name=""/>
-          <p:cNvSpPr txBox="1"/>
+          <p:cNvSpPr/>
           <p:nvPr/>
         </p:nvSpPr>
         <p:spPr>
           <a:xfrm>
             <a:off x="5220000" y="4500000"/>
-            <a:ext cx="3868920" cy="346320"/>
-          </a:xfrm>
-          <a:prstGeom prst="rect">
-            <a:avLst/>
-          </a:prstGeom>
-          <a:noFill/>
-          <a:ln w="0">
-            <a:noFill/>
-          </a:ln>
-        </p:spPr>
+            <a:ext cx="3868560" cy="345960"/>
+          </a:xfrm>
+          <a:prstGeom prst="rect">
+            <a:avLst/>
+          </a:prstGeom>
+          <a:noFill/>
+          <a:ln w="0">
+            <a:noFill/>
+          </a:ln>
+        </p:spPr>
+        <p:style>
+          <a:lnRef idx="0"/>
+          <a:fillRef idx="0"/>
+          <a:effectRef idx="0"/>
+          <a:fontRef idx="minor"/>
+        </p:style>
         <p:txBody>
           <a:bodyPr lIns="90000" rIns="90000" tIns="45000" bIns="45000" anchor="t">
             <a:noAutofit/>
           </a:bodyPr>
           <a:p>
+            <a:pPr>
+              <a:lnSpc>
+                <a:spcPct val="100000"/>
+              </a:lnSpc>
+              <a:buNone/>
+            </a:pPr>
             <a:r>
               <a:rPr b="0" lang="pt-BR" sz="1800" spc="-1" strike="noStrike">
                 <a:latin typeface="Arial"/>
@@ -14889,7 +14601,7 @@
         <p:spPr>
           <a:xfrm>
             <a:off x="720000" y="4140000"/>
-            <a:ext cx="360000" cy="180000"/>
+            <a:ext cx="359640" cy="179640"/>
           </a:xfrm>
           <a:custGeom>
             <a:avLst/>
@@ -14948,7 +14660,7 @@
         <p:spPr>
           <a:xfrm>
             <a:off x="5220000" y="3888000"/>
-            <a:ext cx="360000" cy="180000"/>
+            <a:ext cx="359640" cy="179640"/>
           </a:xfrm>
           <a:custGeom>
             <a:avLst/>
@@ -15037,7 +14749,7 @@
         <p:spPr>
           <a:xfrm>
             <a:off x="360000" y="360000"/>
-            <a:ext cx="9353160" cy="893160"/>
+            <a:ext cx="9352800" cy="892800"/>
           </a:xfrm>
           <a:prstGeom prst="rect">
             <a:avLst/>
@@ -15089,7 +14801,7 @@
         <p:spPr>
           <a:xfrm>
             <a:off x="7608600" y="6886080"/>
-            <a:ext cx="2278440" cy="358200"/>
+            <a:ext cx="2278080" cy="357840"/>
           </a:xfrm>
           <a:prstGeom prst="rect">
             <a:avLst/>
@@ -15141,7 +14853,7 @@
         <p:spPr>
           <a:xfrm>
             <a:off x="897120" y="6886080"/>
-            <a:ext cx="6440400" cy="358200"/>
+            <a:ext cx="6440040" cy="357840"/>
           </a:xfrm>
           <a:prstGeom prst="rect">
             <a:avLst/>
@@ -15198,7 +14910,7 @@
         <p:spPr>
           <a:xfrm>
             <a:off x="900000" y="4899960"/>
-            <a:ext cx="1893600" cy="1848240"/>
+            <a:ext cx="1893240" cy="1847880"/>
           </a:xfrm>
           <a:prstGeom prst="rect">
             <a:avLst/>
@@ -15296,7 +15008,7 @@
         <p:spPr>
           <a:xfrm>
             <a:off x="981720" y="1440000"/>
-            <a:ext cx="5318280" cy="3086640"/>
+            <a:ext cx="5317920" cy="3086280"/>
           </a:xfrm>
           <a:prstGeom prst="rect">
             <a:avLst/>
@@ -15345,7 +15057,7 @@
         <p:spPr>
           <a:xfrm>
             <a:off x="360000" y="360000"/>
-            <a:ext cx="9353160" cy="893160"/>
+            <a:ext cx="9352800" cy="892800"/>
           </a:xfrm>
           <a:prstGeom prst="rect">
             <a:avLst/>
@@ -15397,7 +15109,7 @@
         <p:spPr>
           <a:xfrm>
             <a:off x="7608600" y="6886080"/>
-            <a:ext cx="2278440" cy="358200"/>
+            <a:ext cx="2278080" cy="357840"/>
           </a:xfrm>
           <a:prstGeom prst="rect">
             <a:avLst/>
@@ -15449,7 +15161,7 @@
         <p:spPr>
           <a:xfrm>
             <a:off x="897120" y="6886080"/>
-            <a:ext cx="6440400" cy="358200"/>
+            <a:ext cx="6440040" cy="357840"/>
           </a:xfrm>
           <a:prstGeom prst="rect">
             <a:avLst/>
@@ -15506,7 +15218,7 @@
         <p:spPr>
           <a:xfrm>
             <a:off x="557640" y="5007600"/>
-            <a:ext cx="1811880" cy="1800000"/>
+            <a:ext cx="1811520" cy="1799640"/>
           </a:xfrm>
           <a:prstGeom prst="rect">
             <a:avLst/>
@@ -15525,7 +15237,7 @@
         <p:spPr>
           <a:xfrm>
             <a:off x="851400" y="5225040"/>
-            <a:ext cx="181080" cy="1187640"/>
+            <a:ext cx="180720" cy="1186920"/>
           </a:xfrm>
           <a:prstGeom prst="rect">
             <a:avLst/>
@@ -15600,7 +15312,7 @@
         <p:spPr>
           <a:xfrm>
             <a:off x="7446240" y="5213520"/>
-            <a:ext cx="1098360" cy="388800"/>
+            <a:ext cx="1098000" cy="388440"/>
           </a:xfrm>
           <a:prstGeom prst="rect">
             <a:avLst/>
@@ -15645,6 +15357,7 @@
                   <a:srgbClr val="ffffff"/>
                 </a:solidFill>
                 <a:latin typeface="Calibri"/>
+                <a:ea typeface="DejaVu Sans"/>
               </a:rPr>
               <a:t>print_rec(3)</a:t>
             </a:r>
@@ -15663,7 +15376,7 @@
         <p:spPr>
           <a:xfrm>
             <a:off x="6982920" y="2570400"/>
-            <a:ext cx="2025360" cy="3134880"/>
+            <a:ext cx="2025000" cy="3134520"/>
           </a:xfrm>
           <a:prstGeom prst="rect">
             <a:avLst/>
@@ -15699,7 +15412,7 @@
         <p:spPr>
           <a:xfrm>
             <a:off x="7479000" y="2284200"/>
-            <a:ext cx="1032840" cy="272880"/>
+            <a:ext cx="1032480" cy="272160"/>
           </a:xfrm>
           <a:prstGeom prst="rect">
             <a:avLst/>
@@ -15732,6 +15445,7 @@
                   <a:srgbClr val="000000"/>
                 </a:solidFill>
                 <a:latin typeface="Calibri"/>
+                <a:ea typeface="DejaVu Sans"/>
               </a:rPr>
               <a:t>Call   Stack</a:t>
             </a:r>
@@ -15749,8 +15463,8 @@
         </p:nvSpPr>
         <p:spPr>
           <a:xfrm rot="10800000">
-            <a:off x="8662320" y="5256000"/>
-            <a:ext cx="697680" cy="285480"/>
+            <a:off x="8662680" y="5256360"/>
+            <a:ext cx="697320" cy="285120"/>
           </a:xfrm>
           <a:prstGeom prst="rightArrow">
             <a:avLst>
@@ -15795,7 +15509,7 @@
         <p:spPr>
           <a:xfrm>
             <a:off x="673920" y="1664640"/>
-            <a:ext cx="2800080" cy="1197720"/>
+            <a:ext cx="2799720" cy="1197360"/>
           </a:xfrm>
           <a:prstGeom prst="rect">
             <a:avLst/>
@@ -15818,7 +15532,7 @@
         <p:spPr>
           <a:xfrm>
             <a:off x="689040" y="1676880"/>
-            <a:ext cx="2784960" cy="1189800"/>
+            <a:ext cx="2784600" cy="1189440"/>
           </a:xfrm>
           <a:prstGeom prst="rect">
             <a:avLst/>
@@ -15867,7 +15581,7 @@
         <p:spPr>
           <a:xfrm>
             <a:off x="360000" y="360000"/>
-            <a:ext cx="9353160" cy="893160"/>
+            <a:ext cx="9352800" cy="892800"/>
           </a:xfrm>
           <a:prstGeom prst="rect">
             <a:avLst/>
@@ -15919,7 +15633,7 @@
         <p:spPr>
           <a:xfrm>
             <a:off x="7608600" y="6886080"/>
-            <a:ext cx="2278440" cy="358200"/>
+            <a:ext cx="2278080" cy="357840"/>
           </a:xfrm>
           <a:prstGeom prst="rect">
             <a:avLst/>
@@ -15971,7 +15685,7 @@
         <p:spPr>
           <a:xfrm>
             <a:off x="897120" y="6886080"/>
-            <a:ext cx="6440400" cy="358200"/>
+            <a:ext cx="6440040" cy="357840"/>
           </a:xfrm>
           <a:prstGeom prst="rect">
             <a:avLst/>
@@ -16027,7 +15741,7 @@
         <p:spPr>
           <a:xfrm>
             <a:off x="1719720" y="2957040"/>
-            <a:ext cx="2825640" cy="1219680"/>
+            <a:ext cx="2825280" cy="1219320"/>
           </a:xfrm>
           <a:prstGeom prst="rect">
             <a:avLst/>
@@ -16050,7 +15764,7 @@
         <p:spPr>
           <a:xfrm>
             <a:off x="655560" y="1620000"/>
-            <a:ext cx="2772720" cy="1212120"/>
+            <a:ext cx="2772360" cy="1211760"/>
           </a:xfrm>
           <a:prstGeom prst="rect">
             <a:avLst/>
@@ -16074,7 +15788,7 @@
         <p:spPr>
           <a:xfrm>
             <a:off x="540000" y="4953960"/>
-            <a:ext cx="1799280" cy="1787040"/>
+            <a:ext cx="1798920" cy="1786680"/>
           </a:xfrm>
           <a:prstGeom prst="rect">
             <a:avLst/>
@@ -16093,7 +15807,7 @@
         <p:spPr>
           <a:xfrm>
             <a:off x="7381080" y="5158080"/>
-            <a:ext cx="1090800" cy="385920"/>
+            <a:ext cx="1090440" cy="385560"/>
           </a:xfrm>
           <a:prstGeom prst="rect">
             <a:avLst/>
@@ -16138,6 +15852,7 @@
                   <a:srgbClr val="ffffff"/>
                 </a:solidFill>
                 <a:latin typeface="Calibri"/>
+                <a:ea typeface="DejaVu Sans"/>
               </a:rPr>
               <a:t>print_rec(3)</a:t>
             </a:r>
@@ -16156,7 +15871,7 @@
         <p:spPr>
           <a:xfrm>
             <a:off x="6921000" y="2532960"/>
-            <a:ext cx="2011320" cy="3113640"/>
+            <a:ext cx="2010960" cy="3113280"/>
           </a:xfrm>
           <a:prstGeom prst="rect">
             <a:avLst/>
@@ -16192,7 +15907,7 @@
         <p:spPr>
           <a:xfrm>
             <a:off x="7409880" y="2248920"/>
-            <a:ext cx="1032840" cy="272880"/>
+            <a:ext cx="1032480" cy="272160"/>
           </a:xfrm>
           <a:prstGeom prst="rect">
             <a:avLst/>
@@ -16225,6 +15940,7 @@
                   <a:srgbClr val="000000"/>
                 </a:solidFill>
                 <a:latin typeface="Calibri"/>
+                <a:ea typeface="DejaVu Sans"/>
               </a:rPr>
               <a:t>Call   Stack</a:t>
             </a:r>
@@ -16243,7 +15959,7 @@
         <p:spPr>
           <a:xfrm>
             <a:off x="7381080" y="4669200"/>
-            <a:ext cx="1090800" cy="385920"/>
+            <a:ext cx="1090440" cy="385560"/>
           </a:xfrm>
           <a:prstGeom prst="rect">
             <a:avLst/>
@@ -16288,6 +16004,7 @@
                   <a:srgbClr val="ffffff"/>
                 </a:solidFill>
                 <a:latin typeface="Calibri"/>
+                <a:ea typeface="DejaVu Sans"/>
               </a:rPr>
               <a:t>print_rec(2)</a:t>
             </a:r>
@@ -16305,8 +16022,8 @@
         </p:nvSpPr>
         <p:spPr>
           <a:xfrm rot="10800000">
-            <a:off x="8588520" y="4722840"/>
-            <a:ext cx="693000" cy="283680"/>
+            <a:off x="8588880" y="4723200"/>
+            <a:ext cx="692640" cy="283320"/>
           </a:xfrm>
           <a:prstGeom prst="rightArrow">
             <a:avLst>
@@ -16351,7 +16068,7 @@
         <p:spPr>
           <a:xfrm>
             <a:off x="655560" y="1633320"/>
-            <a:ext cx="2780280" cy="1189440"/>
+            <a:ext cx="2779920" cy="1189080"/>
           </a:xfrm>
           <a:prstGeom prst="rect">
             <a:avLst/>
@@ -16374,7 +16091,7 @@
         <p:spPr>
           <a:xfrm>
             <a:off x="1749960" y="2982240"/>
-            <a:ext cx="2795400" cy="1227240"/>
+            <a:ext cx="2795040" cy="1226880"/>
           </a:xfrm>
           <a:prstGeom prst="rect">
             <a:avLst/>
@@ -16397,7 +16114,7 @@
         <p:spPr>
           <a:xfrm>
             <a:off x="670680" y="1645560"/>
-            <a:ext cx="2765160" cy="1181520"/>
+            <a:ext cx="2764800" cy="1181160"/>
           </a:xfrm>
           <a:prstGeom prst="rect">
             <a:avLst/>
@@ -16415,8 +16132,8 @@
         </p:nvSpPr>
         <p:spPr>
           <a:xfrm flipH="1" rot="16200000">
-            <a:off x="3359880" y="2611080"/>
-            <a:ext cx="439560" cy="302400"/>
+            <a:off x="3359520" y="2611080"/>
+            <a:ext cx="439200" cy="302040"/>
           </a:xfrm>
           <a:prstGeom prst="bentConnector3">
             <a:avLst>
@@ -16483,7 +16200,7 @@
         <p:spPr>
           <a:xfrm>
             <a:off x="360000" y="360000"/>
-            <a:ext cx="9353160" cy="893160"/>
+            <a:ext cx="9352800" cy="892800"/>
           </a:xfrm>
           <a:prstGeom prst="rect">
             <a:avLst/>
@@ -16535,7 +16252,7 @@
         <p:spPr>
           <a:xfrm>
             <a:off x="7608600" y="6886080"/>
-            <a:ext cx="2278440" cy="358200"/>
+            <a:ext cx="2278080" cy="357840"/>
           </a:xfrm>
           <a:prstGeom prst="rect">
             <a:avLst/>
@@ -16587,7 +16304,7 @@
         <p:spPr>
           <a:xfrm>
             <a:off x="897120" y="6886080"/>
-            <a:ext cx="6440400" cy="358200"/>
+            <a:ext cx="6440040" cy="357840"/>
           </a:xfrm>
           <a:prstGeom prst="rect">
             <a:avLst/>
@@ -16643,7 +16360,7 @@
         <p:spPr>
           <a:xfrm>
             <a:off x="1846800" y="2900160"/>
-            <a:ext cx="2942280" cy="1269720"/>
+            <a:ext cx="2941920" cy="1269360"/>
           </a:xfrm>
           <a:prstGeom prst="rect">
             <a:avLst/>
@@ -16666,7 +16383,7 @@
         <p:spPr>
           <a:xfrm>
             <a:off x="738720" y="1508040"/>
-            <a:ext cx="2886840" cy="1261800"/>
+            <a:ext cx="2886480" cy="1261440"/>
           </a:xfrm>
           <a:prstGeom prst="rect">
             <a:avLst/>
@@ -16689,7 +16406,7 @@
         <p:spPr>
           <a:xfrm>
             <a:off x="3176280" y="4300200"/>
-            <a:ext cx="2910600" cy="1246320"/>
+            <a:ext cx="2910240" cy="1245960"/>
           </a:xfrm>
           <a:prstGeom prst="rect">
             <a:avLst/>
@@ -16713,7 +16430,7 @@
         <p:spPr>
           <a:xfrm>
             <a:off x="618480" y="4979160"/>
-            <a:ext cx="1873440" cy="1860840"/>
+            <a:ext cx="1873080" cy="1860480"/>
           </a:xfrm>
           <a:prstGeom prst="rect">
             <a:avLst/>
@@ -16732,7 +16449,7 @@
         <p:spPr>
           <a:xfrm>
             <a:off x="7741440" y="5191560"/>
-            <a:ext cx="1135440" cy="402120"/>
+            <a:ext cx="1135080" cy="401760"/>
           </a:xfrm>
           <a:prstGeom prst="rect">
             <a:avLst/>
@@ -16777,6 +16494,7 @@
                   <a:srgbClr val="ffffff"/>
                 </a:solidFill>
                 <a:latin typeface="Calibri"/>
+                <a:ea typeface="DejaVu Sans"/>
               </a:rPr>
               <a:t>print_rec(3)</a:t>
             </a:r>
@@ -16795,7 +16513,7 @@
         <p:spPr>
           <a:xfrm>
             <a:off x="7262280" y="2458440"/>
-            <a:ext cx="2094120" cy="3241800"/>
+            <a:ext cx="2093760" cy="3241440"/>
           </a:xfrm>
           <a:prstGeom prst="rect">
             <a:avLst/>
@@ -16831,7 +16549,7 @@
         <p:spPr>
           <a:xfrm>
             <a:off x="7759800" y="2162880"/>
-            <a:ext cx="1098360" cy="288000"/>
+            <a:ext cx="1098000" cy="287640"/>
           </a:xfrm>
           <a:prstGeom prst="rect">
             <a:avLst/>
@@ -16864,6 +16582,7 @@
                   <a:srgbClr val="000000"/>
                 </a:solidFill>
                 <a:latin typeface="Calibri"/>
+                <a:ea typeface="DejaVu Sans"/>
               </a:rPr>
               <a:t>Call   Stack</a:t>
             </a:r>
@@ -16882,7 +16601,7 @@
         <p:spPr>
           <a:xfrm>
             <a:off x="7741440" y="4682880"/>
-            <a:ext cx="1135440" cy="401760"/>
+            <a:ext cx="1135080" cy="401400"/>
           </a:xfrm>
           <a:prstGeom prst="rect">
             <a:avLst/>
@@ -16927,6 +16646,7 @@
                   <a:srgbClr val="ffffff"/>
                 </a:solidFill>
                 <a:latin typeface="Calibri"/>
+                <a:ea typeface="DejaVu Sans"/>
               </a:rPr>
               <a:t>print_rec(2)</a:t>
             </a:r>
@@ -16945,7 +16665,7 @@
         <p:spPr>
           <a:xfrm>
             <a:off x="7741440" y="4170240"/>
-            <a:ext cx="1135440" cy="402120"/>
+            <a:ext cx="1135080" cy="401760"/>
           </a:xfrm>
           <a:prstGeom prst="rect">
             <a:avLst/>
@@ -16990,6 +16710,7 @@
                   <a:srgbClr val="ffffff"/>
                 </a:solidFill>
                 <a:latin typeface="Calibri"/>
+                <a:ea typeface="DejaVu Sans"/>
               </a:rPr>
               <a:t>print_rec(1)</a:t>
             </a:r>
@@ -17007,8 +16728,8 @@
         </p:nvSpPr>
         <p:spPr>
           <a:xfrm rot="10800000">
-            <a:off x="8998560" y="4218120"/>
-            <a:ext cx="721440" cy="295200"/>
+            <a:off x="8998920" y="4218480"/>
+            <a:ext cx="721080" cy="294840"/>
           </a:xfrm>
           <a:prstGeom prst="rightArrow">
             <a:avLst>
@@ -17053,7 +16774,7 @@
         <p:spPr>
           <a:xfrm>
             <a:off x="738720" y="1522080"/>
-            <a:ext cx="2895120" cy="1238400"/>
+            <a:ext cx="2894760" cy="1238040"/>
           </a:xfrm>
           <a:prstGeom prst="rect">
             <a:avLst/>
@@ -17076,7 +16797,7 @@
         <p:spPr>
           <a:xfrm>
             <a:off x="1878480" y="2909880"/>
-            <a:ext cx="2910600" cy="1277640"/>
+            <a:ext cx="2910240" cy="1277280"/>
           </a:xfrm>
           <a:prstGeom prst="rect">
             <a:avLst/>
@@ -17099,7 +16820,7 @@
         <p:spPr>
           <a:xfrm>
             <a:off x="3205800" y="4312080"/>
-            <a:ext cx="2871360" cy="1238400"/>
+            <a:ext cx="2871000" cy="1238040"/>
           </a:xfrm>
           <a:prstGeom prst="rect">
             <a:avLst/>
@@ -17122,7 +16843,7 @@
         <p:spPr>
           <a:xfrm>
             <a:off x="3179880" y="4312080"/>
-            <a:ext cx="2903040" cy="1238400"/>
+            <a:ext cx="2902680" cy="1238040"/>
           </a:xfrm>
           <a:prstGeom prst="rect">
             <a:avLst/>
@@ -17145,7 +16866,7 @@
         <p:spPr>
           <a:xfrm>
             <a:off x="754560" y="1534680"/>
-            <a:ext cx="2879280" cy="1230120"/>
+            <a:ext cx="2878920" cy="1229760"/>
           </a:xfrm>
           <a:prstGeom prst="rect">
             <a:avLst/>
@@ -17168,7 +16889,7 @@
         <p:spPr>
           <a:xfrm>
             <a:off x="1878480" y="2926440"/>
-            <a:ext cx="2910600" cy="1278000"/>
+            <a:ext cx="2910240" cy="1277640"/>
           </a:xfrm>
           <a:prstGeom prst="rect">
             <a:avLst/>
@@ -17186,8 +16907,8 @@
         </p:nvSpPr>
         <p:spPr>
           <a:xfrm flipH="1" rot="16200000">
-            <a:off x="3554640" y="2539440"/>
-            <a:ext cx="457560" cy="315360"/>
+            <a:off x="3554280" y="2539440"/>
+            <a:ext cx="457200" cy="315000"/>
           </a:xfrm>
           <a:prstGeom prst="bentConnector3">
             <a:avLst>
@@ -17223,8 +16944,8 @@
         </p:nvSpPr>
         <p:spPr>
           <a:xfrm flipH="1" rot="16200000">
-            <a:off x="4689720" y="3942000"/>
-            <a:ext cx="457560" cy="315000"/>
+            <a:off x="4690080" y="3942000"/>
+            <a:ext cx="457200" cy="314640"/>
           </a:xfrm>
           <a:prstGeom prst="bentConnector3">
             <a:avLst>
@@ -17291,7 +17012,7 @@
         <p:spPr>
           <a:xfrm>
             <a:off x="360000" y="360000"/>
-            <a:ext cx="9353160" cy="893160"/>
+            <a:ext cx="9352800" cy="892800"/>
           </a:xfrm>
           <a:prstGeom prst="rect">
             <a:avLst/>
@@ -17343,7 +17064,7 @@
         <p:spPr>
           <a:xfrm>
             <a:off x="7608600" y="6886080"/>
-            <a:ext cx="2278440" cy="358200"/>
+            <a:ext cx="2278080" cy="357840"/>
           </a:xfrm>
           <a:prstGeom prst="rect">
             <a:avLst/>
@@ -17395,7 +17116,7 @@
         <p:spPr>
           <a:xfrm>
             <a:off x="897120" y="6886080"/>
-            <a:ext cx="6440400" cy="358200"/>
+            <a:ext cx="6440040" cy="357840"/>
           </a:xfrm>
           <a:prstGeom prst="rect">
             <a:avLst/>
@@ -17451,7 +17172,7 @@
         <p:spPr>
           <a:xfrm>
             <a:off x="1784880" y="2850120"/>
-            <a:ext cx="2980080" cy="1285920"/>
+            <a:ext cx="2979720" cy="1285560"/>
           </a:xfrm>
           <a:prstGeom prst="rect">
             <a:avLst/>
@@ -17474,7 +17195,7 @@
         <p:spPr>
           <a:xfrm>
             <a:off x="662760" y="1440000"/>
-            <a:ext cx="2923920" cy="1278000"/>
+            <a:ext cx="2923560" cy="1277640"/>
           </a:xfrm>
           <a:prstGeom prst="rect">
             <a:avLst/>
@@ -17497,7 +17218,7 @@
         <p:spPr>
           <a:xfrm>
             <a:off x="3131640" y="4267800"/>
-            <a:ext cx="2947320" cy="1262160"/>
+            <a:ext cx="2946960" cy="1261800"/>
           </a:xfrm>
           <a:prstGeom prst="rect">
             <a:avLst/>
@@ -17521,7 +17242,7 @@
         <p:spPr>
           <a:xfrm>
             <a:off x="541080" y="4955400"/>
-            <a:ext cx="1897200" cy="1884600"/>
+            <a:ext cx="1896840" cy="1884240"/>
           </a:xfrm>
           <a:prstGeom prst="rect">
             <a:avLst/>
@@ -17540,7 +17261,7 @@
         <p:spPr>
           <a:xfrm>
             <a:off x="7754760" y="5170320"/>
-            <a:ext cx="1149840" cy="407160"/>
+            <a:ext cx="1149480" cy="406800"/>
           </a:xfrm>
           <a:prstGeom prst="rect">
             <a:avLst/>
@@ -17585,6 +17306,7 @@
                   <a:srgbClr val="ffffff"/>
                 </a:solidFill>
                 <a:latin typeface="Calibri"/>
+                <a:ea typeface="DejaVu Sans"/>
               </a:rPr>
               <a:t>print_rec(3)</a:t>
             </a:r>
@@ -17603,7 +17325,7 @@
         <p:spPr>
           <a:xfrm>
             <a:off x="7269840" y="2402640"/>
-            <a:ext cx="2120400" cy="3283200"/>
+            <a:ext cx="2120040" cy="3282840"/>
           </a:xfrm>
           <a:prstGeom prst="rect">
             <a:avLst/>
@@ -17639,7 +17361,7 @@
         <p:spPr>
           <a:xfrm>
             <a:off x="7780320" y="2103120"/>
-            <a:ext cx="1098360" cy="288000"/>
+            <a:ext cx="1098000" cy="287640"/>
           </a:xfrm>
           <a:prstGeom prst="rect">
             <a:avLst/>
@@ -17672,6 +17394,7 @@
                   <a:srgbClr val="000000"/>
                 </a:solidFill>
                 <a:latin typeface="Calibri"/>
+                <a:ea typeface="DejaVu Sans"/>
               </a:rPr>
               <a:t>Call   Stack</a:t>
             </a:r>
@@ -17690,7 +17413,7 @@
         <p:spPr>
           <a:xfrm>
             <a:off x="7754760" y="4655160"/>
-            <a:ext cx="1149840" cy="407160"/>
+            <a:ext cx="1149480" cy="406800"/>
           </a:xfrm>
           <a:prstGeom prst="rect">
             <a:avLst/>
@@ -17735,6 +17458,7 @@
                   <a:srgbClr val="ffffff"/>
                 </a:solidFill>
                 <a:latin typeface="Calibri"/>
+                <a:ea typeface="DejaVu Sans"/>
               </a:rPr>
               <a:t>print_rec(2)</a:t>
             </a:r>
@@ -17753,7 +17477,7 @@
         <p:spPr>
           <a:xfrm>
             <a:off x="7754760" y="4136400"/>
-            <a:ext cx="1149840" cy="407160"/>
+            <a:ext cx="1149480" cy="406800"/>
           </a:xfrm>
           <a:prstGeom prst="rect">
             <a:avLst/>
@@ -17798,6 +17522,7 @@
                   <a:srgbClr val="ffffff"/>
                 </a:solidFill>
                 <a:latin typeface="Calibri"/>
+                <a:ea typeface="DejaVu Sans"/>
               </a:rPr>
               <a:t>print_rec(1)</a:t>
             </a:r>
@@ -17816,7 +17541,7 @@
         <p:spPr>
           <a:xfrm>
             <a:off x="7754760" y="3637080"/>
-            <a:ext cx="1149840" cy="406800"/>
+            <a:ext cx="1149480" cy="406440"/>
           </a:xfrm>
           <a:prstGeom prst="rect">
             <a:avLst/>
@@ -17861,6 +17586,7 @@
                   <a:srgbClr val="ffffff"/>
                 </a:solidFill>
                 <a:latin typeface="Calibri"/>
+                <a:ea typeface="DejaVu Sans"/>
               </a:rPr>
               <a:t>print_rec(0)</a:t>
             </a:r>
@@ -17878,8 +17604,8 @@
         </p:nvSpPr>
         <p:spPr>
           <a:xfrm rot="10800000">
-            <a:off x="9025200" y="3691440"/>
-            <a:ext cx="730800" cy="299160"/>
+            <a:off x="9025560" y="3691800"/>
+            <a:ext cx="730440" cy="298800"/>
           </a:xfrm>
           <a:prstGeom prst="rightArrow">
             <a:avLst>
@@ -17924,7 +17650,7 @@
         <p:spPr>
           <a:xfrm>
             <a:off x="662760" y="1454040"/>
-            <a:ext cx="2931840" cy="1254600"/>
+            <a:ext cx="2931480" cy="1254240"/>
           </a:xfrm>
           <a:prstGeom prst="rect">
             <a:avLst/>
@@ -17947,7 +17673,7 @@
         <p:spPr>
           <a:xfrm>
             <a:off x="1816920" y="2859840"/>
-            <a:ext cx="2948040" cy="1294200"/>
+            <a:ext cx="2947680" cy="1293840"/>
           </a:xfrm>
           <a:prstGeom prst="rect">
             <a:avLst/>
@@ -17970,7 +17696,7 @@
         <p:spPr>
           <a:xfrm>
             <a:off x="3161520" y="4280040"/>
-            <a:ext cx="2908080" cy="1254240"/>
+            <a:ext cx="2907720" cy="1253880"/>
           </a:xfrm>
           <a:prstGeom prst="rect">
             <a:avLst/>
@@ -17989,7 +17715,7 @@
         <p:spPr>
           <a:xfrm>
             <a:off x="6822720" y="5949720"/>
-            <a:ext cx="491040" cy="419040"/>
+            <a:ext cx="490680" cy="418680"/>
           </a:xfrm>
           <a:prstGeom prst="mathMultiply">
             <a:avLst>
@@ -18033,7 +17759,7 @@
         <p:spPr>
           <a:xfrm>
             <a:off x="4497480" y="5745960"/>
-            <a:ext cx="2300760" cy="734760"/>
+            <a:ext cx="2300400" cy="734400"/>
           </a:xfrm>
           <a:prstGeom prst="rect">
             <a:avLst/>
@@ -18056,7 +17782,7 @@
         <p:spPr>
           <a:xfrm>
             <a:off x="678600" y="1467000"/>
-            <a:ext cx="2916000" cy="1245600"/>
+            <a:ext cx="2915640" cy="1245240"/>
           </a:xfrm>
           <a:prstGeom prst="rect">
             <a:avLst/>
@@ -18079,7 +17805,7 @@
         <p:spPr>
           <a:xfrm>
             <a:off x="1816920" y="2876400"/>
-            <a:ext cx="2948040" cy="1294200"/>
+            <a:ext cx="2947680" cy="1293840"/>
           </a:xfrm>
           <a:prstGeom prst="rect">
             <a:avLst/>
@@ -18102,7 +17828,7 @@
         <p:spPr>
           <a:xfrm>
             <a:off x="3135240" y="4280040"/>
-            <a:ext cx="2940120" cy="1254240"/>
+            <a:ext cx="2939760" cy="1253880"/>
           </a:xfrm>
           <a:prstGeom prst="rect">
             <a:avLst/>
@@ -18120,8 +17846,8 @@
         </p:nvSpPr>
         <p:spPr>
           <a:xfrm flipH="1" rot="16200000">
-            <a:off x="3515040" y="2485080"/>
-            <a:ext cx="462960" cy="318960"/>
+            <a:off x="3514680" y="2485080"/>
+            <a:ext cx="462600" cy="318600"/>
           </a:xfrm>
           <a:prstGeom prst="bentConnector3">
             <a:avLst>
@@ -18157,8 +17883,8 @@
         </p:nvSpPr>
         <p:spPr>
           <a:xfrm flipH="1" rot="16200000">
-            <a:off x="4664160" y="3904560"/>
-            <a:ext cx="463680" cy="319320"/>
+            <a:off x="4664520" y="3904560"/>
+            <a:ext cx="463320" cy="318960"/>
           </a:xfrm>
           <a:prstGeom prst="bentConnector3">
             <a:avLst>
@@ -18194,8 +17920,8 @@
         </p:nvSpPr>
         <p:spPr>
           <a:xfrm flipH="1" rot="16200000">
-            <a:off x="5996880" y="5349600"/>
-            <a:ext cx="463680" cy="319320"/>
+            <a:off x="5997240" y="5349600"/>
+            <a:ext cx="463320" cy="318960"/>
           </a:xfrm>
           <a:prstGeom prst="bentConnector3">
             <a:avLst>
@@ -18262,7 +17988,7 @@
         <p:spPr>
           <a:xfrm>
             <a:off x="360000" y="360000"/>
-            <a:ext cx="9353160" cy="893160"/>
+            <a:ext cx="9352800" cy="892800"/>
           </a:xfrm>
           <a:prstGeom prst="rect">
             <a:avLst/>
@@ -18314,7 +18040,7 @@
         <p:spPr>
           <a:xfrm>
             <a:off x="360000" y="1980000"/>
-            <a:ext cx="9173160" cy="4673160"/>
+            <a:ext cx="9172800" cy="4672800"/>
           </a:xfrm>
           <a:prstGeom prst="rect">
             <a:avLst/>
@@ -18553,7 +18279,7 @@
         <p:spPr>
           <a:xfrm>
             <a:off x="7608600" y="6886080"/>
-            <a:ext cx="2278440" cy="358200"/>
+            <a:ext cx="2278080" cy="357840"/>
           </a:xfrm>
           <a:prstGeom prst="rect">
             <a:avLst/>
@@ -18605,7 +18331,7 @@
         <p:spPr>
           <a:xfrm>
             <a:off x="897120" y="6886080"/>
-            <a:ext cx="6440400" cy="358200"/>
+            <a:ext cx="6440040" cy="357840"/>
           </a:xfrm>
           <a:prstGeom prst="rect">
             <a:avLst/>
@@ -18687,7 +18413,7 @@
         <p:spPr>
           <a:xfrm>
             <a:off x="360000" y="360000"/>
-            <a:ext cx="9353160" cy="893160"/>
+            <a:ext cx="9352800" cy="892800"/>
           </a:xfrm>
           <a:prstGeom prst="rect">
             <a:avLst/>
@@ -18739,7 +18465,7 @@
         <p:spPr>
           <a:xfrm>
             <a:off x="7608600" y="6886080"/>
-            <a:ext cx="2278440" cy="358200"/>
+            <a:ext cx="2278080" cy="357840"/>
           </a:xfrm>
           <a:prstGeom prst="rect">
             <a:avLst/>
@@ -18791,7 +18517,7 @@
         <p:spPr>
           <a:xfrm>
             <a:off x="897120" y="6886080"/>
-            <a:ext cx="6440400" cy="358200"/>
+            <a:ext cx="6440040" cy="357840"/>
           </a:xfrm>
           <a:prstGeom prst="rect">
             <a:avLst/>
@@ -18847,7 +18573,7 @@
         <p:spPr>
           <a:xfrm>
             <a:off x="1809360" y="2880360"/>
-            <a:ext cx="2822760" cy="1218240"/>
+            <a:ext cx="2822400" cy="1217880"/>
           </a:xfrm>
           <a:prstGeom prst="rect">
             <a:avLst/>
@@ -18870,7 +18596,7 @@
         <p:spPr>
           <a:xfrm>
             <a:off x="746280" y="1544760"/>
-            <a:ext cx="2769840" cy="1210680"/>
+            <a:ext cx="2769480" cy="1210320"/>
           </a:xfrm>
           <a:prstGeom prst="rect">
             <a:avLst/>
@@ -18893,7 +18619,7 @@
         <p:spPr>
           <a:xfrm>
             <a:off x="3084840" y="4223520"/>
-            <a:ext cx="2792160" cy="1195560"/>
+            <a:ext cx="2791800" cy="1195200"/>
           </a:xfrm>
           <a:prstGeom prst="rect">
             <a:avLst/>
@@ -18917,7 +18643,7 @@
         <p:spPr>
           <a:xfrm>
             <a:off x="631080" y="4874760"/>
-            <a:ext cx="1797120" cy="1785240"/>
+            <a:ext cx="1796760" cy="1784880"/>
           </a:xfrm>
           <a:prstGeom prst="rect">
             <a:avLst/>
@@ -18936,7 +18662,7 @@
         <p:spPr>
           <a:xfrm>
             <a:off x="919080" y="5090040"/>
-            <a:ext cx="278640" cy="272880"/>
+            <a:ext cx="278280" cy="272160"/>
           </a:xfrm>
           <a:prstGeom prst="rect">
             <a:avLst/>
@@ -18969,6 +18695,7 @@
                   <a:srgbClr val="ffffff"/>
                 </a:solidFill>
                 <a:latin typeface="Calibri"/>
+                <a:ea typeface="DejaVu Sans"/>
               </a:rPr>
               <a:t>1</a:t>
             </a:r>
@@ -18987,7 +18714,7 @@
         <p:spPr>
           <a:xfrm>
             <a:off x="7464240" y="5078520"/>
-            <a:ext cx="1089360" cy="385560"/>
+            <a:ext cx="1089000" cy="385200"/>
           </a:xfrm>
           <a:prstGeom prst="rect">
             <a:avLst/>
@@ -19032,6 +18759,7 @@
                   <a:srgbClr val="ffffff"/>
                 </a:solidFill>
                 <a:latin typeface="Calibri"/>
+                <a:ea typeface="DejaVu Sans"/>
               </a:rPr>
               <a:t>print_rec(3)</a:t>
             </a:r>
@@ -19050,7 +18778,7 @@
         <p:spPr>
           <a:xfrm>
             <a:off x="7004880" y="2456640"/>
-            <a:ext cx="2008800" cy="3110040"/>
+            <a:ext cx="2008440" cy="3109680"/>
           </a:xfrm>
           <a:prstGeom prst="rect">
             <a:avLst/>
@@ -19086,7 +18814,7 @@
         <p:spPr>
           <a:xfrm>
             <a:off x="7492320" y="2172960"/>
-            <a:ext cx="1032840" cy="272880"/>
+            <a:ext cx="1032480" cy="272160"/>
           </a:xfrm>
           <a:prstGeom prst="rect">
             <a:avLst/>
@@ -19119,6 +18847,7 @@
                   <a:srgbClr val="000000"/>
                 </a:solidFill>
                 <a:latin typeface="Calibri"/>
+                <a:ea typeface="DejaVu Sans"/>
               </a:rPr>
               <a:t>Call   Stack</a:t>
             </a:r>
@@ -19137,7 +18866,7 @@
         <p:spPr>
           <a:xfrm>
             <a:off x="7464240" y="4590360"/>
-            <a:ext cx="1089360" cy="385560"/>
+            <a:ext cx="1089000" cy="385200"/>
           </a:xfrm>
           <a:prstGeom prst="rect">
             <a:avLst/>
@@ -19182,6 +18911,7 @@
                   <a:srgbClr val="ffffff"/>
                 </a:solidFill>
                 <a:latin typeface="Calibri"/>
+                <a:ea typeface="DejaVu Sans"/>
               </a:rPr>
               <a:t>print_rec(2)</a:t>
             </a:r>
@@ -19200,7 +18930,7 @@
         <p:spPr>
           <a:xfrm>
             <a:off x="7464240" y="4098960"/>
-            <a:ext cx="1089360" cy="385560"/>
+            <a:ext cx="1089000" cy="385200"/>
           </a:xfrm>
           <a:prstGeom prst="rect">
             <a:avLst/>
@@ -19245,6 +18975,7 @@
                   <a:srgbClr val="ffffff"/>
                 </a:solidFill>
                 <a:latin typeface="Calibri"/>
+                <a:ea typeface="DejaVu Sans"/>
               </a:rPr>
               <a:t>print_rec(1)</a:t>
             </a:r>
@@ -19262,8 +18993,8 @@
         </p:nvSpPr>
         <p:spPr>
           <a:xfrm rot="10800000">
-            <a:off x="8667720" y="4167720"/>
-            <a:ext cx="692280" cy="283320"/>
+            <a:off x="8668080" y="4168080"/>
+            <a:ext cx="691920" cy="282960"/>
           </a:xfrm>
           <a:prstGeom prst="rightArrow">
             <a:avLst>
@@ -19308,7 +19039,7 @@
         <p:spPr>
           <a:xfrm>
             <a:off x="746280" y="1558080"/>
-            <a:ext cx="2777400" cy="1188360"/>
+            <a:ext cx="2777040" cy="1188000"/>
           </a:xfrm>
           <a:prstGeom prst="rect">
             <a:avLst/>
@@ -19331,7 +19062,7 @@
         <p:spPr>
           <a:xfrm>
             <a:off x="1839600" y="2889720"/>
-            <a:ext cx="2792520" cy="1225800"/>
+            <a:ext cx="2792160" cy="1225440"/>
           </a:xfrm>
           <a:prstGeom prst="rect">
             <a:avLst/>
@@ -19354,7 +19085,7 @@
         <p:spPr>
           <a:xfrm>
             <a:off x="3113280" y="4235040"/>
-            <a:ext cx="2754720" cy="1188000"/>
+            <a:ext cx="2754360" cy="1187640"/>
           </a:xfrm>
           <a:prstGeom prst="rect">
             <a:avLst/>
@@ -19377,7 +19108,7 @@
         <p:spPr>
           <a:xfrm>
             <a:off x="761400" y="1570320"/>
-            <a:ext cx="2762280" cy="1180080"/>
+            <a:ext cx="2761920" cy="1179720"/>
           </a:xfrm>
           <a:prstGeom prst="rect">
             <a:avLst/>
@@ -19400,7 +19131,7 @@
         <p:spPr>
           <a:xfrm>
             <a:off x="1839600" y="2905560"/>
-            <a:ext cx="2792520" cy="1225800"/>
+            <a:ext cx="2792160" cy="1225440"/>
           </a:xfrm>
           <a:prstGeom prst="rect">
             <a:avLst/>
@@ -19423,7 +19154,7 @@
         <p:spPr>
           <a:xfrm>
             <a:off x="3088440" y="4235040"/>
-            <a:ext cx="2784960" cy="1188000"/>
+            <a:ext cx="2784600" cy="1187640"/>
           </a:xfrm>
           <a:prstGeom prst="rect">
             <a:avLst/>
@@ -19472,7 +19203,7 @@
         <p:spPr>
           <a:xfrm>
             <a:off x="360000" y="360000"/>
-            <a:ext cx="9353160" cy="893160"/>
+            <a:ext cx="9352800" cy="892800"/>
           </a:xfrm>
           <a:prstGeom prst="rect">
             <a:avLst/>
@@ -19524,7 +19255,7 @@
         <p:spPr>
           <a:xfrm>
             <a:off x="7608600" y="6886080"/>
-            <a:ext cx="2278440" cy="358200"/>
+            <a:ext cx="2278080" cy="357840"/>
           </a:xfrm>
           <a:prstGeom prst="rect">
             <a:avLst/>
@@ -19576,7 +19307,7 @@
         <p:spPr>
           <a:xfrm>
             <a:off x="897120" y="6886080"/>
-            <a:ext cx="6440400" cy="358200"/>
+            <a:ext cx="6440040" cy="357840"/>
           </a:xfrm>
           <a:prstGeom prst="rect">
             <a:avLst/>
@@ -19632,7 +19363,7 @@
         <p:spPr>
           <a:xfrm>
             <a:off x="1849320" y="2800080"/>
-            <a:ext cx="2873880" cy="1240200"/>
+            <a:ext cx="2873520" cy="1239840"/>
           </a:xfrm>
           <a:prstGeom prst="rect">
             <a:avLst/>
@@ -19655,7 +19386,7 @@
         <p:spPr>
           <a:xfrm>
             <a:off x="766800" y="1440000"/>
-            <a:ext cx="2820240" cy="1232640"/>
+            <a:ext cx="2819880" cy="1232280"/>
           </a:xfrm>
           <a:prstGeom prst="rect">
             <a:avLst/>
@@ -19679,7 +19410,7 @@
         <p:spPr>
           <a:xfrm>
             <a:off x="649440" y="4830840"/>
-            <a:ext cx="1829880" cy="1817640"/>
+            <a:ext cx="1829520" cy="1817280"/>
           </a:xfrm>
           <a:prstGeom prst="rect">
             <a:avLst/>
@@ -19698,7 +19429,7 @@
         <p:spPr>
           <a:xfrm>
             <a:off x="945000" y="5050080"/>
-            <a:ext cx="278640" cy="455400"/>
+            <a:ext cx="278280" cy="454680"/>
           </a:xfrm>
           <a:prstGeom prst="rect">
             <a:avLst/>
@@ -19731,6 +19462,7 @@
                   <a:srgbClr val="ffffff"/>
                 </a:solidFill>
                 <a:latin typeface="Calibri"/>
+                <a:ea typeface="DejaVu Sans"/>
               </a:rPr>
               <a:t>1</a:t>
             </a:r>
@@ -19751,6 +19483,7 @@
                   <a:srgbClr val="ffffff"/>
                 </a:solidFill>
                 <a:latin typeface="Calibri"/>
+                <a:ea typeface="DejaVu Sans"/>
               </a:rPr>
               <a:t>2</a:t>
             </a:r>
@@ -19769,7 +19502,7 @@
         <p:spPr>
           <a:xfrm>
             <a:off x="7607160" y="5038200"/>
-            <a:ext cx="1109160" cy="392760"/>
+            <a:ext cx="1108800" cy="392400"/>
           </a:xfrm>
           <a:prstGeom prst="rect">
             <a:avLst/>
@@ -19814,6 +19547,7 @@
                   <a:srgbClr val="ffffff"/>
                 </a:solidFill>
                 <a:latin typeface="Calibri"/>
+                <a:ea typeface="DejaVu Sans"/>
               </a:rPr>
               <a:t>print_rec(3)</a:t>
             </a:r>
@@ -19832,7 +19566,7 @@
         <p:spPr>
           <a:xfrm>
             <a:off x="7139160" y="2368440"/>
-            <a:ext cx="2045520" cy="3166560"/>
+            <a:ext cx="2045160" cy="3166200"/>
           </a:xfrm>
           <a:prstGeom prst="rect">
             <a:avLst/>
@@ -19868,7 +19602,7 @@
         <p:spPr>
           <a:xfrm>
             <a:off x="7645320" y="2079360"/>
-            <a:ext cx="1032840" cy="272880"/>
+            <a:ext cx="1032480" cy="272160"/>
           </a:xfrm>
           <a:prstGeom prst="rect">
             <a:avLst/>
@@ -19901,6 +19635,7 @@
                   <a:srgbClr val="000000"/>
                 </a:solidFill>
                 <a:latin typeface="Calibri"/>
+                <a:ea typeface="DejaVu Sans"/>
               </a:rPr>
               <a:t>Call   Stack</a:t>
             </a:r>
@@ -19919,7 +19654,7 @@
         <p:spPr>
           <a:xfrm>
             <a:off x="7607160" y="4541040"/>
-            <a:ext cx="1109160" cy="392760"/>
+            <a:ext cx="1108800" cy="392400"/>
           </a:xfrm>
           <a:prstGeom prst="rect">
             <a:avLst/>
@@ -19964,6 +19699,7 @@
                   <a:srgbClr val="ffffff"/>
                 </a:solidFill>
                 <a:latin typeface="Calibri"/>
+                <a:ea typeface="DejaVu Sans"/>
               </a:rPr>
               <a:t>print_rec(2)</a:t>
             </a:r>
@@ -19981,8 +19717,8 @@
         </p:nvSpPr>
         <p:spPr>
           <a:xfrm rot="10800000">
-            <a:off x="8835120" y="4595760"/>
-            <a:ext cx="704880" cy="288360"/>
+            <a:off x="8835480" y="4596120"/>
+            <a:ext cx="704520" cy="288000"/>
           </a:xfrm>
           <a:prstGeom prst="rightArrow">
             <a:avLst>
@@ -20027,7 +19763,7 @@
         <p:spPr>
           <a:xfrm>
             <a:off x="766800" y="1453680"/>
-            <a:ext cx="2827800" cy="1209600"/>
+            <a:ext cx="2827440" cy="1209240"/>
           </a:xfrm>
           <a:prstGeom prst="rect">
             <a:avLst/>
@@ -20050,7 +19786,7 @@
         <p:spPr>
           <a:xfrm>
             <a:off x="1879920" y="2809440"/>
-            <a:ext cx="2843280" cy="1248120"/>
+            <a:ext cx="2842920" cy="1247760"/>
           </a:xfrm>
           <a:prstGeom prst="rect">
             <a:avLst/>
@@ -20073,7 +19809,7 @@
         <p:spPr>
           <a:xfrm>
             <a:off x="782280" y="1465920"/>
-            <a:ext cx="2812320" cy="1202040"/>
+            <a:ext cx="2811960" cy="1201680"/>
           </a:xfrm>
           <a:prstGeom prst="rect">
             <a:avLst/>
@@ -20096,7 +19832,7 @@
         <p:spPr>
           <a:xfrm>
             <a:off x="1879920" y="2825640"/>
-            <a:ext cx="2843280" cy="1248120"/>
+            <a:ext cx="2842920" cy="1247760"/>
           </a:xfrm>
           <a:prstGeom prst="rect">
             <a:avLst/>
@@ -20114,8 +19850,8 @@
         </p:nvSpPr>
         <p:spPr>
           <a:xfrm flipH="1" rot="16200000">
-            <a:off x="3516840" y="2447640"/>
-            <a:ext cx="447120" cy="307800"/>
+            <a:off x="3517200" y="2447640"/>
+            <a:ext cx="446760" cy="307440"/>
           </a:xfrm>
           <a:prstGeom prst="bentConnector3">
             <a:avLst>
@@ -20182,7 +19918,7 @@
         <p:spPr>
           <a:xfrm>
             <a:off x="360000" y="360000"/>
-            <a:ext cx="9353160" cy="893160"/>
+            <a:ext cx="9352800" cy="892800"/>
           </a:xfrm>
           <a:prstGeom prst="rect">
             <a:avLst/>
@@ -20234,7 +19970,7 @@
         <p:spPr>
           <a:xfrm>
             <a:off x="7608600" y="6886080"/>
-            <a:ext cx="2278440" cy="358200"/>
+            <a:ext cx="2278080" cy="357840"/>
           </a:xfrm>
           <a:prstGeom prst="rect">
             <a:avLst/>
@@ -20286,7 +20022,7 @@
         <p:spPr>
           <a:xfrm>
             <a:off x="897120" y="6886080"/>
-            <a:ext cx="6440400" cy="358200"/>
+            <a:ext cx="6440040" cy="357840"/>
           </a:xfrm>
           <a:prstGeom prst="rect">
             <a:avLst/>
@@ -20342,7 +20078,7 @@
         <p:spPr>
           <a:xfrm>
             <a:off x="657720" y="1440000"/>
-            <a:ext cx="2827080" cy="1235880"/>
+            <a:ext cx="2826720" cy="1235520"/>
           </a:xfrm>
           <a:prstGeom prst="rect">
             <a:avLst/>
@@ -20366,7 +20102,7 @@
         <p:spPr>
           <a:xfrm>
             <a:off x="540000" y="4839120"/>
-            <a:ext cx="1834560" cy="1822320"/>
+            <a:ext cx="1834200" cy="1821960"/>
           </a:xfrm>
           <a:prstGeom prst="rect">
             <a:avLst/>
@@ -20385,7 +20121,7 @@
         <p:spPr>
           <a:xfrm>
             <a:off x="836640" y="5058720"/>
-            <a:ext cx="278640" cy="637920"/>
+            <a:ext cx="278280" cy="637200"/>
           </a:xfrm>
           <a:prstGeom prst="rect">
             <a:avLst/>
@@ -20418,6 +20154,7 @@
                   <a:srgbClr val="ffffff"/>
                 </a:solidFill>
                 <a:latin typeface="Calibri"/>
+                <a:ea typeface="DejaVu Sans"/>
               </a:rPr>
               <a:t>1</a:t>
             </a:r>
@@ -20438,6 +20175,7 @@
                   <a:srgbClr val="ffffff"/>
                 </a:solidFill>
                 <a:latin typeface="Calibri"/>
+                <a:ea typeface="DejaVu Sans"/>
               </a:rPr>
               <a:t>2</a:t>
             </a:r>
@@ -20458,6 +20196,7 @@
                   <a:srgbClr val="ffffff"/>
                 </a:solidFill>
                 <a:latin typeface="Calibri"/>
+                <a:ea typeface="DejaVu Sans"/>
               </a:rPr>
               <a:t>3</a:t>
             </a:r>
@@ -20476,7 +20215,7 @@
         <p:spPr>
           <a:xfrm>
             <a:off x="7515000" y="5047200"/>
-            <a:ext cx="1112040" cy="393480"/>
+            <a:ext cx="1111680" cy="393120"/>
           </a:xfrm>
           <a:prstGeom prst="rect">
             <a:avLst/>
@@ -20521,6 +20260,7 @@
                   <a:srgbClr val="ffffff"/>
                 </a:solidFill>
                 <a:latin typeface="Calibri"/>
+                <a:ea typeface="DejaVu Sans"/>
               </a:rPr>
               <a:t>print_rec(3)</a:t>
             </a:r>
@@ -20539,7 +20279,7 @@
         <p:spPr>
           <a:xfrm>
             <a:off x="7045920" y="2370600"/>
-            <a:ext cx="2050560" cy="3174480"/>
+            <a:ext cx="2050200" cy="3174120"/>
           </a:xfrm>
           <a:prstGeom prst="rect">
             <a:avLst/>
@@ -20575,7 +20315,7 @@
         <p:spPr>
           <a:xfrm>
             <a:off x="7554240" y="2081160"/>
-            <a:ext cx="1032840" cy="272880"/>
+            <a:ext cx="1032480" cy="272160"/>
           </a:xfrm>
           <a:prstGeom prst="rect">
             <a:avLst/>
@@ -20608,6 +20348,7 @@
                   <a:srgbClr val="000000"/>
                 </a:solidFill>
                 <a:latin typeface="Calibri"/>
+                <a:ea typeface="DejaVu Sans"/>
               </a:rPr>
               <a:t>Call   Stack</a:t>
             </a:r>
@@ -20625,8 +20366,8 @@
         </p:nvSpPr>
         <p:spPr>
           <a:xfrm rot="10800000">
-            <a:off x="8746200" y="5090040"/>
-            <a:ext cx="706320" cy="289440"/>
+            <a:off x="8746560" y="5090400"/>
+            <a:ext cx="705960" cy="289080"/>
           </a:xfrm>
           <a:prstGeom prst="rightArrow">
             <a:avLst>
@@ -20671,7 +20412,7 @@
         <p:spPr>
           <a:xfrm>
             <a:off x="657720" y="1453680"/>
-            <a:ext cx="2835000" cy="1212840"/>
+            <a:ext cx="2834640" cy="1212480"/>
           </a:xfrm>
           <a:prstGeom prst="rect">
             <a:avLst/>
@@ -20694,7 +20435,7 @@
         <p:spPr>
           <a:xfrm>
             <a:off x="673200" y="1465920"/>
-            <a:ext cx="2819520" cy="1204920"/>
+            <a:ext cx="2819160" cy="1204560"/>
           </a:xfrm>
           <a:prstGeom prst="rect">
             <a:avLst/>
@@ -20743,7 +20484,7 @@
         <p:spPr>
           <a:xfrm>
             <a:off x="360000" y="360000"/>
-            <a:ext cx="9353160" cy="893160"/>
+            <a:ext cx="9352800" cy="892800"/>
           </a:xfrm>
           <a:prstGeom prst="rect">
             <a:avLst/>
@@ -20795,7 +20536,7 @@
         <p:spPr>
           <a:xfrm>
             <a:off x="7608600" y="6886080"/>
-            <a:ext cx="2278440" cy="358200"/>
+            <a:ext cx="2278080" cy="357840"/>
           </a:xfrm>
           <a:prstGeom prst="rect">
             <a:avLst/>
@@ -20847,7 +20588,7 @@
         <p:spPr>
           <a:xfrm>
             <a:off x="897120" y="6886080"/>
-            <a:ext cx="6440400" cy="358200"/>
+            <a:ext cx="6440040" cy="357840"/>
           </a:xfrm>
           <a:prstGeom prst="rect">
             <a:avLst/>
@@ -20904,7 +20645,7 @@
         <p:spPr>
           <a:xfrm>
             <a:off x="618480" y="4847400"/>
-            <a:ext cx="1613880" cy="1812600"/>
+            <a:ext cx="1613520" cy="1812240"/>
           </a:xfrm>
           <a:prstGeom prst="rect">
             <a:avLst/>
@@ -21002,7 +20743,7 @@
         <p:spPr>
           <a:xfrm>
             <a:off x="687960" y="1454760"/>
-            <a:ext cx="4532040" cy="3026520"/>
+            <a:ext cx="4531680" cy="3026160"/>
           </a:xfrm>
           <a:prstGeom prst="rect">
             <a:avLst/>
@@ -21021,7 +20762,7 @@
         <p:spPr>
           <a:xfrm>
             <a:off x="836640" y="5058720"/>
-            <a:ext cx="278640" cy="637920"/>
+            <a:ext cx="278280" cy="637200"/>
           </a:xfrm>
           <a:prstGeom prst="rect">
             <a:avLst/>
@@ -21054,6 +20795,7 @@
                   <a:srgbClr val="ffffff"/>
                 </a:solidFill>
                 <a:latin typeface="Calibri"/>
+                <a:ea typeface="DejaVu Sans"/>
               </a:rPr>
               <a:t>1</a:t>
             </a:r>
@@ -21074,6 +20816,7 @@
                   <a:srgbClr val="ffffff"/>
                 </a:solidFill>
                 <a:latin typeface="Calibri"/>
+                <a:ea typeface="DejaVu Sans"/>
               </a:rPr>
               <a:t>2</a:t>
             </a:r>
@@ -21094,6 +20837,7 @@
                   <a:srgbClr val="ffffff"/>
                 </a:solidFill>
                 <a:latin typeface="Calibri"/>
+                <a:ea typeface="DejaVu Sans"/>
               </a:rPr>
               <a:t>3</a:t>
             </a:r>
@@ -21142,7 +20886,7 @@
         <p:spPr>
           <a:xfrm>
             <a:off x="360000" y="360000"/>
-            <a:ext cx="9353160" cy="893160"/>
+            <a:ext cx="9352800" cy="892800"/>
           </a:xfrm>
           <a:prstGeom prst="rect">
             <a:avLst/>
@@ -21194,7 +20938,7 @@
         <p:spPr>
           <a:xfrm>
             <a:off x="360000" y="1980000"/>
-            <a:ext cx="9173160" cy="4673160"/>
+            <a:ext cx="9172800" cy="4672800"/>
           </a:xfrm>
           <a:prstGeom prst="rect">
             <a:avLst/>
@@ -21495,7 +21239,7 @@
         <p:spPr>
           <a:xfrm>
             <a:off x="7608600" y="6886080"/>
-            <a:ext cx="2278440" cy="358200"/>
+            <a:ext cx="2278080" cy="357840"/>
           </a:xfrm>
           <a:prstGeom prst="rect">
             <a:avLst/>
@@ -21547,7 +21291,7 @@
         <p:spPr>
           <a:xfrm>
             <a:off x="897120" y="6886080"/>
-            <a:ext cx="6440400" cy="358200"/>
+            <a:ext cx="6440040" cy="357840"/>
           </a:xfrm>
           <a:prstGeom prst="rect">
             <a:avLst/>
@@ -21629,7 +21373,7 @@
         <p:spPr>
           <a:xfrm>
             <a:off x="360000" y="360000"/>
-            <a:ext cx="9353160" cy="893160"/>
+            <a:ext cx="9352800" cy="892800"/>
           </a:xfrm>
           <a:prstGeom prst="rect">
             <a:avLst/>
@@ -21681,7 +21425,7 @@
         <p:spPr>
           <a:xfrm>
             <a:off x="360000" y="1980000"/>
-            <a:ext cx="9173160" cy="4673160"/>
+            <a:ext cx="9172800" cy="4672800"/>
           </a:xfrm>
           <a:prstGeom prst="rect">
             <a:avLst/>
@@ -21987,7 +21731,7 @@
         <p:spPr>
           <a:xfrm>
             <a:off x="7608600" y="6886080"/>
-            <a:ext cx="2278440" cy="358200"/>
+            <a:ext cx="2278080" cy="357840"/>
           </a:xfrm>
           <a:prstGeom prst="rect">
             <a:avLst/>
@@ -22039,7 +21783,7 @@
         <p:spPr>
           <a:xfrm>
             <a:off x="897120" y="6886080"/>
-            <a:ext cx="6440400" cy="358200"/>
+            <a:ext cx="6440040" cy="357840"/>
           </a:xfrm>
           <a:prstGeom prst="rect">
             <a:avLst/>
@@ -22096,7 +21840,7 @@
         <p:spPr>
           <a:xfrm>
             <a:off x="782640" y="4125600"/>
-            <a:ext cx="3790080" cy="1587600"/>
+            <a:ext cx="3789720" cy="1587240"/>
           </a:xfrm>
           <a:prstGeom prst="rect">
             <a:avLst/>
@@ -22119,7 +21863,7 @@
         <p:spPr>
           <a:xfrm>
             <a:off x="5975280" y="4317120"/>
-            <a:ext cx="2156400" cy="995760"/>
+            <a:ext cx="2156040" cy="995400"/>
           </a:xfrm>
           <a:prstGeom prst="rect">
             <a:avLst/>
@@ -22168,7 +21912,7 @@
         <p:spPr>
           <a:xfrm>
             <a:off x="360000" y="3330000"/>
-            <a:ext cx="9353160" cy="893160"/>
+            <a:ext cx="9352800" cy="892800"/>
           </a:xfrm>
           <a:prstGeom prst="rect">
             <a:avLst/>
@@ -22260,7 +22004,7 @@
         <p:spPr>
           <a:xfrm>
             <a:off x="540000" y="4680000"/>
-            <a:ext cx="9173160" cy="2513160"/>
+            <a:ext cx="9172800" cy="2512800"/>
           </a:xfrm>
           <a:prstGeom prst="rect">
             <a:avLst/>
@@ -22398,7 +22142,7 @@
         <p:spPr>
           <a:xfrm>
             <a:off x="360000" y="360000"/>
-            <a:ext cx="9353160" cy="893160"/>
+            <a:ext cx="9352800" cy="892800"/>
           </a:xfrm>
           <a:prstGeom prst="rect">
             <a:avLst/>
@@ -22450,7 +22194,7 @@
         <p:spPr>
           <a:xfrm>
             <a:off x="360000" y="1980000"/>
-            <a:ext cx="9173160" cy="4673160"/>
+            <a:ext cx="9172800" cy="4672800"/>
           </a:xfrm>
           <a:prstGeom prst="rect">
             <a:avLst/>
@@ -22797,7 +22541,7 @@
         <p:spPr>
           <a:xfrm>
             <a:off x="7608600" y="6886080"/>
-            <a:ext cx="2278440" cy="358200"/>
+            <a:ext cx="2278080" cy="357840"/>
           </a:xfrm>
           <a:prstGeom prst="rect">
             <a:avLst/>
@@ -22849,7 +22593,7 @@
         <p:spPr>
           <a:xfrm>
             <a:off x="897120" y="6886080"/>
-            <a:ext cx="6440400" cy="358200"/>
+            <a:ext cx="6440040" cy="357840"/>
           </a:xfrm>
           <a:prstGeom prst="rect">
             <a:avLst/>
@@ -22905,7 +22649,7 @@
         <p:spPr>
           <a:xfrm>
             <a:off x="5235480" y="4092480"/>
-            <a:ext cx="3905280" cy="2301840"/>
+            <a:ext cx="3904920" cy="2301480"/>
           </a:xfrm>
           <a:prstGeom prst="rect">
             <a:avLst/>
@@ -22928,7 +22672,7 @@
         <p:spPr>
           <a:xfrm>
             <a:off x="5760720" y="1661040"/>
-            <a:ext cx="2795040" cy="2084760"/>
+            <a:ext cx="2794680" cy="2084400"/>
           </a:xfrm>
           <a:prstGeom prst="rect">
             <a:avLst/>
@@ -22977,7 +22721,7 @@
         <p:spPr>
           <a:xfrm>
             <a:off x="360000" y="360000"/>
-            <a:ext cx="9353160" cy="893160"/>
+            <a:ext cx="9352800" cy="892800"/>
           </a:xfrm>
           <a:prstGeom prst="rect">
             <a:avLst/>
@@ -23029,7 +22773,7 @@
         <p:spPr>
           <a:xfrm>
             <a:off x="360000" y="1980000"/>
-            <a:ext cx="9173160" cy="4673160"/>
+            <a:ext cx="9172800" cy="4672800"/>
           </a:xfrm>
           <a:prstGeom prst="rect">
             <a:avLst/>
@@ -23201,7 +22945,7 @@
                 <a:latin typeface="Latin Modern Sans"/>
                 <a:ea typeface="DejaVu Sans"/>
               </a:rPr>
-              <a:t>A=2, C=3, D=0</a:t>
+              <a:t>Nós: A=2, C=3, D=0</a:t>
             </a:r>
             <a:endParaRPr b="0" lang="pt-BR" sz="1600" spc="-1" strike="noStrike">
               <a:latin typeface="Arial"/>
@@ -23317,7 +23061,7 @@
                 <a:latin typeface="Latin Modern Sans"/>
                 <a:ea typeface="DejaVu Sans"/>
               </a:rPr>
-              <a:t>D=2, I=3</a:t>
+              <a:t>Nós: D=2, I=3</a:t>
             </a:r>
             <a:endParaRPr b="0" lang="pt-BR" sz="1600" spc="-1" strike="noStrike">
               <a:latin typeface="Arial"/>
@@ -23419,7 +23163,7 @@
         <p:spPr>
           <a:xfrm>
             <a:off x="7608600" y="6886080"/>
-            <a:ext cx="2278440" cy="358200"/>
+            <a:ext cx="2278080" cy="357840"/>
           </a:xfrm>
           <a:prstGeom prst="rect">
             <a:avLst/>
@@ -23471,7 +23215,7 @@
         <p:spPr>
           <a:xfrm>
             <a:off x="897120" y="6886080"/>
-            <a:ext cx="6440400" cy="358200"/>
+            <a:ext cx="6440040" cy="357840"/>
           </a:xfrm>
           <a:prstGeom prst="rect">
             <a:avLst/>
@@ -23527,7 +23271,7 @@
         <p:spPr>
           <a:xfrm>
             <a:off x="5018400" y="1541880"/>
-            <a:ext cx="2476440" cy="1838160"/>
+            <a:ext cx="2476080" cy="1837800"/>
           </a:xfrm>
           <a:prstGeom prst="rect">
             <a:avLst/>
@@ -23550,7 +23294,7 @@
         <p:spPr>
           <a:xfrm>
             <a:off x="5029200" y="4147920"/>
-            <a:ext cx="2648520" cy="1975320"/>
+            <a:ext cx="2648160" cy="1974960"/>
           </a:xfrm>
           <a:prstGeom prst="rect">
             <a:avLst/>
@@ -23560,6 +23304,90 @@
           </a:ln>
         </p:spPr>
       </p:pic>
+      <p:sp>
+        <p:nvSpPr>
+          <p:cNvPr id="463" name=""/>
+          <p:cNvSpPr/>
+          <p:nvPr/>
+        </p:nvSpPr>
+        <p:spPr>
+          <a:xfrm>
+            <a:off x="5940000" y="4147920"/>
+            <a:ext cx="180000" cy="172080"/>
+          </a:xfrm>
+          <a:prstGeom prst="line">
+            <a:avLst/>
+          </a:prstGeom>
+          <a:ln w="0">
+            <a:solidFill>
+              <a:srgbClr val="3465a4"/>
+            </a:solidFill>
+            <a:tailEnd len="med" type="triangle" w="med"/>
+          </a:ln>
+        </p:spPr>
+        <p:style>
+          <a:lnRef idx="0"/>
+          <a:fillRef idx="0"/>
+          <a:effectRef idx="0"/>
+          <a:fontRef idx="minor"/>
+        </p:style>
+      </p:sp>
+      <p:sp>
+        <p:nvSpPr>
+          <p:cNvPr id="464" name=""/>
+          <p:cNvSpPr/>
+          <p:nvPr/>
+        </p:nvSpPr>
+        <p:spPr>
+          <a:xfrm>
+            <a:off x="5040000" y="5220000"/>
+            <a:ext cx="180000" cy="172080"/>
+          </a:xfrm>
+          <a:prstGeom prst="line">
+            <a:avLst/>
+          </a:prstGeom>
+          <a:ln w="0">
+            <a:solidFill>
+              <a:srgbClr val="3465a4"/>
+            </a:solidFill>
+            <a:tailEnd len="med" type="triangle" w="med"/>
+          </a:ln>
+        </p:spPr>
+        <p:style>
+          <a:lnRef idx="0"/>
+          <a:fillRef idx="0"/>
+          <a:effectRef idx="0"/>
+          <a:fontRef idx="minor"/>
+        </p:style>
+      </p:sp>
+      <p:sp>
+        <p:nvSpPr>
+          <p:cNvPr id="465" name=""/>
+          <p:cNvSpPr/>
+          <p:nvPr/>
+        </p:nvSpPr>
+        <p:spPr>
+          <a:xfrm flipH="1">
+            <a:off x="6840000" y="4536000"/>
+            <a:ext cx="360000" cy="180000"/>
+          </a:xfrm>
+          <a:prstGeom prst="line">
+            <a:avLst/>
+          </a:prstGeom>
+          <a:ln w="0">
+            <a:solidFill>
+              <a:srgbClr val="3465a4"/>
+            </a:solidFill>
+            <a:tailEnd len="med" type="triangle" w="med"/>
+          </a:ln>
+        </p:spPr>
+        <p:style>
+          <a:lnRef idx="0"/>
+          <a:fillRef idx="0"/>
+          <a:effectRef idx="0"/>
+          <a:fontRef idx="minor"/>
+        </p:style>
+      </p:sp>
     </p:spTree>
   </p:cSld>
   <mc:AlternateContent>
@@ -23592,14 +23420,14 @@
       </p:grpSpPr>
       <p:sp>
         <p:nvSpPr>
-          <p:cNvPr id="463" name="CustomShape 1"/>
+          <p:cNvPr id="466" name="CustomShape 1"/>
           <p:cNvSpPr/>
           <p:nvPr/>
         </p:nvSpPr>
         <p:spPr>
           <a:xfrm>
             <a:off x="360000" y="360000"/>
-            <a:ext cx="9353160" cy="893160"/>
+            <a:ext cx="9352800" cy="892800"/>
           </a:xfrm>
           <a:prstGeom prst="rect">
             <a:avLst/>
@@ -23644,14 +23472,14 @@
       </p:sp>
       <p:sp>
         <p:nvSpPr>
-          <p:cNvPr id="464" name="CustomShape 2"/>
+          <p:cNvPr id="467" name="CustomShape 2"/>
           <p:cNvSpPr/>
           <p:nvPr/>
         </p:nvSpPr>
         <p:spPr>
           <a:xfrm>
             <a:off x="180000" y="1980000"/>
-            <a:ext cx="9173160" cy="4673160"/>
+            <a:ext cx="9172800" cy="4672800"/>
           </a:xfrm>
           <a:prstGeom prst="rect">
             <a:avLst/>
@@ -24029,14 +23857,14 @@
       </p:sp>
       <p:sp>
         <p:nvSpPr>
-          <p:cNvPr id="465" name="CustomShape 3"/>
+          <p:cNvPr id="468" name="CustomShape 3"/>
           <p:cNvSpPr/>
           <p:nvPr/>
         </p:nvSpPr>
         <p:spPr>
           <a:xfrm>
             <a:off x="7608600" y="6886080"/>
-            <a:ext cx="2278440" cy="358200"/>
+            <a:ext cx="2278080" cy="357840"/>
           </a:xfrm>
           <a:prstGeom prst="rect">
             <a:avLst/>
@@ -24081,14 +23909,14 @@
       </p:sp>
       <p:sp>
         <p:nvSpPr>
-          <p:cNvPr id="466" name="CustomShape 4"/>
+          <p:cNvPr id="469" name="CustomShape 4"/>
           <p:cNvSpPr/>
           <p:nvPr/>
         </p:nvSpPr>
         <p:spPr>
           <a:xfrm>
             <a:off x="897120" y="6886080"/>
-            <a:ext cx="6440400" cy="358200"/>
+            <a:ext cx="6440040" cy="357840"/>
           </a:xfrm>
           <a:prstGeom prst="rect">
             <a:avLst/>
@@ -24133,7 +23961,7 @@
       </p:sp>
       <p:pic>
         <p:nvPicPr>
-          <p:cNvPr id="467" name="Imagem 275" descr=""/>
+          <p:cNvPr id="470" name="Imagem 275" descr=""/>
           <p:cNvPicPr/>
           <p:nvPr/>
         </p:nvPicPr>
@@ -24144,7 +23972,7 @@
         <p:spPr>
           <a:xfrm>
             <a:off x="4308480" y="1842480"/>
-            <a:ext cx="5082840" cy="1720440"/>
+            <a:ext cx="5082480" cy="1720080"/>
           </a:xfrm>
           <a:prstGeom prst="rect">
             <a:avLst/>
@@ -24156,7 +23984,7 @@
       </p:pic>
       <p:pic>
         <p:nvPicPr>
-          <p:cNvPr id="468" name="Imagem 276" descr=""/>
+          <p:cNvPr id="471" name="Imagem 276" descr=""/>
           <p:cNvPicPr/>
           <p:nvPr/>
         </p:nvPicPr>
@@ -24167,7 +23995,7 @@
         <p:spPr>
           <a:xfrm>
             <a:off x="4206240" y="4297680"/>
-            <a:ext cx="4758120" cy="1882080"/>
+            <a:ext cx="4757760" cy="1881720"/>
           </a:xfrm>
           <a:prstGeom prst="rect">
             <a:avLst/>
@@ -24220,7 +24048,7 @@
         <p:spPr>
           <a:xfrm>
             <a:off x="1077480" y="3455640"/>
-            <a:ext cx="4922280" cy="2043000"/>
+            <a:ext cx="4921920" cy="2042640"/>
           </a:xfrm>
           <a:prstGeom prst="rect">
             <a:avLst/>
@@ -24239,7 +24067,7 @@
         <p:spPr>
           <a:xfrm>
             <a:off x="360000" y="360000"/>
-            <a:ext cx="9353160" cy="893160"/>
+            <a:ext cx="9352800" cy="892800"/>
           </a:xfrm>
           <a:prstGeom prst="rect">
             <a:avLst/>
@@ -24291,7 +24119,7 @@
         <p:spPr>
           <a:xfrm>
             <a:off x="360000" y="1980000"/>
-            <a:ext cx="9173160" cy="4673160"/>
+            <a:ext cx="9172800" cy="4672800"/>
           </a:xfrm>
           <a:prstGeom prst="rect">
             <a:avLst/>
@@ -24507,7 +24335,7 @@
         <p:spPr>
           <a:xfrm>
             <a:off x="7608600" y="6886080"/>
-            <a:ext cx="2278440" cy="358200"/>
+            <a:ext cx="2278080" cy="357840"/>
           </a:xfrm>
           <a:prstGeom prst="rect">
             <a:avLst/>
@@ -24559,7 +24387,7 @@
         <p:spPr>
           <a:xfrm>
             <a:off x="897120" y="6886080"/>
-            <a:ext cx="6440400" cy="358200"/>
+            <a:ext cx="6440040" cy="357840"/>
           </a:xfrm>
           <a:prstGeom prst="rect">
             <a:avLst/>
@@ -24610,8 +24438,8 @@
         </p:nvSpPr>
         <p:spPr>
           <a:xfrm rot="5475600">
-            <a:off x="2091960" y="5376600"/>
-            <a:ext cx="350640" cy="348840"/>
+            <a:off x="2091960" y="5376240"/>
+            <a:ext cx="350280" cy="348480"/>
           </a:xfrm>
           <a:custGeom>
             <a:avLst/>
@@ -24671,8 +24499,8 @@
         </p:nvSpPr>
         <p:spPr>
           <a:xfrm rot="10815600">
-            <a:off x="1294200" y="3981240"/>
-            <a:ext cx="271080" cy="271080"/>
+            <a:off x="1294200" y="3981600"/>
+            <a:ext cx="270720" cy="270720"/>
           </a:xfrm>
           <a:custGeom>
             <a:avLst/>
@@ -24756,14 +24584,14 @@
       </p:grpSpPr>
       <p:sp>
         <p:nvSpPr>
-          <p:cNvPr id="469" name="CustomShape 1"/>
+          <p:cNvPr id="472" name="CustomShape 1"/>
           <p:cNvSpPr/>
           <p:nvPr/>
         </p:nvSpPr>
         <p:spPr>
           <a:xfrm>
             <a:off x="360000" y="360000"/>
-            <a:ext cx="9353160" cy="893160"/>
+            <a:ext cx="9352800" cy="892800"/>
           </a:xfrm>
           <a:prstGeom prst="rect">
             <a:avLst/>
@@ -24808,14 +24636,14 @@
       </p:sp>
       <p:sp>
         <p:nvSpPr>
-          <p:cNvPr id="470" name="CustomShape 2"/>
+          <p:cNvPr id="473" name="CustomShape 2"/>
           <p:cNvSpPr/>
           <p:nvPr/>
         </p:nvSpPr>
         <p:spPr>
           <a:xfrm>
             <a:off x="180000" y="1980000"/>
-            <a:ext cx="9173160" cy="4673160"/>
+            <a:ext cx="9172800" cy="4672800"/>
           </a:xfrm>
           <a:prstGeom prst="rect">
             <a:avLst/>
@@ -24994,14 +24822,14 @@
       </p:sp>
       <p:sp>
         <p:nvSpPr>
-          <p:cNvPr id="471" name="CustomShape 3"/>
+          <p:cNvPr id="474" name="CustomShape 3"/>
           <p:cNvSpPr/>
           <p:nvPr/>
         </p:nvSpPr>
         <p:spPr>
           <a:xfrm>
             <a:off x="7608600" y="6886080"/>
-            <a:ext cx="2278440" cy="358200"/>
+            <a:ext cx="2278080" cy="357840"/>
           </a:xfrm>
           <a:prstGeom prst="rect">
             <a:avLst/>
@@ -25046,14 +24874,14 @@
       </p:sp>
       <p:sp>
         <p:nvSpPr>
-          <p:cNvPr id="472" name="CustomShape 4"/>
+          <p:cNvPr id="475" name="CustomShape 4"/>
           <p:cNvSpPr/>
           <p:nvPr/>
         </p:nvSpPr>
         <p:spPr>
           <a:xfrm>
             <a:off x="897120" y="6886080"/>
-            <a:ext cx="6440400" cy="358200"/>
+            <a:ext cx="6440040" cy="357840"/>
           </a:xfrm>
           <a:prstGeom prst="rect">
             <a:avLst/>
@@ -25098,7 +24926,7 @@
       </p:sp>
       <p:pic>
         <p:nvPicPr>
-          <p:cNvPr id="473" name="Imagem 281" descr=""/>
+          <p:cNvPr id="476" name="Imagem 281" descr=""/>
           <p:cNvPicPr/>
           <p:nvPr/>
         </p:nvPicPr>
@@ -25109,7 +24937,7 @@
         <p:spPr>
           <a:xfrm>
             <a:off x="6108480" y="1645920"/>
-            <a:ext cx="2575080" cy="1825560"/>
+            <a:ext cx="2574720" cy="1825200"/>
           </a:xfrm>
           <a:prstGeom prst="rect">
             <a:avLst/>
@@ -25121,7 +24949,7 @@
       </p:pic>
       <p:pic>
         <p:nvPicPr>
-          <p:cNvPr id="474" name="Imagem 2" descr=""/>
+          <p:cNvPr id="477" name="Imagem 2" descr=""/>
           <p:cNvPicPr/>
           <p:nvPr/>
         </p:nvPicPr>
@@ -25132,7 +24960,7 @@
         <p:spPr>
           <a:xfrm>
             <a:off x="313560" y="1533960"/>
-            <a:ext cx="4338360" cy="5283720"/>
+            <a:ext cx="4338000" cy="5283360"/>
           </a:xfrm>
           <a:prstGeom prst="rect">
             <a:avLst/>
@@ -25174,14 +25002,14 @@
       </p:grpSpPr>
       <p:sp>
         <p:nvSpPr>
-          <p:cNvPr id="475" name="CustomShape 1"/>
+          <p:cNvPr id="478" name="CustomShape 1"/>
           <p:cNvSpPr/>
           <p:nvPr/>
         </p:nvSpPr>
         <p:spPr>
           <a:xfrm>
             <a:off x="360000" y="360000"/>
-            <a:ext cx="9353160" cy="893160"/>
+            <a:ext cx="9352800" cy="892800"/>
           </a:xfrm>
           <a:prstGeom prst="rect">
             <a:avLst/>
@@ -25226,14 +25054,14 @@
       </p:sp>
       <p:sp>
         <p:nvSpPr>
-          <p:cNvPr id="476" name="CustomShape 2"/>
+          <p:cNvPr id="479" name="CustomShape 2"/>
           <p:cNvSpPr/>
           <p:nvPr/>
         </p:nvSpPr>
         <p:spPr>
           <a:xfrm>
             <a:off x="180000" y="1980000"/>
-            <a:ext cx="9173160" cy="4673160"/>
+            <a:ext cx="9172800" cy="4672800"/>
           </a:xfrm>
           <a:prstGeom prst="rect">
             <a:avLst/>
@@ -25412,14 +25240,14 @@
       </p:sp>
       <p:sp>
         <p:nvSpPr>
-          <p:cNvPr id="477" name="CustomShape 3"/>
+          <p:cNvPr id="480" name="CustomShape 3"/>
           <p:cNvSpPr/>
           <p:nvPr/>
         </p:nvSpPr>
         <p:spPr>
           <a:xfrm>
             <a:off x="7608600" y="6886080"/>
-            <a:ext cx="2278440" cy="358200"/>
+            <a:ext cx="2278080" cy="357840"/>
           </a:xfrm>
           <a:prstGeom prst="rect">
             <a:avLst/>
@@ -25464,14 +25292,14 @@
       </p:sp>
       <p:sp>
         <p:nvSpPr>
-          <p:cNvPr id="478" name="CustomShape 4"/>
+          <p:cNvPr id="481" name="CustomShape 4"/>
           <p:cNvSpPr/>
           <p:nvPr/>
         </p:nvSpPr>
         <p:spPr>
           <a:xfrm>
             <a:off x="897120" y="6886080"/>
-            <a:ext cx="6440400" cy="358200"/>
+            <a:ext cx="6440040" cy="357840"/>
           </a:xfrm>
           <a:prstGeom prst="rect">
             <a:avLst/>
@@ -25516,7 +25344,7 @@
       </p:sp>
       <p:pic>
         <p:nvPicPr>
-          <p:cNvPr id="479" name="Imagem 301" descr=""/>
+          <p:cNvPr id="482" name="Imagem 301" descr=""/>
           <p:cNvPicPr/>
           <p:nvPr/>
         </p:nvPicPr>
@@ -25527,7 +25355,7 @@
         <p:spPr>
           <a:xfrm>
             <a:off x="3777840" y="1747800"/>
-            <a:ext cx="6075000" cy="2760120"/>
+            <a:ext cx="6074640" cy="2759760"/>
           </a:xfrm>
           <a:prstGeom prst="rect">
             <a:avLst/>
@@ -25539,7 +25367,7 @@
       </p:pic>
       <p:pic>
         <p:nvPicPr>
-          <p:cNvPr id="480" name="Imagem 2" descr=""/>
+          <p:cNvPr id="483" name="Imagem 2" descr=""/>
           <p:cNvPicPr/>
           <p:nvPr/>
         </p:nvPicPr>
@@ -25550,7 +25378,7 @@
         <p:spPr>
           <a:xfrm>
             <a:off x="226800" y="1601640"/>
-            <a:ext cx="3415680" cy="5051520"/>
+            <a:ext cx="3415320" cy="5051160"/>
           </a:xfrm>
           <a:prstGeom prst="rect">
             <a:avLst/>
@@ -25592,14 +25420,14 @@
       </p:grpSpPr>
       <p:sp>
         <p:nvSpPr>
-          <p:cNvPr id="481" name="CustomShape 1"/>
+          <p:cNvPr id="484" name="CustomShape 1"/>
           <p:cNvSpPr/>
           <p:nvPr/>
         </p:nvSpPr>
         <p:spPr>
           <a:xfrm>
             <a:off x="360000" y="360000"/>
-            <a:ext cx="9353160" cy="893160"/>
+            <a:ext cx="9352800" cy="892800"/>
           </a:xfrm>
           <a:prstGeom prst="rect">
             <a:avLst/>
@@ -25644,14 +25472,14 @@
       </p:sp>
       <p:sp>
         <p:nvSpPr>
-          <p:cNvPr id="482" name="CustomShape 2"/>
+          <p:cNvPr id="485" name="CustomShape 2"/>
           <p:cNvSpPr/>
           <p:nvPr/>
         </p:nvSpPr>
         <p:spPr>
           <a:xfrm>
             <a:off x="180000" y="1980000"/>
-            <a:ext cx="9173160" cy="4673160"/>
+            <a:ext cx="9172800" cy="4672800"/>
           </a:xfrm>
           <a:prstGeom prst="rect">
             <a:avLst/>
@@ -25830,14 +25658,14 @@
       </p:sp>
       <p:sp>
         <p:nvSpPr>
-          <p:cNvPr id="483" name="CustomShape 3"/>
+          <p:cNvPr id="486" name="CustomShape 3"/>
           <p:cNvSpPr/>
           <p:nvPr/>
         </p:nvSpPr>
         <p:spPr>
           <a:xfrm>
             <a:off x="7608600" y="6886080"/>
-            <a:ext cx="2278440" cy="358200"/>
+            <a:ext cx="2278080" cy="357840"/>
           </a:xfrm>
           <a:prstGeom prst="rect">
             <a:avLst/>
@@ -25882,14 +25710,14 @@
       </p:sp>
       <p:sp>
         <p:nvSpPr>
-          <p:cNvPr id="484" name="CustomShape 4"/>
+          <p:cNvPr id="487" name="CustomShape 4"/>
           <p:cNvSpPr/>
           <p:nvPr/>
         </p:nvSpPr>
         <p:spPr>
           <a:xfrm>
             <a:off x="897120" y="6886080"/>
-            <a:ext cx="6440400" cy="358200"/>
+            <a:ext cx="6440040" cy="357840"/>
           </a:xfrm>
           <a:prstGeom prst="rect">
             <a:avLst/>
@@ -25934,7 +25762,7 @@
       </p:sp>
       <p:pic>
         <p:nvPicPr>
-          <p:cNvPr id="485" name="Imagem 301" descr=""/>
+          <p:cNvPr id="488" name="Imagem 301" descr=""/>
           <p:cNvPicPr/>
           <p:nvPr/>
         </p:nvPicPr>
@@ -25945,7 +25773,7 @@
         <p:spPr>
           <a:xfrm>
             <a:off x="3777840" y="1747800"/>
-            <a:ext cx="6075000" cy="2760120"/>
+            <a:ext cx="6074640" cy="2759760"/>
           </a:xfrm>
           <a:prstGeom prst="rect">
             <a:avLst/>
@@ -25957,7 +25785,7 @@
       </p:pic>
       <p:pic>
         <p:nvPicPr>
-          <p:cNvPr id="486" name="Imagem 2" descr=""/>
+          <p:cNvPr id="489" name="Imagem 2" descr=""/>
           <p:cNvPicPr/>
           <p:nvPr/>
         </p:nvPicPr>
@@ -25969,7 +25797,7 @@
         <p:spPr>
           <a:xfrm>
             <a:off x="226800" y="1601640"/>
-            <a:ext cx="3415680" cy="1562760"/>
+            <a:ext cx="3415320" cy="1562400"/>
           </a:xfrm>
           <a:prstGeom prst="rect">
             <a:avLst/>
@@ -26011,14 +25839,14 @@
       </p:grpSpPr>
       <p:sp>
         <p:nvSpPr>
-          <p:cNvPr id="487" name="CustomShape 1"/>
+          <p:cNvPr id="490" name="CustomShape 1"/>
           <p:cNvSpPr/>
           <p:nvPr/>
         </p:nvSpPr>
         <p:spPr>
           <a:xfrm>
             <a:off x="360000" y="360000"/>
-            <a:ext cx="9353160" cy="893160"/>
+            <a:ext cx="9352800" cy="892800"/>
           </a:xfrm>
           <a:prstGeom prst="rect">
             <a:avLst/>
@@ -26063,14 +25891,14 @@
       </p:sp>
       <p:sp>
         <p:nvSpPr>
-          <p:cNvPr id="488" name="CustomShape 2"/>
+          <p:cNvPr id="491" name="CustomShape 2"/>
           <p:cNvSpPr/>
           <p:nvPr/>
         </p:nvSpPr>
         <p:spPr>
           <a:xfrm>
             <a:off x="180000" y="1980000"/>
-            <a:ext cx="9173160" cy="4673160"/>
+            <a:ext cx="9172800" cy="4672800"/>
           </a:xfrm>
           <a:prstGeom prst="rect">
             <a:avLst/>
@@ -26220,14 +26048,14 @@
       </p:sp>
       <p:sp>
         <p:nvSpPr>
-          <p:cNvPr id="489" name="CustomShape 3"/>
+          <p:cNvPr id="492" name="CustomShape 3"/>
           <p:cNvSpPr/>
           <p:nvPr/>
         </p:nvSpPr>
         <p:spPr>
           <a:xfrm>
             <a:off x="7608600" y="6886080"/>
-            <a:ext cx="2278440" cy="358200"/>
+            <a:ext cx="2278080" cy="357840"/>
           </a:xfrm>
           <a:prstGeom prst="rect">
             <a:avLst/>
@@ -26272,14 +26100,14 @@
       </p:sp>
       <p:sp>
         <p:nvSpPr>
-          <p:cNvPr id="490" name="CustomShape 4"/>
+          <p:cNvPr id="493" name="CustomShape 4"/>
           <p:cNvSpPr/>
           <p:nvPr/>
         </p:nvSpPr>
         <p:spPr>
           <a:xfrm>
             <a:off x="897120" y="6886080"/>
-            <a:ext cx="6440400" cy="358200"/>
+            <a:ext cx="6440040" cy="357840"/>
           </a:xfrm>
           <a:prstGeom prst="rect">
             <a:avLst/>
@@ -26324,7 +26152,7 @@
       </p:sp>
       <p:pic>
         <p:nvPicPr>
-          <p:cNvPr id="491" name="Imagem 301" descr=""/>
+          <p:cNvPr id="494" name="Imagem 301" descr=""/>
           <p:cNvPicPr/>
           <p:nvPr/>
         </p:nvPicPr>
@@ -26335,7 +26163,7 @@
         <p:spPr>
           <a:xfrm>
             <a:off x="3777840" y="1747800"/>
-            <a:ext cx="6075000" cy="2760120"/>
+            <a:ext cx="6074640" cy="2759760"/>
           </a:xfrm>
           <a:prstGeom prst="rect">
             <a:avLst/>
@@ -26347,7 +26175,7 @@
       </p:pic>
       <p:pic>
         <p:nvPicPr>
-          <p:cNvPr id="492" name="Imagem 2" descr=""/>
+          <p:cNvPr id="495" name="Imagem 2" descr=""/>
           <p:cNvPicPr/>
           <p:nvPr/>
         </p:nvPicPr>
@@ -26359,7 +26187,7 @@
         <p:spPr>
           <a:xfrm>
             <a:off x="226800" y="3115080"/>
-            <a:ext cx="3415680" cy="1647360"/>
+            <a:ext cx="3415320" cy="1647000"/>
           </a:xfrm>
           <a:prstGeom prst="rect">
             <a:avLst/>
@@ -26401,14 +26229,14 @@
       </p:grpSpPr>
       <p:sp>
         <p:nvSpPr>
-          <p:cNvPr id="493" name="CustomShape 1"/>
+          <p:cNvPr id="496" name="CustomShape 1"/>
           <p:cNvSpPr/>
           <p:nvPr/>
         </p:nvSpPr>
         <p:spPr>
           <a:xfrm>
             <a:off x="360000" y="360000"/>
-            <a:ext cx="9353160" cy="893160"/>
+            <a:ext cx="9352800" cy="892800"/>
           </a:xfrm>
           <a:prstGeom prst="rect">
             <a:avLst/>
@@ -26453,14 +26281,14 @@
       </p:sp>
       <p:sp>
         <p:nvSpPr>
-          <p:cNvPr id="494" name="CustomShape 2"/>
+          <p:cNvPr id="497" name="CustomShape 2"/>
           <p:cNvSpPr/>
           <p:nvPr/>
         </p:nvSpPr>
         <p:spPr>
           <a:xfrm>
             <a:off x="180000" y="1980000"/>
-            <a:ext cx="9173160" cy="4673160"/>
+            <a:ext cx="9172800" cy="4672800"/>
           </a:xfrm>
           <a:prstGeom prst="rect">
             <a:avLst/>
@@ -26610,14 +26438,14 @@
       </p:sp>
       <p:sp>
         <p:nvSpPr>
-          <p:cNvPr id="495" name="CustomShape 3"/>
+          <p:cNvPr id="498" name="CustomShape 3"/>
           <p:cNvSpPr/>
           <p:nvPr/>
         </p:nvSpPr>
         <p:spPr>
           <a:xfrm>
             <a:off x="7608600" y="6886080"/>
-            <a:ext cx="2278440" cy="358200"/>
+            <a:ext cx="2278080" cy="357840"/>
           </a:xfrm>
           <a:prstGeom prst="rect">
             <a:avLst/>
@@ -26662,14 +26490,14 @@
       </p:sp>
       <p:sp>
         <p:nvSpPr>
-          <p:cNvPr id="496" name="CustomShape 4"/>
+          <p:cNvPr id="499" name="CustomShape 4"/>
           <p:cNvSpPr/>
           <p:nvPr/>
         </p:nvSpPr>
         <p:spPr>
           <a:xfrm>
             <a:off x="897120" y="6886080"/>
-            <a:ext cx="6440400" cy="358200"/>
+            <a:ext cx="6440040" cy="357840"/>
           </a:xfrm>
           <a:prstGeom prst="rect">
             <a:avLst/>
@@ -26714,7 +26542,7 @@
       </p:sp>
       <p:pic>
         <p:nvPicPr>
-          <p:cNvPr id="497" name="Imagem 301" descr=""/>
+          <p:cNvPr id="500" name="Imagem 301" descr=""/>
           <p:cNvPicPr/>
           <p:nvPr/>
         </p:nvPicPr>
@@ -26725,7 +26553,7 @@
         <p:spPr>
           <a:xfrm>
             <a:off x="3777840" y="1747800"/>
-            <a:ext cx="6075000" cy="2760120"/>
+            <a:ext cx="6074640" cy="2759760"/>
           </a:xfrm>
           <a:prstGeom prst="rect">
             <a:avLst/>
@@ -26737,7 +26565,7 @@
       </p:pic>
       <p:pic>
         <p:nvPicPr>
-          <p:cNvPr id="498" name="Imagem 2" descr=""/>
+          <p:cNvPr id="501" name="Imagem 2" descr=""/>
           <p:cNvPicPr/>
           <p:nvPr/>
         </p:nvPicPr>
@@ -26749,7 +26577,7 @@
         <p:spPr>
           <a:xfrm>
             <a:off x="226800" y="4823280"/>
-            <a:ext cx="3415680" cy="1829880"/>
+            <a:ext cx="3415320" cy="1829520"/>
           </a:xfrm>
           <a:prstGeom prst="rect">
             <a:avLst/>
@@ -26791,7 +26619,7 @@
       </p:grpSpPr>
       <p:pic>
         <p:nvPicPr>
-          <p:cNvPr id="499" name="Imagem 310" descr=""/>
+          <p:cNvPr id="502" name="Imagem 310" descr=""/>
           <p:cNvPicPr/>
           <p:nvPr/>
         </p:nvPicPr>
@@ -26802,7 +26630,7 @@
         <p:spPr>
           <a:xfrm>
             <a:off x="3360240" y="2252880"/>
-            <a:ext cx="6539760" cy="3053520"/>
+            <a:ext cx="6539400" cy="3053160"/>
           </a:xfrm>
           <a:prstGeom prst="rect">
             <a:avLst/>
@@ -26814,14 +26642,14 @@
       </p:pic>
       <p:sp>
         <p:nvSpPr>
-          <p:cNvPr id="500" name="CustomShape 1"/>
+          <p:cNvPr id="503" name="CustomShape 1"/>
           <p:cNvSpPr/>
           <p:nvPr/>
         </p:nvSpPr>
         <p:spPr>
           <a:xfrm>
             <a:off x="360000" y="360000"/>
-            <a:ext cx="9353160" cy="893160"/>
+            <a:ext cx="9352800" cy="892800"/>
           </a:xfrm>
           <a:prstGeom prst="rect">
             <a:avLst/>
@@ -26856,7 +26684,7 @@
                 <a:latin typeface="Latin Modern Sans"/>
                 <a:ea typeface="DejaVu Sans"/>
               </a:rPr>
-              <a:t>Árvores - Trabalho</a:t>
+              <a:t>Árvores - Exercício</a:t>
             </a:r>
             <a:endParaRPr b="0" lang="pt-BR" sz="3200" spc="-1" strike="noStrike">
               <a:latin typeface="Arial"/>
@@ -26866,14 +26694,14 @@
       </p:sp>
       <p:sp>
         <p:nvSpPr>
-          <p:cNvPr id="501" name="CustomShape 2"/>
+          <p:cNvPr id="504" name="CustomShape 2"/>
           <p:cNvSpPr/>
           <p:nvPr/>
         </p:nvSpPr>
         <p:spPr>
           <a:xfrm>
             <a:off x="180000" y="1836000"/>
-            <a:ext cx="9173160" cy="4673160"/>
+            <a:ext cx="9172800" cy="4672800"/>
           </a:xfrm>
           <a:prstGeom prst="rect">
             <a:avLst/>
@@ -27117,16 +26945,6 @@
               </a:rPr>
               <a:t>	</a:t>
             </a:r>
-            <a:r>
-              <a:rPr b="0" lang="pt-BR" sz="1600" spc="-1" strike="noStrike">
-                <a:solidFill>
-                  <a:srgbClr val="000000"/>
-                </a:solidFill>
-                <a:latin typeface="Arial"/>
-                <a:ea typeface="DejaVu Sans"/>
-              </a:rPr>
-              <a:t>==&gt; Verifique os detalhes no AVA!</a:t>
-            </a:r>
             <a:endParaRPr b="0" lang="pt-BR" sz="1600" spc="-1" strike="noStrike">
               <a:latin typeface="Arial"/>
             </a:endParaRPr>
@@ -27163,14 +26981,14 @@
       </p:sp>
       <p:sp>
         <p:nvSpPr>
-          <p:cNvPr id="502" name="CustomShape 3"/>
+          <p:cNvPr id="505" name="CustomShape 3"/>
           <p:cNvSpPr/>
           <p:nvPr/>
         </p:nvSpPr>
         <p:spPr>
           <a:xfrm>
             <a:off x="7608600" y="6886080"/>
-            <a:ext cx="2278440" cy="358200"/>
+            <a:ext cx="2278080" cy="357840"/>
           </a:xfrm>
           <a:prstGeom prst="rect">
             <a:avLst/>
@@ -27215,14 +27033,14 @@
       </p:sp>
       <p:sp>
         <p:nvSpPr>
-          <p:cNvPr id="503" name="CustomShape 4"/>
+          <p:cNvPr id="506" name="CustomShape 4"/>
           <p:cNvSpPr/>
           <p:nvPr/>
         </p:nvSpPr>
         <p:spPr>
           <a:xfrm>
             <a:off x="897120" y="6886080"/>
-            <a:ext cx="6440400" cy="358200"/>
+            <a:ext cx="6440040" cy="357840"/>
           </a:xfrm>
           <a:prstGeom prst="rect">
             <a:avLst/>
@@ -27267,7 +27085,7 @@
       </p:sp>
       <p:pic>
         <p:nvPicPr>
-          <p:cNvPr id="504" name="Imagem 308" descr=""/>
+          <p:cNvPr id="507" name="Imagem 308" descr=""/>
           <p:cNvPicPr/>
           <p:nvPr/>
         </p:nvPicPr>
@@ -27278,7 +27096,7 @@
         <p:spPr>
           <a:xfrm>
             <a:off x="726840" y="2730600"/>
-            <a:ext cx="2795760" cy="2149560"/>
+            <a:ext cx="2795400" cy="2149200"/>
           </a:xfrm>
           <a:prstGeom prst="rect">
             <a:avLst/>
@@ -27290,7 +27108,7 @@
       </p:pic>
       <p:pic>
         <p:nvPicPr>
-          <p:cNvPr id="505" name="Imagem 309" descr=""/>
+          <p:cNvPr id="508" name="Imagem 309" descr=""/>
           <p:cNvPicPr/>
           <p:nvPr/>
         </p:nvPicPr>
@@ -27301,7 +27119,7 @@
         <p:spPr>
           <a:xfrm>
             <a:off x="559800" y="4956840"/>
-            <a:ext cx="2599920" cy="491760"/>
+            <a:ext cx="2599560" cy="491400"/>
           </a:xfrm>
           <a:prstGeom prst="rect">
             <a:avLst/>
@@ -27350,7 +27168,7 @@
         <p:spPr>
           <a:xfrm>
             <a:off x="360000" y="360000"/>
-            <a:ext cx="9353160" cy="893160"/>
+            <a:ext cx="9352800" cy="892800"/>
           </a:xfrm>
           <a:prstGeom prst="rect">
             <a:avLst/>
@@ -27402,7 +27220,7 @@
         <p:spPr>
           <a:xfrm>
             <a:off x="7608600" y="6886080"/>
-            <a:ext cx="2278440" cy="358200"/>
+            <a:ext cx="2278080" cy="357840"/>
           </a:xfrm>
           <a:prstGeom prst="rect">
             <a:avLst/>
@@ -27454,7 +27272,7 @@
         <p:spPr>
           <a:xfrm>
             <a:off x="897120" y="6886080"/>
-            <a:ext cx="6440400" cy="358200"/>
+            <a:ext cx="6440040" cy="357840"/>
           </a:xfrm>
           <a:prstGeom prst="rect">
             <a:avLst/>
@@ -27511,7 +27329,7 @@
         <p:spPr>
           <a:xfrm>
             <a:off x="899640" y="4838400"/>
-            <a:ext cx="1800360" cy="1821600"/>
+            <a:ext cx="1800000" cy="1821240"/>
           </a:xfrm>
           <a:prstGeom prst="rect">
             <a:avLst/>
@@ -27609,7 +27427,7 @@
         <p:spPr>
           <a:xfrm>
             <a:off x="850680" y="1620000"/>
-            <a:ext cx="4532400" cy="2700000"/>
+            <a:ext cx="4532040" cy="2699640"/>
           </a:xfrm>
           <a:prstGeom prst="rect">
             <a:avLst/>
@@ -27627,8 +27445,8 @@
         </p:nvSpPr>
         <p:spPr>
           <a:xfrm rot="10612800">
-            <a:off x="2280960" y="4103640"/>
-            <a:ext cx="310680" cy="180000"/>
+            <a:off x="2281320" y="4103640"/>
+            <a:ext cx="310320" cy="179640"/>
           </a:xfrm>
           <a:custGeom>
             <a:avLst/>
@@ -27681,121 +27499,13 @@
       <p:sp>
         <p:nvSpPr>
           <p:cNvPr id="146" name=""/>
-          <p:cNvSpPr txBox="1"/>
+          <p:cNvSpPr/>
           <p:nvPr/>
         </p:nvSpPr>
         <p:spPr>
           <a:xfrm>
             <a:off x="778680" y="3780000"/>
-            <a:ext cx="1745640" cy="602280"/>
-          </a:xfrm>
-          <a:prstGeom prst="rect">
-            <a:avLst/>
-          </a:prstGeom>
-          <a:noFill/>
-          <a:ln w="0">
-            <a:noFill/>
-          </a:ln>
-        </p:spPr>
-        <p:txBody>
-          <a:bodyPr lIns="90000" rIns="90000" tIns="45000" bIns="45000" anchor="t">
-            <a:noAutofit/>
-          </a:bodyPr>
-          <a:p>
-            <a:r>
-              <a:rPr b="0" lang="pt-BR" sz="1600" spc="-1" strike="noStrike">
-                <a:latin typeface="Arial"/>
-              </a:rPr>
-              <a:t>p</a:t>
-            </a:r>
-            <a:r>
-              <a:rPr b="0" lang="pt-BR" sz="1600" spc="-1" strike="noStrike">
-                <a:latin typeface="Arial"/>
-              </a:rPr>
-              <a:t>r</a:t>
-            </a:r>
-            <a:r>
-              <a:rPr b="0" lang="pt-BR" sz="1600" spc="-1" strike="noStrike">
-                <a:latin typeface="Arial"/>
-              </a:rPr>
-              <a:t>i</a:t>
-            </a:r>
-            <a:r>
-              <a:rPr b="0" lang="pt-BR" sz="1600" spc="-1" strike="noStrike">
-                <a:latin typeface="Arial"/>
-              </a:rPr>
-              <a:t>n</a:t>
-            </a:r>
-            <a:r>
-              <a:rPr b="0" lang="pt-BR" sz="1600" spc="-1" strike="noStrike">
-                <a:latin typeface="Arial"/>
-              </a:rPr>
-              <a:t>t</a:t>
-            </a:r>
-            <a:r>
-              <a:rPr b="0" lang="pt-BR" sz="1600" spc="-1" strike="noStrike">
-                <a:latin typeface="Arial"/>
-              </a:rPr>
-              <a:t>(</a:t>
-            </a:r>
-            <a:r>
-              <a:rPr b="0" lang="pt-BR" sz="1600" spc="-1" strike="noStrike">
-                <a:latin typeface="Arial"/>
-              </a:rPr>
-              <a:t>‘</a:t>
-            </a:r>
-            <a:r>
-              <a:rPr b="0" lang="pt-BR" sz="1600" spc="-1" strike="noStrike">
-                <a:latin typeface="Arial"/>
-              </a:rPr>
-              <a:t>m</a:t>
-            </a:r>
-            <a:r>
-              <a:rPr b="0" lang="pt-BR" sz="1600" spc="-1" strike="noStrike">
-                <a:latin typeface="Arial"/>
-              </a:rPr>
-              <a:t>a</a:t>
-            </a:r>
-            <a:r>
-              <a:rPr b="0" lang="pt-BR" sz="1600" spc="-1" strike="noStrike">
-                <a:latin typeface="Arial"/>
-              </a:rPr>
-              <a:t>i</a:t>
-            </a:r>
-            <a:r>
-              <a:rPr b="0" lang="pt-BR" sz="1600" spc="-1" strike="noStrike">
-                <a:latin typeface="Arial"/>
-              </a:rPr>
-              <a:t>n</a:t>
-            </a:r>
-            <a:r>
-              <a:rPr b="0" lang="pt-BR" sz="1600" spc="-1" strike="noStrike">
-                <a:latin typeface="Arial"/>
-              </a:rPr>
-              <a:t>’</a:t>
-            </a:r>
-            <a:r>
-              <a:rPr b="0" lang="pt-BR" sz="1600" spc="-1" strike="noStrike">
-                <a:latin typeface="Arial"/>
-              </a:rPr>
-              <a:t>)</a:t>
-            </a:r>
-            <a:endParaRPr b="0" lang="pt-BR" sz="1600" spc="-1" strike="noStrike">
-              <a:latin typeface="Arial"/>
-            </a:endParaRPr>
-          </a:p>
-        </p:txBody>
-      </p:sp>
-      <p:sp>
-        <p:nvSpPr>
-          <p:cNvPr id="147" name="CaixaDeTexto 29"/>
-          <p:cNvSpPr/>
-          <p:nvPr/>
-        </p:nvSpPr>
-        <p:spPr>
-          <a:xfrm>
-            <a:off x="1147320" y="5028840"/>
-            <a:ext cx="636840" cy="1369800"/>
+            <a:ext cx="1745280" cy="601920"/>
           </a:xfrm>
           <a:prstGeom prst="rect">
             <a:avLst/>
@@ -27812,6 +27522,54 @@
           <a:fontRef idx="minor"/>
         </p:style>
         <p:txBody>
+          <a:bodyPr lIns="90000" rIns="90000" tIns="45000" bIns="45000" anchor="t">
+            <a:noAutofit/>
+          </a:bodyPr>
+          <a:p>
+            <a:pPr>
+              <a:lnSpc>
+                <a:spcPct val="100000"/>
+              </a:lnSpc>
+              <a:buNone/>
+            </a:pPr>
+            <a:r>
+              <a:rPr b="0" lang="pt-BR" sz="1600" spc="-1" strike="noStrike">
+                <a:latin typeface="Arial"/>
+              </a:rPr>
+              <a:t>print(‘main’)</a:t>
+            </a:r>
+            <a:endParaRPr b="0" lang="pt-BR" sz="1600" spc="-1" strike="noStrike">
+              <a:latin typeface="Arial"/>
+            </a:endParaRPr>
+          </a:p>
+        </p:txBody>
+      </p:sp>
+      <p:sp>
+        <p:nvSpPr>
+          <p:cNvPr id="147" name="CaixaDeTexto 29"/>
+          <p:cNvSpPr/>
+          <p:nvPr/>
+        </p:nvSpPr>
+        <p:spPr>
+          <a:xfrm>
+            <a:off x="1147320" y="5028840"/>
+            <a:ext cx="636480" cy="1369080"/>
+          </a:xfrm>
+          <a:prstGeom prst="rect">
+            <a:avLst/>
+          </a:prstGeom>
+          <a:noFill/>
+          <a:ln w="0">
+            <a:noFill/>
+          </a:ln>
+        </p:spPr>
+        <p:style>
+          <a:lnRef idx="0"/>
+          <a:fillRef idx="0"/>
+          <a:effectRef idx="0"/>
+          <a:fontRef idx="minor"/>
+        </p:style>
+        <p:txBody>
           <a:bodyPr wrap="none" lIns="90000" rIns="90000" tIns="45000" bIns="45000" anchor="t">
             <a:spAutoFit/>
           </a:bodyPr>
@@ -27828,35 +27586,9 @@
                   <a:srgbClr val="ffffff"/>
                 </a:solidFill>
                 <a:latin typeface="Calibri"/>
-              </a:rPr>
-              <a:t>M</a:t>
-            </a:r>
-            <a:r>
-              <a:rPr b="0" lang="pt-BR" sz="1500" spc="-1" strike="noStrike">
-                <a:solidFill>
-                  <a:srgbClr val="ffffff"/>
-                </a:solidFill>
-                <a:latin typeface="Calibri"/>
-              </a:rPr>
-              <a:t>a</a:t>
-            </a:r>
-            <a:r>
-              <a:rPr b="0" lang="pt-BR" sz="1500" spc="-1" strike="noStrike">
-                <a:solidFill>
-                  <a:srgbClr val="ffffff"/>
-                </a:solidFill>
-                <a:latin typeface="Calibri"/>
-              </a:rPr>
-              <a:t>i</a:t>
-            </a:r>
-            <a:r>
-              <a:rPr b="0" lang="pt-BR" sz="1500" spc="-1" strike="noStrike">
-                <a:solidFill>
-                  <a:srgbClr val="ffffff"/>
-                </a:solidFill>
-                <a:latin typeface="Calibri"/>
-              </a:rPr>
-              <a:t>n</a:t>
+                <a:ea typeface="DejaVu Sans"/>
+              </a:rPr>
+              <a:t>Main</a:t>
             </a:r>
             <a:endParaRPr b="0" lang="pt-BR" sz="1500" spc="-1" strike="noStrike">
               <a:latin typeface="Arial"/>
@@ -27911,27 +27643,39 @@
       <p:sp>
         <p:nvSpPr>
           <p:cNvPr id="148" name=""/>
-          <p:cNvSpPr txBox="1"/>
+          <p:cNvSpPr/>
           <p:nvPr/>
         </p:nvSpPr>
         <p:spPr>
           <a:xfrm>
             <a:off x="778680" y="4382280"/>
-            <a:ext cx="1921320" cy="541800"/>
-          </a:xfrm>
-          <a:prstGeom prst="rect">
-            <a:avLst/>
-          </a:prstGeom>
-          <a:noFill/>
-          <a:ln w="0">
-            <a:noFill/>
-          </a:ln>
-        </p:spPr>
+            <a:ext cx="1920960" cy="541440"/>
+          </a:xfrm>
+          <a:prstGeom prst="rect">
+            <a:avLst/>
+          </a:prstGeom>
+          <a:noFill/>
+          <a:ln w="0">
+            <a:noFill/>
+          </a:ln>
+        </p:spPr>
+        <p:style>
+          <a:lnRef idx="0"/>
+          <a:fillRef idx="0"/>
+          <a:effectRef idx="0"/>
+          <a:fontRef idx="minor"/>
+        </p:style>
         <p:txBody>
           <a:bodyPr lIns="90000" rIns="90000" tIns="45000" bIns="45000" anchor="t">
             <a:noAutofit/>
           </a:bodyPr>
           <a:p>
+            <a:pPr>
+              <a:lnSpc>
+                <a:spcPct val="100000"/>
+              </a:lnSpc>
+              <a:buNone/>
+            </a:pPr>
             <a:r>
               <a:rPr b="0" lang="pt-BR" sz="1600" spc="-1" strike="noStrike">
                 <a:latin typeface="Arial"/>
@@ -27983,7 +27727,7 @@
         <p:spPr>
           <a:xfrm>
             <a:off x="360000" y="360000"/>
-            <a:ext cx="9353160" cy="893160"/>
+            <a:ext cx="9352800" cy="892800"/>
           </a:xfrm>
           <a:prstGeom prst="rect">
             <a:avLst/>
@@ -28035,7 +27779,7 @@
         <p:spPr>
           <a:xfrm>
             <a:off x="7608600" y="6886080"/>
-            <a:ext cx="2278440" cy="358200"/>
+            <a:ext cx="2278080" cy="357840"/>
           </a:xfrm>
           <a:prstGeom prst="rect">
             <a:avLst/>
@@ -28087,7 +27831,7 @@
         <p:spPr>
           <a:xfrm>
             <a:off x="897120" y="6886080"/>
-            <a:ext cx="6440400" cy="358200"/>
+            <a:ext cx="6440040" cy="357840"/>
           </a:xfrm>
           <a:prstGeom prst="rect">
             <a:avLst/>
@@ -28144,7 +27888,7 @@
         <p:spPr>
           <a:xfrm>
             <a:off x="900000" y="4888800"/>
-            <a:ext cx="1771200" cy="1759320"/>
+            <a:ext cx="1770840" cy="1758960"/>
           </a:xfrm>
           <a:prstGeom prst="rect">
             <a:avLst/>
@@ -28163,7 +27907,7 @@
         <p:spPr>
           <a:xfrm>
             <a:off x="7312320" y="5040000"/>
-            <a:ext cx="1687680" cy="429480"/>
+            <a:ext cx="1687320" cy="429120"/>
           </a:xfrm>
           <a:prstGeom prst="rect">
             <a:avLst/>
@@ -28208,6 +27952,7 @@
                   <a:srgbClr val="ffffff"/>
                 </a:solidFill>
                 <a:latin typeface="Calibri"/>
+                <a:ea typeface="DejaVu Sans"/>
               </a:rPr>
               <a:t>print_rec(3)</a:t>
             </a:r>
@@ -28226,7 +27971,7 @@
         <p:spPr>
           <a:xfrm>
             <a:off x="7181640" y="2505600"/>
-            <a:ext cx="1979640" cy="3065040"/>
+            <a:ext cx="1979280" cy="3064680"/>
           </a:xfrm>
           <a:prstGeom prst="rect">
             <a:avLst/>
@@ -28295,6 +28040,7 @@
                   <a:srgbClr val="000000"/>
                 </a:solidFill>
                 <a:latin typeface="Calibri"/>
+                <a:ea typeface="DejaVu Sans"/>
               </a:rPr>
               <a:t>Call   Stack</a:t>
             </a:r>
@@ -28312,8 +28058,8 @@
         </p:nvSpPr>
         <p:spPr>
           <a:xfrm rot="10800000">
-            <a:off x="8822880" y="5131080"/>
-            <a:ext cx="682200" cy="279360"/>
+            <a:off x="8823240" y="5131440"/>
+            <a:ext cx="681840" cy="279000"/>
           </a:xfrm>
           <a:prstGeom prst="rightArrow">
             <a:avLst>
@@ -28358,7 +28104,7 @@
         <p:spPr>
           <a:xfrm>
             <a:off x="1013400" y="1620000"/>
-            <a:ext cx="2737080" cy="1171080"/>
+            <a:ext cx="2736720" cy="1170720"/>
           </a:xfrm>
           <a:prstGeom prst="rect">
             <a:avLst/>
@@ -28377,7 +28123,7 @@
         <p:spPr>
           <a:xfrm>
             <a:off x="1147320" y="5028840"/>
-            <a:ext cx="636840" cy="1597320"/>
+            <a:ext cx="636480" cy="1597320"/>
           </a:xfrm>
           <a:prstGeom prst="rect">
             <a:avLst/>
@@ -28410,53 +28156,28 @@
                   <a:srgbClr val="ffffff"/>
                 </a:solidFill>
                 <a:latin typeface="Calibri"/>
-              </a:rPr>
-              <a:t>M</a:t>
-            </a:r>
+                <a:ea typeface="DejaVu Sans"/>
+              </a:rPr>
+              <a:t>Main</a:t>
+            </a:r>
+            <a:endParaRPr b="0" lang="pt-BR" sz="1500" spc="-1" strike="noStrike">
+              <a:latin typeface="Arial"/>
+            </a:endParaRPr>
+          </a:p>
+          <a:p>
+            <a:pPr>
+              <a:lnSpc>
+                <a:spcPct val="100000"/>
+              </a:lnSpc>
+              <a:buNone/>
+            </a:pPr>
             <a:r>
               <a:rPr b="0" lang="pt-BR" sz="1500" spc="-1" strike="noStrike">
                 <a:solidFill>
                   <a:srgbClr val="ffffff"/>
                 </a:solidFill>
                 <a:latin typeface="Calibri"/>
-              </a:rPr>
-              <a:t>a</a:t>
-            </a:r>
-            <a:r>
-              <a:rPr b="0" lang="pt-BR" sz="1500" spc="-1" strike="noStrike">
-                <a:solidFill>
-                  <a:srgbClr val="ffffff"/>
-                </a:solidFill>
-                <a:latin typeface="Calibri"/>
-              </a:rPr>
-              <a:t>i</a:t>
-            </a:r>
-            <a:r>
-              <a:rPr b="0" lang="pt-BR" sz="1500" spc="-1" strike="noStrike">
-                <a:solidFill>
-                  <a:srgbClr val="ffffff"/>
-                </a:solidFill>
-                <a:latin typeface="Calibri"/>
-              </a:rPr>
-              <a:t>n</a:t>
-            </a:r>
-            <a:endParaRPr b="0" lang="pt-BR" sz="1500" spc="-1" strike="noStrike">
-              <a:latin typeface="Arial"/>
-            </a:endParaRPr>
-          </a:p>
-          <a:p>
-            <a:pPr>
-              <a:lnSpc>
-                <a:spcPct val="100000"/>
-              </a:lnSpc>
-              <a:buNone/>
-            </a:pPr>
-            <a:r>
-              <a:rPr b="0" lang="pt-BR" sz="1500" spc="-1" strike="noStrike">
-                <a:solidFill>
-                  <a:srgbClr val="ffffff"/>
-                </a:solidFill>
-                <a:latin typeface="Calibri"/>
+                <a:ea typeface="DejaVu Sans"/>
               </a:rPr>
               <a:t>3</a:t>
             </a:r>
@@ -28549,7 +28270,7 @@
         <p:spPr>
           <a:xfrm>
             <a:off x="360000" y="360000"/>
-            <a:ext cx="9353160" cy="893160"/>
+            <a:ext cx="9352800" cy="892800"/>
           </a:xfrm>
           <a:prstGeom prst="rect">
             <a:avLst/>
@@ -28601,7 +28322,7 @@
         <p:spPr>
           <a:xfrm>
             <a:off x="7608600" y="6886080"/>
-            <a:ext cx="2278440" cy="358200"/>
+            <a:ext cx="2278080" cy="357840"/>
           </a:xfrm>
           <a:prstGeom prst="rect">
             <a:avLst/>
@@ -28653,7 +28374,7 @@
         <p:spPr>
           <a:xfrm>
             <a:off x="897120" y="6886080"/>
-            <a:ext cx="6440400" cy="358200"/>
+            <a:ext cx="6440040" cy="357840"/>
           </a:xfrm>
           <a:prstGeom prst="rect">
             <a:avLst/>
@@ -28709,7 +28430,7 @@
         <p:spPr>
           <a:xfrm>
             <a:off x="2049840" y="2800080"/>
-            <a:ext cx="2873880" cy="1240200"/>
+            <a:ext cx="2873520" cy="1239840"/>
           </a:xfrm>
           <a:prstGeom prst="rect">
             <a:avLst/>
@@ -28732,7 +28453,7 @@
         <p:spPr>
           <a:xfrm>
             <a:off x="967320" y="1440000"/>
-            <a:ext cx="2820240" cy="1232640"/>
+            <a:ext cx="2819880" cy="1232280"/>
           </a:xfrm>
           <a:prstGeom prst="rect">
             <a:avLst/>
@@ -28750,8 +28471,8 @@
         </p:nvSpPr>
         <p:spPr>
           <a:xfrm flipH="1" rot="16200000">
-            <a:off x="1391040" y="2761560"/>
-            <a:ext cx="747000" cy="569880"/>
+            <a:off x="1391400" y="2761560"/>
+            <a:ext cx="746640" cy="569520"/>
           </a:xfrm>
           <a:prstGeom prst="bentConnector2">
             <a:avLst/>
@@ -28791,7 +28512,7 @@
         <p:spPr>
           <a:xfrm>
             <a:off x="849960" y="4830840"/>
-            <a:ext cx="1829880" cy="1817640"/>
+            <a:ext cx="1829520" cy="1817280"/>
           </a:xfrm>
           <a:prstGeom prst="rect">
             <a:avLst/>
@@ -28810,7 +28531,7 @@
         <p:spPr>
           <a:xfrm>
             <a:off x="7560000" y="5038200"/>
-            <a:ext cx="1620000" cy="392760"/>
+            <a:ext cx="1619640" cy="392400"/>
           </a:xfrm>
           <a:prstGeom prst="rect">
             <a:avLst/>
@@ -28855,107 +28576,9 @@
                   <a:srgbClr val="ffffff"/>
                 </a:solidFill>
                 <a:latin typeface="Calibri"/>
-              </a:rPr>
-              <a:t>p</a:t>
-            </a:r>
-            <a:r>
-              <a:rPr b="0" lang="pt-BR" sz="1800" spc="-1" strike="noStrike">
-                <a:solidFill>
-                  <a:srgbClr val="ffffff"/>
-                </a:solidFill>
-                <a:latin typeface="Calibri"/>
-              </a:rPr>
-              <a:t>r</a:t>
-            </a:r>
-            <a:r>
-              <a:rPr b="0" lang="pt-BR" sz="1800" spc="-1" strike="noStrike">
-                <a:solidFill>
-                  <a:srgbClr val="ffffff"/>
-                </a:solidFill>
-                <a:latin typeface="Calibri"/>
-              </a:rPr>
-              <a:t>i</a:t>
-            </a:r>
-            <a:r>
-              <a:rPr b="0" lang="pt-BR" sz="1800" spc="-1" strike="noStrike">
-                <a:solidFill>
-                  <a:srgbClr val="ffffff"/>
-                </a:solidFill>
-                <a:latin typeface="Calibri"/>
-              </a:rPr>
-              <a:t>n</a:t>
-            </a:r>
-            <a:r>
-              <a:rPr b="0" lang="pt-BR" sz="1800" spc="-1" strike="noStrike">
-                <a:solidFill>
-                  <a:srgbClr val="ffffff"/>
-                </a:solidFill>
-                <a:latin typeface="Calibri"/>
-              </a:rPr>
-              <a:t>t</a:t>
-            </a:r>
-            <a:r>
-              <a:rPr b="0" lang="pt-BR" sz="1800" spc="-1" strike="noStrike">
-                <a:solidFill>
-                  <a:srgbClr val="ffffff"/>
-                </a:solidFill>
-                <a:latin typeface="Calibri"/>
-              </a:rPr>
-              <a:t>_</a:t>
-            </a:r>
-            <a:r>
-              <a:rPr b="0" lang="pt-BR" sz="1800" spc="-1" strike="noStrike">
-                <a:solidFill>
-                  <a:srgbClr val="ffffff"/>
-                </a:solidFill>
-                <a:latin typeface="Calibri"/>
-              </a:rPr>
-              <a:t>r</a:t>
-            </a:r>
-            <a:r>
-              <a:rPr b="0" lang="pt-BR" sz="1800" spc="-1" strike="noStrike">
-                <a:solidFill>
-                  <a:srgbClr val="ffffff"/>
-                </a:solidFill>
-                <a:latin typeface="Calibri"/>
-              </a:rPr>
-              <a:t>e</a:t>
-            </a:r>
-            <a:r>
-              <a:rPr b="0" lang="pt-BR" sz="1800" spc="-1" strike="noStrike">
-                <a:solidFill>
-                  <a:srgbClr val="ffffff"/>
-                </a:solidFill>
-                <a:latin typeface="Calibri"/>
-              </a:rPr>
-              <a:t>c</a:t>
-            </a:r>
-            <a:r>
-              <a:rPr b="0" lang="pt-BR" sz="1800" spc="-1" strike="noStrike">
-                <a:solidFill>
-                  <a:srgbClr val="ffffff"/>
-                </a:solidFill>
-                <a:latin typeface="Calibri"/>
-              </a:rPr>
-              <a:t>(</a:t>
-            </a:r>
-            <a:r>
-              <a:rPr b="0" lang="pt-BR" sz="1800" spc="-1" strike="noStrike">
-                <a:solidFill>
-                  <a:srgbClr val="ffffff"/>
-                </a:solidFill>
-                <a:latin typeface="Calibri"/>
-              </a:rPr>
-              <a:t>3</a:t>
-            </a:r>
-            <a:r>
-              <a:rPr b="0" lang="pt-BR" sz="1800" spc="-1" strike="noStrike">
-                <a:solidFill>
-                  <a:srgbClr val="ffffff"/>
-                </a:solidFill>
-                <a:latin typeface="Calibri"/>
-              </a:rPr>
-              <a:t>)</a:t>
+                <a:ea typeface="DejaVu Sans"/>
+              </a:rPr>
+              <a:t>print_rec(3)</a:t>
             </a:r>
             <a:endParaRPr b="0" lang="pt-BR" sz="1800" spc="-1" strike="noStrike">
               <a:latin typeface="Arial"/>
@@ -28972,7 +28595,7 @@
         <p:spPr>
           <a:xfrm>
             <a:off x="7339680" y="2368440"/>
-            <a:ext cx="2045520" cy="3166560"/>
+            <a:ext cx="2045160" cy="3166200"/>
           </a:xfrm>
           <a:prstGeom prst="rect">
             <a:avLst/>
@@ -29041,6 +28664,7 @@
                   <a:srgbClr val="000000"/>
                 </a:solidFill>
                 <a:latin typeface="Calibri"/>
+                <a:ea typeface="DejaVu Sans"/>
               </a:rPr>
               <a:t>Call   Stack</a:t>
             </a:r>
@@ -29059,7 +28683,7 @@
         <p:spPr>
           <a:xfrm>
             <a:off x="7560000" y="4541040"/>
-            <a:ext cx="1620000" cy="392760"/>
+            <a:ext cx="1619640" cy="392400"/>
           </a:xfrm>
           <a:prstGeom prst="rect">
             <a:avLst/>
@@ -29104,6 +28728,7 @@
                   <a:srgbClr val="ffffff"/>
                 </a:solidFill>
                 <a:latin typeface="Calibri"/>
+                <a:ea typeface="DejaVu Sans"/>
               </a:rPr>
               <a:t>print_rec(2)</a:t>
             </a:r>
@@ -29121,8 +28746,8 @@
         </p:nvSpPr>
         <p:spPr>
           <a:xfrm rot="10800000">
-            <a:off x="9035640" y="4595760"/>
-            <a:ext cx="704880" cy="288360"/>
+            <a:off x="9036000" y="4596120"/>
+            <a:ext cx="704520" cy="288000"/>
           </a:xfrm>
           <a:prstGeom prst="rightArrow">
             <a:avLst>
@@ -29167,7 +28792,7 @@
         <p:spPr>
           <a:xfrm>
             <a:off x="967320" y="1453680"/>
-            <a:ext cx="2827800" cy="1209600"/>
+            <a:ext cx="2827440" cy="1209240"/>
           </a:xfrm>
           <a:prstGeom prst="rect">
             <a:avLst/>
@@ -29190,7 +28815,7 @@
         <p:spPr>
           <a:xfrm>
             <a:off x="2080440" y="2809440"/>
-            <a:ext cx="2843280" cy="1248120"/>
+            <a:ext cx="2842920" cy="1247760"/>
           </a:xfrm>
           <a:prstGeom prst="rect">
             <a:avLst/>
@@ -29209,7 +28834,7 @@
         <p:spPr>
           <a:xfrm>
             <a:off x="1147320" y="5028840"/>
-            <a:ext cx="636840" cy="1825560"/>
+            <a:ext cx="636480" cy="1825560"/>
           </a:xfrm>
           <a:prstGeom prst="rect">
             <a:avLst/>
@@ -29242,6 +28867,7 @@
                   <a:srgbClr val="ffffff"/>
                 </a:solidFill>
                 <a:latin typeface="Calibri"/>
+                <a:ea typeface="DejaVu Sans"/>
               </a:rPr>
               <a:t>Main</a:t>
             </a:r>
@@ -29262,6 +28888,7 @@
                   <a:srgbClr val="ffffff"/>
                 </a:solidFill>
                 <a:latin typeface="Calibri"/>
+                <a:ea typeface="DejaVu Sans"/>
               </a:rPr>
               <a:t>3</a:t>
             </a:r>
@@ -29282,6 +28909,7 @@
                   <a:srgbClr val="ffffff"/>
                 </a:solidFill>
                 <a:latin typeface="Calibri"/>
+                <a:ea typeface="DejaVu Sans"/>
               </a:rPr>
               <a:t>2</a:t>
             </a:r>
@@ -29374,7 +29002,7 @@
         <p:spPr>
           <a:xfrm>
             <a:off x="1028160" y="1739520"/>
-            <a:ext cx="7431840" cy="709560"/>
+            <a:ext cx="7431480" cy="709200"/>
           </a:xfrm>
           <a:prstGeom prst="rect">
             <a:avLst/>
@@ -29426,7 +29054,7 @@
         <p:spPr>
           <a:xfrm>
             <a:off x="7608600" y="6886080"/>
-            <a:ext cx="2278440" cy="358200"/>
+            <a:ext cx="2278080" cy="357840"/>
           </a:xfrm>
           <a:prstGeom prst="rect">
             <a:avLst/>
@@ -29478,7 +29106,7 @@
         <p:spPr>
           <a:xfrm>
             <a:off x="897120" y="6886080"/>
-            <a:ext cx="6440400" cy="358200"/>
+            <a:ext cx="6440040" cy="357840"/>
           </a:xfrm>
           <a:prstGeom prst="rect">
             <a:avLst/>
@@ -29534,7 +29162,7 @@
         <p:spPr>
           <a:xfrm>
             <a:off x="1986120" y="2955960"/>
-            <a:ext cx="2822760" cy="1218240"/>
+            <a:ext cx="2822400" cy="1217880"/>
           </a:xfrm>
           <a:prstGeom prst="rect">
             <a:avLst/>
@@ -29557,7 +29185,7 @@
         <p:spPr>
           <a:xfrm>
             <a:off x="922680" y="1620000"/>
-            <a:ext cx="2770200" cy="1211040"/>
+            <a:ext cx="2769840" cy="1210680"/>
           </a:xfrm>
           <a:prstGeom prst="rect">
             <a:avLst/>
@@ -29580,7 +29208,7 @@
         <p:spPr>
           <a:xfrm>
             <a:off x="3261240" y="4299120"/>
-            <a:ext cx="2792880" cy="1195560"/>
+            <a:ext cx="2792520" cy="1195200"/>
           </a:xfrm>
           <a:prstGeom prst="rect">
             <a:avLst/>
@@ -29598,8 +29226,8 @@
         </p:nvSpPr>
         <p:spPr>
           <a:xfrm flipH="1" rot="16200000">
-            <a:off x="1338840" y="2918160"/>
-            <a:ext cx="733680" cy="559800"/>
+            <a:off x="1339200" y="2918160"/>
+            <a:ext cx="733320" cy="559440"/>
           </a:xfrm>
           <a:prstGeom prst="bentConnector2">
             <a:avLst/>
@@ -29633,8 +29261,8 @@
         </p:nvSpPr>
         <p:spPr>
           <a:xfrm flipH="1" rot="16200000">
-            <a:off x="2612520" y="4248360"/>
-            <a:ext cx="715320" cy="581760"/>
+            <a:off x="2612160" y="4248360"/>
+            <a:ext cx="714960" cy="581400"/>
           </a:xfrm>
           <a:prstGeom prst="bentConnector2">
             <a:avLst/>
@@ -29702,6 +29330,7 @@
                   <a:srgbClr val="ffffff"/>
                 </a:solidFill>
                 <a:latin typeface="Calibri"/>
+                <a:ea typeface="DejaVu Sans"/>
               </a:rPr>
               <a:t>3</a:t>
             </a:r>
@@ -29722,6 +29351,7 @@
                   <a:srgbClr val="ffffff"/>
                 </a:solidFill>
                 <a:latin typeface="Calibri"/>
+                <a:ea typeface="DejaVu Sans"/>
               </a:rPr>
               <a:t>2</a:t>
             </a:r>
@@ -29742,6 +29372,7 @@
                   <a:srgbClr val="ffffff"/>
                 </a:solidFill>
                 <a:latin typeface="Calibri"/>
+                <a:ea typeface="DejaVu Sans"/>
               </a:rPr>
               <a:t>1</a:t>
             </a:r>
@@ -29765,7 +29396,7 @@
         <p:spPr>
           <a:xfrm>
             <a:off x="807480" y="4950360"/>
-            <a:ext cx="1797480" cy="1785600"/>
+            <a:ext cx="1797120" cy="1785240"/>
           </a:xfrm>
           <a:prstGeom prst="rect">
             <a:avLst/>
@@ -29784,7 +29415,7 @@
         <p:spPr>
           <a:xfrm>
             <a:off x="7380000" y="5154480"/>
-            <a:ext cx="1620000" cy="385560"/>
+            <a:ext cx="1619640" cy="385200"/>
           </a:xfrm>
           <a:prstGeom prst="rect">
             <a:avLst/>
@@ -29829,6 +29460,7 @@
                   <a:srgbClr val="ffffff"/>
                 </a:solidFill>
                 <a:latin typeface="Calibri"/>
+                <a:ea typeface="DejaVu Sans"/>
               </a:rPr>
               <a:t>print_rec(3)</a:t>
             </a:r>
@@ -29847,7 +29479,7 @@
         <p:spPr>
           <a:xfrm>
             <a:off x="7182000" y="2531880"/>
-            <a:ext cx="2009160" cy="3110400"/>
+            <a:ext cx="2008800" cy="3110040"/>
           </a:xfrm>
           <a:prstGeom prst="rect">
             <a:avLst/>
@@ -29916,6 +29548,7 @@
                   <a:srgbClr val="000000"/>
                 </a:solidFill>
                 <a:latin typeface="Calibri"/>
+                <a:ea typeface="DejaVu Sans"/>
               </a:rPr>
               <a:t>Call   Stack</a:t>
             </a:r>
@@ -29934,7 +29567,7 @@
         <p:spPr>
           <a:xfrm>
             <a:off x="7380000" y="4666320"/>
-            <a:ext cx="1620000" cy="385560"/>
+            <a:ext cx="1619640" cy="385200"/>
           </a:xfrm>
           <a:prstGeom prst="rect">
             <a:avLst/>
@@ -29979,6 +29612,7 @@
                   <a:srgbClr val="ffffff"/>
                 </a:solidFill>
                 <a:latin typeface="Calibri"/>
+                <a:ea typeface="DejaVu Sans"/>
               </a:rPr>
               <a:t>print_rec(2)</a:t>
             </a:r>
@@ -29997,7 +29631,7 @@
         <p:spPr>
           <a:xfrm>
             <a:off x="7380000" y="4174560"/>
-            <a:ext cx="1620000" cy="385560"/>
+            <a:ext cx="1619640" cy="385200"/>
           </a:xfrm>
           <a:prstGeom prst="rect">
             <a:avLst/>
@@ -30042,6 +29676,7 @@
                   <a:srgbClr val="ffffff"/>
                 </a:solidFill>
                 <a:latin typeface="Calibri"/>
+                <a:ea typeface="DejaVu Sans"/>
               </a:rPr>
               <a:t>print_rec(1)</a:t>
             </a:r>
@@ -30059,8 +29694,8 @@
         </p:nvSpPr>
         <p:spPr>
           <a:xfrm rot="10800000">
-            <a:off x="8847720" y="4220280"/>
-            <a:ext cx="692280" cy="283320"/>
+            <a:off x="8848080" y="4220640"/>
+            <a:ext cx="691920" cy="282960"/>
           </a:xfrm>
           <a:prstGeom prst="rightArrow">
             <a:avLst>
@@ -30105,7 +29740,7 @@
         <p:spPr>
           <a:xfrm>
             <a:off x="922680" y="1633680"/>
-            <a:ext cx="2777760" cy="1188000"/>
+            <a:ext cx="2777400" cy="1187640"/>
           </a:xfrm>
           <a:prstGeom prst="rect">
             <a:avLst/>
@@ -30128,7 +29763,7 @@
         <p:spPr>
           <a:xfrm>
             <a:off x="2016360" y="2964960"/>
-            <a:ext cx="2792520" cy="1226160"/>
+            <a:ext cx="2792160" cy="1225800"/>
           </a:xfrm>
           <a:prstGeom prst="rect">
             <a:avLst/>
@@ -30151,7 +29786,7 @@
         <p:spPr>
           <a:xfrm>
             <a:off x="3290040" y="4310640"/>
-            <a:ext cx="2754720" cy="1188360"/>
+            <a:ext cx="2754360" cy="1188000"/>
           </a:xfrm>
           <a:prstGeom prst="rect">
             <a:avLst/>
@@ -30170,7 +29805,7 @@
         <p:spPr>
           <a:xfrm>
             <a:off x="1039320" y="5100840"/>
-            <a:ext cx="636840" cy="2053800"/>
+            <a:ext cx="636480" cy="2053800"/>
           </a:xfrm>
           <a:prstGeom prst="rect">
             <a:avLst/>
@@ -30203,6 +29838,7 @@
                   <a:srgbClr val="ffffff"/>
                 </a:solidFill>
                 <a:latin typeface="Calibri"/>
+                <a:ea typeface="DejaVu Sans"/>
               </a:rPr>
               <a:t>Main</a:t>
             </a:r>
@@ -30223,6 +29859,7 @@
                   <a:srgbClr val="ffffff"/>
                 </a:solidFill>
                 <a:latin typeface="Calibri"/>
+                <a:ea typeface="DejaVu Sans"/>
               </a:rPr>
               <a:t>3</a:t>
             </a:r>
@@ -30243,6 +29880,7 @@
                   <a:srgbClr val="ffffff"/>
                 </a:solidFill>
                 <a:latin typeface="Calibri"/>
+                <a:ea typeface="DejaVu Sans"/>
               </a:rPr>
               <a:t>2</a:t>
             </a:r>
@@ -30263,6 +29901,7 @@
                   <a:srgbClr val="ffffff"/>
                 </a:solidFill>
                 <a:latin typeface="Calibri"/>
+                <a:ea typeface="DejaVu Sans"/>
               </a:rPr>
               <a:t>1</a:t>
             </a:r>
@@ -30319,27 +29958,39 @@
       <p:sp>
         <p:nvSpPr>
           <p:cNvPr id="194" name=""/>
-          <p:cNvSpPr txBox="1"/>
+          <p:cNvSpPr/>
           <p:nvPr/>
         </p:nvSpPr>
         <p:spPr>
           <a:xfrm>
             <a:off x="164880" y="720000"/>
-            <a:ext cx="2715120" cy="672840"/>
-          </a:xfrm>
-          <a:prstGeom prst="rect">
-            <a:avLst/>
-          </a:prstGeom>
-          <a:noFill/>
-          <a:ln w="0">
-            <a:noFill/>
-          </a:ln>
-        </p:spPr>
+            <a:ext cx="2714760" cy="672480"/>
+          </a:xfrm>
+          <a:prstGeom prst="rect">
+            <a:avLst/>
+          </a:prstGeom>
+          <a:noFill/>
+          <a:ln w="0">
+            <a:noFill/>
+          </a:ln>
+        </p:spPr>
+        <p:style>
+          <a:lnRef idx="0"/>
+          <a:fillRef idx="0"/>
+          <a:effectRef idx="0"/>
+          <a:fontRef idx="minor"/>
+        </p:style>
         <p:txBody>
           <a:bodyPr lIns="90000" rIns="90000" tIns="45000" bIns="45000" anchor="t">
             <a:noAutofit/>
           </a:bodyPr>
           <a:p>
+            <a:pPr>
+              <a:lnSpc>
+                <a:spcPct val="100000"/>
+              </a:lnSpc>
+              <a:buNone/>
+            </a:pPr>
             <a:r>
               <a:rPr b="1" lang="pt-BR" sz="3200" spc="-1" strike="noStrike">
                 <a:solidFill>
@@ -30348,17 +29999,7 @@
                 <a:latin typeface="Latin Modern Sans"/>
                 <a:ea typeface="DejaVu Sans"/>
               </a:rPr>
-              <a:t>Recursivi</a:t>
-            </a:r>
-            <a:r>
-              <a:rPr b="1" lang="pt-BR" sz="3200" spc="-1" strike="noStrike">
-                <a:solidFill>
-                  <a:srgbClr val="ffffff"/>
-                </a:solidFill>
-                <a:latin typeface="Latin Modern Sans"/>
-                <a:ea typeface="DejaVu Sans"/>
-              </a:rPr>
-              <a:t>dade</a:t>
+              <a:t>Recursividade</a:t>
             </a:r>
             <a:endParaRPr b="0" lang="pt-BR" sz="3200" spc="-1" strike="noStrike">
               <a:latin typeface="Arial"/>
@@ -30405,7 +30046,7 @@
         <p:spPr>
           <a:xfrm>
             <a:off x="952560" y="1565280"/>
-            <a:ext cx="7814520" cy="746280"/>
+            <a:ext cx="7814160" cy="745920"/>
           </a:xfrm>
           <a:prstGeom prst="rect">
             <a:avLst/>
@@ -30457,7 +30098,7 @@
         <p:spPr>
           <a:xfrm>
             <a:off x="7608600" y="6922080"/>
-            <a:ext cx="2278440" cy="358200"/>
+            <a:ext cx="2278080" cy="357840"/>
           </a:xfrm>
           <a:prstGeom prst="rect">
             <a:avLst/>
@@ -30509,7 +30150,7 @@
         <p:spPr>
           <a:xfrm>
             <a:off x="897120" y="6922080"/>
-            <a:ext cx="6440400" cy="358200"/>
+            <a:ext cx="6440040" cy="357840"/>
           </a:xfrm>
           <a:prstGeom prst="rect">
             <a:avLst/>
@@ -30565,7 +30206,7 @@
         <p:spPr>
           <a:xfrm>
             <a:off x="1959120" y="2844720"/>
-            <a:ext cx="2968560" cy="1280880"/>
+            <a:ext cx="2968200" cy="1280520"/>
           </a:xfrm>
           <a:prstGeom prst="rect">
             <a:avLst/>
@@ -30588,7 +30229,7 @@
         <p:spPr>
           <a:xfrm>
             <a:off x="841320" y="1440000"/>
-            <a:ext cx="2912760" cy="1273320"/>
+            <a:ext cx="2912400" cy="1272960"/>
           </a:xfrm>
           <a:prstGeom prst="rect">
             <a:avLst/>
@@ -30611,7 +30252,7 @@
         <p:spPr>
           <a:xfrm>
             <a:off x="3300480" y="4257000"/>
-            <a:ext cx="2936520" cy="1257480"/>
+            <a:ext cx="2936160" cy="1257120"/>
           </a:xfrm>
           <a:prstGeom prst="rect">
             <a:avLst/>
@@ -30629,8 +30270,8 @@
         </p:nvSpPr>
         <p:spPr>
           <a:xfrm flipH="1" rot="16200000">
-            <a:off x="1279080" y="2805120"/>
-            <a:ext cx="771480" cy="588240"/>
+            <a:off x="1278720" y="2805120"/>
+            <a:ext cx="771120" cy="587880"/>
           </a:xfrm>
           <a:prstGeom prst="bentConnector2">
             <a:avLst/>
@@ -30664,8 +30305,8 @@
         </p:nvSpPr>
         <p:spPr>
           <a:xfrm flipH="1" rot="16200000">
-            <a:off x="2617920" y="4204080"/>
-            <a:ext cx="752040" cy="611640"/>
+            <a:off x="2618280" y="4204080"/>
+            <a:ext cx="751680" cy="611280"/>
           </a:xfrm>
           <a:prstGeom prst="bentConnector2">
             <a:avLst/>
@@ -30700,7 +30341,7 @@
         <p:spPr>
           <a:xfrm>
             <a:off x="4025520" y="5514840"/>
-            <a:ext cx="611640" cy="596520"/>
+            <a:ext cx="611280" cy="596160"/>
           </a:xfrm>
           <a:prstGeom prst="bentConnector3">
             <a:avLst>
@@ -30770,6 +30411,7 @@
                   <a:srgbClr val="ffffff"/>
                 </a:solidFill>
                 <a:latin typeface="Calibri"/>
+                <a:ea typeface="DejaVu Sans"/>
               </a:rPr>
               <a:t>3</a:t>
             </a:r>
@@ -30790,6 +30432,7 @@
                   <a:srgbClr val="ffffff"/>
                 </a:solidFill>
                 <a:latin typeface="Calibri"/>
+                <a:ea typeface="DejaVu Sans"/>
               </a:rPr>
               <a:t>2</a:t>
             </a:r>
@@ -30810,6 +30453,7 @@
                   <a:srgbClr val="ffffff"/>
                 </a:solidFill>
                 <a:latin typeface="Calibri"/>
+                <a:ea typeface="DejaVu Sans"/>
               </a:rPr>
               <a:t>1</a:t>
             </a:r>
@@ -30830,6 +30474,7 @@
                   <a:srgbClr val="ffffff"/>
                 </a:solidFill>
                 <a:latin typeface="Calibri"/>
+                <a:ea typeface="DejaVu Sans"/>
               </a:rPr>
               <a:t>0</a:t>
             </a:r>
@@ -30853,7 +30498,7 @@
         <p:spPr>
           <a:xfrm>
             <a:off x="720000" y="4942080"/>
-            <a:ext cx="1890000" cy="1877400"/>
+            <a:ext cx="1889640" cy="1877040"/>
           </a:xfrm>
           <a:prstGeom prst="rect">
             <a:avLst/>
@@ -30905,6 +30550,7 @@
                   <a:srgbClr val="ffffff"/>
                 </a:solidFill>
                 <a:latin typeface="Calibri"/>
+                <a:ea typeface="DejaVu Sans"/>
               </a:rPr>
               <a:t>3</a:t>
             </a:r>
@@ -30925,6 +30571,7 @@
                   <a:srgbClr val="ffffff"/>
                 </a:solidFill>
                 <a:latin typeface="Calibri"/>
+                <a:ea typeface="DejaVu Sans"/>
               </a:rPr>
               <a:t>2</a:t>
             </a:r>
@@ -30945,6 +30592,7 @@
                   <a:srgbClr val="ffffff"/>
                 </a:solidFill>
                 <a:latin typeface="Calibri"/>
+                <a:ea typeface="DejaVu Sans"/>
               </a:rPr>
               <a:t>1</a:t>
             </a:r>
@@ -30963,7 +30611,7 @@
         <p:spPr>
           <a:xfrm>
             <a:off x="7560000" y="5156640"/>
-            <a:ext cx="1800000" cy="405360"/>
+            <a:ext cx="1799640" cy="405000"/>
           </a:xfrm>
           <a:prstGeom prst="rect">
             <a:avLst/>
@@ -31008,6 +30656,7 @@
                   <a:srgbClr val="ffffff"/>
                 </a:solidFill>
                 <a:latin typeface="Calibri"/>
+                <a:ea typeface="DejaVu Sans"/>
               </a:rPr>
               <a:t>print_rec(3)</a:t>
             </a:r>
@@ -31026,7 +30675,7 @@
         <p:spPr>
           <a:xfrm>
             <a:off x="7423200" y="2399040"/>
-            <a:ext cx="2112480" cy="3270600"/>
+            <a:ext cx="2112120" cy="3270240"/>
           </a:xfrm>
           <a:prstGeom prst="rect">
             <a:avLst/>
@@ -31095,6 +30744,7 @@
                   <a:srgbClr val="000000"/>
                 </a:solidFill>
                 <a:latin typeface="Calibri"/>
+                <a:ea typeface="DejaVu Sans"/>
               </a:rPr>
               <a:t>Call   Stack</a:t>
             </a:r>
@@ -31113,7 +30763,7 @@
         <p:spPr>
           <a:xfrm>
             <a:off x="7560000" y="4642920"/>
-            <a:ext cx="1800000" cy="405720"/>
+            <a:ext cx="1799640" cy="405360"/>
           </a:xfrm>
           <a:prstGeom prst="rect">
             <a:avLst/>
@@ -31158,6 +30808,7 @@
                   <a:srgbClr val="ffffff"/>
                 </a:solidFill>
                 <a:latin typeface="Calibri"/>
+                <a:ea typeface="DejaVu Sans"/>
               </a:rPr>
               <a:t>print_rec(2)</a:t>
             </a:r>
@@ -31176,7 +30827,7 @@
         <p:spPr>
           <a:xfrm>
             <a:off x="7560000" y="4125960"/>
-            <a:ext cx="1800000" cy="405360"/>
+            <a:ext cx="1799640" cy="405000"/>
           </a:xfrm>
           <a:prstGeom prst="rect">
             <a:avLst/>
@@ -31221,6 +30872,7 @@
                   <a:srgbClr val="ffffff"/>
                 </a:solidFill>
                 <a:latin typeface="Calibri"/>
+                <a:ea typeface="DejaVu Sans"/>
               </a:rPr>
               <a:t>print_rec(1)</a:t>
             </a:r>
@@ -31239,7 +30891,7 @@
         <p:spPr>
           <a:xfrm>
             <a:off x="7560000" y="3628800"/>
-            <a:ext cx="1800000" cy="405360"/>
+            <a:ext cx="1799640" cy="405000"/>
           </a:xfrm>
           <a:prstGeom prst="rect">
             <a:avLst/>
@@ -31284,6 +30936,7 @@
                   <a:srgbClr val="ffffff"/>
                 </a:solidFill>
                 <a:latin typeface="Calibri"/>
+                <a:ea typeface="DejaVu Sans"/>
               </a:rPr>
               <a:t>print_rec(0)</a:t>
             </a:r>
@@ -31301,8 +30954,8 @@
         </p:nvSpPr>
         <p:spPr>
           <a:xfrm rot="10800000">
-            <a:off x="9172080" y="3682800"/>
-            <a:ext cx="727920" cy="298080"/>
+            <a:off x="9172440" y="3683160"/>
+            <a:ext cx="727560" cy="297720"/>
           </a:xfrm>
           <a:prstGeom prst="rightArrow">
             <a:avLst>
@@ -31347,7 +31000,7 @@
         <p:spPr>
           <a:xfrm>
             <a:off x="841320" y="1454040"/>
-            <a:ext cx="2920680" cy="1249560"/>
+            <a:ext cx="2920320" cy="1249200"/>
           </a:xfrm>
           <a:prstGeom prst="rect">
             <a:avLst/>
@@ -31370,7 +31023,7 @@
         <p:spPr>
           <a:xfrm>
             <a:off x="1991160" y="2854440"/>
-            <a:ext cx="2936520" cy="1289160"/>
+            <a:ext cx="2936160" cy="1288800"/>
           </a:xfrm>
           <a:prstGeom prst="rect">
             <a:avLst/>
@@ -31393,7 +31046,7 @@
         <p:spPr>
           <a:xfrm>
             <a:off x="3330360" y="4269240"/>
-            <a:ext cx="2896920" cy="1249560"/>
+            <a:ext cx="2896560" cy="1249200"/>
           </a:xfrm>
           <a:prstGeom prst="rect">
             <a:avLst/>
@@ -31416,7 +31069,7 @@
         <p:spPr>
           <a:xfrm>
             <a:off x="4637520" y="5741640"/>
-            <a:ext cx="2323800" cy="739800"/>
+            <a:ext cx="2323440" cy="739440"/>
           </a:xfrm>
           <a:prstGeom prst="rect">
             <a:avLst/>
@@ -31435,7 +31088,7 @@
         <p:spPr>
           <a:xfrm>
             <a:off x="6977880" y="5932440"/>
-            <a:ext cx="488880" cy="417600"/>
+            <a:ext cx="488520" cy="417240"/>
           </a:xfrm>
           <a:prstGeom prst="mathMultiply">
             <a:avLst>
@@ -31475,7 +31128,7 @@
         <p:spPr>
           <a:xfrm>
             <a:off x="1039320" y="5100840"/>
-            <a:ext cx="636840" cy="2053800"/>
+            <a:ext cx="636480" cy="2053800"/>
           </a:xfrm>
           <a:prstGeom prst="rect">
             <a:avLst/>
@@ -31508,6 +31161,7 @@
                   <a:srgbClr val="ffffff"/>
                 </a:solidFill>
                 <a:latin typeface="Calibri"/>
+                <a:ea typeface="DejaVu Sans"/>
               </a:rPr>
               <a:t>Main</a:t>
             </a:r>
@@ -31528,6 +31182,7 @@
                   <a:srgbClr val="ffffff"/>
                 </a:solidFill>
                 <a:latin typeface="Calibri"/>
+                <a:ea typeface="DejaVu Sans"/>
               </a:rPr>
               <a:t>3</a:t>
             </a:r>
@@ -31548,6 +31203,7 @@
                   <a:srgbClr val="ffffff"/>
                 </a:solidFill>
                 <a:latin typeface="Calibri"/>
+                <a:ea typeface="DejaVu Sans"/>
               </a:rPr>
               <a:t>2</a:t>
             </a:r>
@@ -31568,6 +31224,7 @@
                   <a:srgbClr val="ffffff"/>
                 </a:solidFill>
                 <a:latin typeface="Calibri"/>
+                <a:ea typeface="DejaVu Sans"/>
               </a:rPr>
               <a:t>1</a:t>
             </a:r>
@@ -31624,27 +31281,39 @@
       <p:sp>
         <p:nvSpPr>
           <p:cNvPr id="220" name=""/>
-          <p:cNvSpPr txBox="1"/>
+          <p:cNvSpPr/>
           <p:nvPr/>
         </p:nvSpPr>
         <p:spPr>
           <a:xfrm>
             <a:off x="164880" y="720360"/>
-            <a:ext cx="2715120" cy="672840"/>
-          </a:xfrm>
-          <a:prstGeom prst="rect">
-            <a:avLst/>
-          </a:prstGeom>
-          <a:noFill/>
-          <a:ln w="0">
-            <a:noFill/>
-          </a:ln>
-        </p:spPr>
+            <a:ext cx="2714760" cy="672480"/>
+          </a:xfrm>
+          <a:prstGeom prst="rect">
+            <a:avLst/>
+          </a:prstGeom>
+          <a:noFill/>
+          <a:ln w="0">
+            <a:noFill/>
+          </a:ln>
+        </p:spPr>
+        <p:style>
+          <a:lnRef idx="0"/>
+          <a:fillRef idx="0"/>
+          <a:effectRef idx="0"/>
+          <a:fontRef idx="minor"/>
+        </p:style>
         <p:txBody>
           <a:bodyPr lIns="90000" rIns="90000" tIns="45000" bIns="45000" anchor="t">
             <a:noAutofit/>
           </a:bodyPr>
           <a:p>
+            <a:pPr>
+              <a:lnSpc>
+                <a:spcPct val="100000"/>
+              </a:lnSpc>
+              <a:buNone/>
+            </a:pPr>
             <a:r>
               <a:rPr b="1" lang="pt-BR" sz="3200" spc="-1" strike="noStrike">
                 <a:solidFill>
@@ -31700,7 +31369,7 @@
         <p:spPr>
           <a:xfrm>
             <a:off x="978480" y="1564920"/>
-            <a:ext cx="7775280" cy="742320"/>
+            <a:ext cx="7774920" cy="741960"/>
           </a:xfrm>
           <a:prstGeom prst="rect">
             <a:avLst/>
@@ -31752,7 +31421,7 @@
         <p:spPr>
           <a:xfrm>
             <a:off x="7608600" y="6886080"/>
-            <a:ext cx="2278440" cy="358200"/>
+            <a:ext cx="2278080" cy="357840"/>
           </a:xfrm>
           <a:prstGeom prst="rect">
             <a:avLst/>
@@ -31804,7 +31473,7 @@
         <p:spPr>
           <a:xfrm>
             <a:off x="897120" y="6886080"/>
-            <a:ext cx="6440400" cy="358200"/>
+            <a:ext cx="6440040" cy="357840"/>
           </a:xfrm>
           <a:prstGeom prst="rect">
             <a:avLst/>
@@ -31860,7 +31529,7 @@
         <p:spPr>
           <a:xfrm>
             <a:off x="1980360" y="2837520"/>
-            <a:ext cx="2953440" cy="1274760"/>
+            <a:ext cx="2953080" cy="1274400"/>
           </a:xfrm>
           <a:prstGeom prst="rect">
             <a:avLst/>
@@ -31883,7 +31552,7 @@
         <p:spPr>
           <a:xfrm>
             <a:off x="867600" y="1440000"/>
-            <a:ext cx="2898360" cy="1266840"/>
+            <a:ext cx="2898000" cy="1266480"/>
           </a:xfrm>
           <a:prstGeom prst="rect">
             <a:avLst/>
@@ -31906,7 +31575,7 @@
         <p:spPr>
           <a:xfrm>
             <a:off x="3314520" y="4242960"/>
-            <a:ext cx="2921760" cy="1251000"/>
+            <a:ext cx="2921400" cy="1250640"/>
           </a:xfrm>
           <a:prstGeom prst="rect">
             <a:avLst/>
@@ -31924,8 +31593,8 @@
         </p:nvSpPr>
         <p:spPr>
           <a:xfrm flipH="1" rot="16200000">
-            <a:off x="1303920" y="2798280"/>
-            <a:ext cx="767520" cy="585360"/>
+            <a:off x="1303560" y="2798280"/>
+            <a:ext cx="767160" cy="585000"/>
           </a:xfrm>
           <a:prstGeom prst="bentConnector2">
             <a:avLst/>
@@ -31959,8 +31628,8 @@
         </p:nvSpPr>
         <p:spPr>
           <a:xfrm flipH="1" rot="16200000">
-            <a:off x="2635560" y="4190040"/>
-            <a:ext cx="748080" cy="608040"/>
+            <a:off x="2635920" y="4190040"/>
+            <a:ext cx="747720" cy="607680"/>
           </a:xfrm>
           <a:prstGeom prst="bentConnector2">
             <a:avLst/>
@@ -32028,6 +31697,7 @@
                   <a:srgbClr val="ffffff"/>
                 </a:solidFill>
                 <a:latin typeface="Calibri"/>
+                <a:ea typeface="DejaVu Sans"/>
               </a:rPr>
               <a:t>3</a:t>
             </a:r>
@@ -32048,6 +31718,7 @@
                   <a:srgbClr val="ffffff"/>
                 </a:solidFill>
                 <a:latin typeface="Calibri"/>
+                <a:ea typeface="DejaVu Sans"/>
               </a:rPr>
               <a:t>2</a:t>
             </a:r>
@@ -32068,6 +31739,7 @@
                   <a:srgbClr val="ffffff"/>
                 </a:solidFill>
                 <a:latin typeface="Calibri"/>
+                <a:ea typeface="DejaVu Sans"/>
               </a:rPr>
               <a:t>1</a:t>
             </a:r>
@@ -32088,6 +31760,7 @@
                   <a:srgbClr val="ffffff"/>
                 </a:solidFill>
                 <a:latin typeface="Calibri"/>
+                <a:ea typeface="DejaVu Sans"/>
               </a:rPr>
               <a:t>0</a:t>
             </a:r>
@@ -32111,7 +31784,7 @@
         <p:spPr>
           <a:xfrm>
             <a:off x="747000" y="4924440"/>
-            <a:ext cx="1880640" cy="1868040"/>
+            <a:ext cx="1880280" cy="1867680"/>
           </a:xfrm>
           <a:prstGeom prst="rect">
             <a:avLst/>
@@ -32163,6 +31836,7 @@
                   <a:srgbClr val="ffffff"/>
                 </a:solidFill>
                 <a:latin typeface="Calibri"/>
+                <a:ea typeface="DejaVu Sans"/>
               </a:rPr>
               <a:t>3</a:t>
             </a:r>
@@ -32183,6 +31857,7 @@
                   <a:srgbClr val="ffffff"/>
                 </a:solidFill>
                 <a:latin typeface="Calibri"/>
+                <a:ea typeface="DejaVu Sans"/>
               </a:rPr>
               <a:t>2</a:t>
             </a:r>
@@ -32203,6 +31878,7 @@
                   <a:srgbClr val="ffffff"/>
                 </a:solidFill>
                 <a:latin typeface="Calibri"/>
+                <a:ea typeface="DejaVu Sans"/>
               </a:rPr>
               <a:t>1</a:t>
             </a:r>
@@ -32221,7 +31897,7 @@
         <p:spPr>
           <a:xfrm>
             <a:off x="7560000" y="5137920"/>
-            <a:ext cx="1800000" cy="403200"/>
+            <a:ext cx="1799640" cy="402840"/>
           </a:xfrm>
           <a:prstGeom prst="rect">
             <a:avLst/>
@@ -32266,6 +31942,7 @@
                   <a:srgbClr val="ffffff"/>
                 </a:solidFill>
                 <a:latin typeface="Calibri"/>
+                <a:ea typeface="DejaVu Sans"/>
               </a:rPr>
               <a:t>print_rec(3)</a:t>
             </a:r>
@@ -32284,7 +31961,7 @@
         <p:spPr>
           <a:xfrm>
             <a:off x="7416360" y="2394000"/>
-            <a:ext cx="2102040" cy="3254400"/>
+            <a:ext cx="2101680" cy="3254040"/>
           </a:xfrm>
           <a:prstGeom prst="rect">
             <a:avLst/>
@@ -32353,6 +32030,7 @@
                   <a:srgbClr val="000000"/>
                 </a:solidFill>
                 <a:latin typeface="Calibri"/>
+                <a:ea typeface="DejaVu Sans"/>
               </a:rPr>
               <a:t>Call   Stack</a:t>
             </a:r>
@@ -32371,7 +32049,7 @@
         <p:spPr>
           <a:xfrm>
             <a:off x="7560000" y="4626720"/>
-            <a:ext cx="1800000" cy="403560"/>
+            <a:ext cx="1799640" cy="403200"/>
           </a:xfrm>
           <a:prstGeom prst="rect">
             <a:avLst/>
@@ -32416,6 +32094,7 @@
                   <a:srgbClr val="ffffff"/>
                 </a:solidFill>
                 <a:latin typeface="Calibri"/>
+                <a:ea typeface="DejaVu Sans"/>
               </a:rPr>
               <a:t>print_rec(2)</a:t>
             </a:r>
@@ -32434,7 +32113,7 @@
         <p:spPr>
           <a:xfrm>
             <a:off x="7560000" y="4112280"/>
-            <a:ext cx="1800000" cy="403560"/>
+            <a:ext cx="1799640" cy="403200"/>
           </a:xfrm>
           <a:prstGeom prst="rect">
             <a:avLst/>
@@ -32479,6 +32158,7 @@
                   <a:srgbClr val="ffffff"/>
                 </a:solidFill>
                 <a:latin typeface="Calibri"/>
+                <a:ea typeface="DejaVu Sans"/>
               </a:rPr>
               <a:t>print_rec(1)</a:t>
             </a:r>
@@ -32496,8 +32176,8 @@
         </p:nvSpPr>
         <p:spPr>
           <a:xfrm rot="10800000">
-            <a:off x="9175680" y="4203360"/>
-            <a:ext cx="724320" cy="296640"/>
+            <a:off x="9176040" y="4203720"/>
+            <a:ext cx="723960" cy="296280"/>
           </a:xfrm>
           <a:prstGeom prst="rightArrow">
             <a:avLst>
@@ -32542,7 +32222,7 @@
         <p:spPr>
           <a:xfrm>
             <a:off x="867600" y="1454040"/>
-            <a:ext cx="2906640" cy="1243080"/>
+            <a:ext cx="2906280" cy="1242720"/>
           </a:xfrm>
           <a:prstGeom prst="rect">
             <a:avLst/>
@@ -32565,7 +32245,7 @@
         <p:spPr>
           <a:xfrm>
             <a:off x="2011680" y="2846880"/>
-            <a:ext cx="2922120" cy="1283040"/>
+            <a:ext cx="2921760" cy="1282680"/>
           </a:xfrm>
           <a:prstGeom prst="rect">
             <a:avLst/>
@@ -32588,7 +32268,7 @@
         <p:spPr>
           <a:xfrm>
             <a:off x="3344400" y="4255200"/>
-            <a:ext cx="2882160" cy="1243080"/>
+            <a:ext cx="2881800" cy="1242720"/>
           </a:xfrm>
           <a:prstGeom prst="rect">
             <a:avLst/>
@@ -32607,7 +32287,7 @@
         <p:spPr>
           <a:xfrm>
             <a:off x="1039320" y="5100840"/>
-            <a:ext cx="636840" cy="2053800"/>
+            <a:ext cx="636480" cy="2053800"/>
           </a:xfrm>
           <a:prstGeom prst="rect">
             <a:avLst/>
@@ -32640,6 +32320,7 @@
                   <a:srgbClr val="ffffff"/>
                 </a:solidFill>
                 <a:latin typeface="Calibri"/>
+                <a:ea typeface="DejaVu Sans"/>
               </a:rPr>
               <a:t>Main</a:t>
             </a:r>
@@ -32660,6 +32341,7 @@
                   <a:srgbClr val="ffffff"/>
                 </a:solidFill>
                 <a:latin typeface="Calibri"/>
+                <a:ea typeface="DejaVu Sans"/>
               </a:rPr>
               <a:t>3</a:t>
             </a:r>
@@ -32680,6 +32362,7 @@
                   <a:srgbClr val="ffffff"/>
                 </a:solidFill>
                 <a:latin typeface="Calibri"/>
+                <a:ea typeface="DejaVu Sans"/>
               </a:rPr>
               <a:t>2</a:t>
             </a:r>
@@ -32700,6 +32383,7 @@
                   <a:srgbClr val="ffffff"/>
                 </a:solidFill>
                 <a:latin typeface="Calibri"/>
+                <a:ea typeface="DejaVu Sans"/>
               </a:rPr>
               <a:t>1</a:t>
             </a:r>
@@ -32756,27 +32440,39 @@
       <p:sp>
         <p:nvSpPr>
           <p:cNvPr id="242" name=""/>
-          <p:cNvSpPr txBox="1"/>
+          <p:cNvSpPr/>
           <p:nvPr/>
         </p:nvSpPr>
         <p:spPr>
           <a:xfrm>
             <a:off x="164880" y="720360"/>
-            <a:ext cx="2715120" cy="672840"/>
-          </a:xfrm>
-          <a:prstGeom prst="rect">
-            <a:avLst/>
-          </a:prstGeom>
-          <a:noFill/>
-          <a:ln w="0">
-            <a:noFill/>
-          </a:ln>
-        </p:spPr>
+            <a:ext cx="2714760" cy="672480"/>
+          </a:xfrm>
+          <a:prstGeom prst="rect">
+            <a:avLst/>
+          </a:prstGeom>
+          <a:noFill/>
+          <a:ln w="0">
+            <a:noFill/>
+          </a:ln>
+        </p:spPr>
+        <p:style>
+          <a:lnRef idx="0"/>
+          <a:fillRef idx="0"/>
+          <a:effectRef idx="0"/>
+          <a:fontRef idx="minor"/>
+        </p:style>
         <p:txBody>
           <a:bodyPr lIns="90000" rIns="90000" tIns="45000" bIns="45000" anchor="t">
             <a:noAutofit/>
           </a:bodyPr>
           <a:p>
+            <a:pPr>
+              <a:lnSpc>
+                <a:spcPct val="100000"/>
+              </a:lnSpc>
+              <a:buNone/>
+            </a:pPr>
             <a:r>
               <a:rPr b="1" lang="pt-BR" sz="3200" spc="-1" strike="noStrike">
                 <a:solidFill>
